--- a/Desarrollo de Interfaces/GuiaEstilos.pptx
+++ b/Desarrollo de Interfaces/GuiaEstilos.pptx
@@ -8,6 +8,7 @@
     <p:sldId id="256" r:id="rId2"/>
     <p:sldId id="260" r:id="rId3"/>
     <p:sldId id="258" r:id="rId4"/>
+    <p:sldId id="261" r:id="rId5"/>
   </p:sldIdLst>
   <p:sldSz cx="12192000" cy="6858000"/>
   <p:notesSz cx="6858000" cy="9144000"/>
@@ -117,9 +118,472 @@
 <file path=ppt/revisionInfo.xml><?xml version="1.0" encoding="utf-8"?>
 <p1510:revInfo xmlns:a="http://schemas.openxmlformats.org/drawingml/2006/main" xmlns:r="http://schemas.openxmlformats.org/officeDocument/2006/relationships" xmlns:p1510="http://schemas.microsoft.com/office/powerpoint/2015/10/main">
   <p1510:revLst>
-    <p1510:client id="{CFF86583-A3F4-4C46-97DC-E02E6B4BFACA}" v="3" dt="2022-09-13T10:58:31.155"/>
+    <p1510:client id="{C94E8737-7DAD-4E54-BBE8-F6C54D3EE908}" v="6" dt="2022-09-15T08:48:23.908"/>
   </p1510:revLst>
 </p1510:revInfo>
+</file>
+
+<file path=ppt/changesInfos/changesInfo1.xml><?xml version="1.0" encoding="utf-8"?>
+<pc:chgInfo xmlns:a="http://schemas.openxmlformats.org/drawingml/2006/main" xmlns:r="http://schemas.openxmlformats.org/officeDocument/2006/relationships" xmlns:ac="http://schemas.microsoft.com/office/drawing/2013/main/command" xmlns:pc="http://schemas.microsoft.com/office/powerpoint/2013/main/command">
+  <pc:docChgLst>
+    <pc:chgData name="Óscar Antelo Nieto" userId="59b0ca0ca41ac315" providerId="LiveId" clId="{C94E8737-7DAD-4E54-BBE8-F6C54D3EE908}"/>
+    <pc:docChg chg="custSel addSld delSld modSld sldOrd">
+      <pc:chgData name="Óscar Antelo Nieto" userId="59b0ca0ca41ac315" providerId="LiveId" clId="{C94E8737-7DAD-4E54-BBE8-F6C54D3EE908}" dt="2022-09-15T08:50:33.413" v="827" actId="14100"/>
+      <pc:docMkLst>
+        <pc:docMk/>
+      </pc:docMkLst>
+      <pc:sldChg chg="addSp delSp modSp mod">
+        <pc:chgData name="Óscar Antelo Nieto" userId="59b0ca0ca41ac315" providerId="LiveId" clId="{C94E8737-7DAD-4E54-BBE8-F6C54D3EE908}" dt="2022-09-15T08:46:22.052" v="793" actId="255"/>
+        <pc:sldMkLst>
+          <pc:docMk/>
+          <pc:sldMk cId="1531244422" sldId="256"/>
+        </pc:sldMkLst>
+        <pc:spChg chg="mod">
+          <ac:chgData name="Óscar Antelo Nieto" userId="59b0ca0ca41ac315" providerId="LiveId" clId="{C94E8737-7DAD-4E54-BBE8-F6C54D3EE908}" dt="2022-09-14T20:54:30.092" v="460" actId="14100"/>
+          <ac:spMkLst>
+            <pc:docMk/>
+            <pc:sldMk cId="1531244422" sldId="256"/>
+            <ac:spMk id="2" creationId="{D248E596-26F5-EB38-7095-CBC6E14E06AF}"/>
+          </ac:spMkLst>
+        </pc:spChg>
+        <pc:spChg chg="mod">
+          <ac:chgData name="Óscar Antelo Nieto" userId="59b0ca0ca41ac315" providerId="LiveId" clId="{C94E8737-7DAD-4E54-BBE8-F6C54D3EE908}" dt="2022-09-15T08:43:34.435" v="696" actId="255"/>
+          <ac:spMkLst>
+            <pc:docMk/>
+            <pc:sldMk cId="1531244422" sldId="256"/>
+            <ac:spMk id="3" creationId="{65659EA2-F610-6BDF-4988-EB09AC1CC713}"/>
+          </ac:spMkLst>
+        </pc:spChg>
+        <pc:spChg chg="mod">
+          <ac:chgData name="Óscar Antelo Nieto" userId="59b0ca0ca41ac315" providerId="LiveId" clId="{C94E8737-7DAD-4E54-BBE8-F6C54D3EE908}" dt="2022-09-15T08:45:12.605" v="705" actId="14100"/>
+          <ac:spMkLst>
+            <pc:docMk/>
+            <pc:sldMk cId="1531244422" sldId="256"/>
+            <ac:spMk id="4" creationId="{3E441F5F-016D-01D1-A9BD-4D666C9DA641}"/>
+          </ac:spMkLst>
+        </pc:spChg>
+        <pc:spChg chg="mod">
+          <ac:chgData name="Óscar Antelo Nieto" userId="59b0ca0ca41ac315" providerId="LiveId" clId="{C94E8737-7DAD-4E54-BBE8-F6C54D3EE908}" dt="2022-09-15T08:43:26.807" v="695" actId="255"/>
+          <ac:spMkLst>
+            <pc:docMk/>
+            <pc:sldMk cId="1531244422" sldId="256"/>
+            <ac:spMk id="5" creationId="{2DC29BC3-EB5D-E4A2-7333-39F756C002B2}"/>
+          </ac:spMkLst>
+        </pc:spChg>
+        <pc:spChg chg="mod">
+          <ac:chgData name="Óscar Antelo Nieto" userId="59b0ca0ca41ac315" providerId="LiveId" clId="{C94E8737-7DAD-4E54-BBE8-F6C54D3EE908}" dt="2022-09-15T08:46:22.052" v="793" actId="255"/>
+          <ac:spMkLst>
+            <pc:docMk/>
+            <pc:sldMk cId="1531244422" sldId="256"/>
+            <ac:spMk id="7" creationId="{70194F01-682B-B44C-AD80-B574C228B0B6}"/>
+          </ac:spMkLst>
+        </pc:spChg>
+        <pc:spChg chg="add mod">
+          <ac:chgData name="Óscar Antelo Nieto" userId="59b0ca0ca41ac315" providerId="LiveId" clId="{C94E8737-7DAD-4E54-BBE8-F6C54D3EE908}" dt="2022-09-15T08:45:19.818" v="707" actId="14100"/>
+          <ac:spMkLst>
+            <pc:docMk/>
+            <pc:sldMk cId="1531244422" sldId="256"/>
+            <ac:spMk id="8" creationId="{A933F6FF-B5D6-92B1-1DF1-BDDD4763F793}"/>
+          </ac:spMkLst>
+        </pc:spChg>
+        <pc:spChg chg="add mod">
+          <ac:chgData name="Óscar Antelo Nieto" userId="59b0ca0ca41ac315" providerId="LiveId" clId="{C94E8737-7DAD-4E54-BBE8-F6C54D3EE908}" dt="2022-09-15T08:46:09.834" v="792" actId="20577"/>
+          <ac:spMkLst>
+            <pc:docMk/>
+            <pc:sldMk cId="1531244422" sldId="256"/>
+            <ac:spMk id="10" creationId="{CCA5CD65-C270-CA2B-6D5C-2C5755204C2C}"/>
+          </ac:spMkLst>
+        </pc:spChg>
+        <pc:spChg chg="mod">
+          <ac:chgData name="Óscar Antelo Nieto" userId="59b0ca0ca41ac315" providerId="LiveId" clId="{C94E8737-7DAD-4E54-BBE8-F6C54D3EE908}" dt="2022-09-15T08:45:49.916" v="743" actId="5793"/>
+          <ac:spMkLst>
+            <pc:docMk/>
+            <pc:sldMk cId="1531244422" sldId="256"/>
+            <ac:spMk id="11" creationId="{90D7FEBE-7517-ED16-61F6-BE34D8D47A5A}"/>
+          </ac:spMkLst>
+        </pc:spChg>
+        <pc:spChg chg="add mod">
+          <ac:chgData name="Óscar Antelo Nieto" userId="59b0ca0ca41ac315" providerId="LiveId" clId="{C94E8737-7DAD-4E54-BBE8-F6C54D3EE908}" dt="2022-09-14T20:56:28.911" v="531" actId="255"/>
+          <ac:spMkLst>
+            <pc:docMk/>
+            <pc:sldMk cId="1531244422" sldId="256"/>
+            <ac:spMk id="12" creationId="{50C451C9-E157-A290-8F8D-B9E5B2B32004}"/>
+          </ac:spMkLst>
+        </pc:spChg>
+        <pc:spChg chg="add mod">
+          <ac:chgData name="Óscar Antelo Nieto" userId="59b0ca0ca41ac315" providerId="LiveId" clId="{C94E8737-7DAD-4E54-BBE8-F6C54D3EE908}" dt="2022-09-14T20:56:44.359" v="535" actId="1076"/>
+          <ac:spMkLst>
+            <pc:docMk/>
+            <pc:sldMk cId="1531244422" sldId="256"/>
+            <ac:spMk id="13" creationId="{E88615D0-ECDE-28CB-DACC-EEDF8986BDAA}"/>
+          </ac:spMkLst>
+        </pc:spChg>
+        <pc:spChg chg="add del mod">
+          <ac:chgData name="Óscar Antelo Nieto" userId="59b0ca0ca41ac315" providerId="LiveId" clId="{C94E8737-7DAD-4E54-BBE8-F6C54D3EE908}" dt="2022-09-14T20:57:03.325" v="538" actId="478"/>
+          <ac:spMkLst>
+            <pc:docMk/>
+            <pc:sldMk cId="1531244422" sldId="256"/>
+            <ac:spMk id="15" creationId="{E8786472-8CA9-D684-2B87-F3035E823DF5}"/>
+          </ac:spMkLst>
+        </pc:spChg>
+        <pc:spChg chg="mod">
+          <ac:chgData name="Óscar Antelo Nieto" userId="59b0ca0ca41ac315" providerId="LiveId" clId="{C94E8737-7DAD-4E54-BBE8-F6C54D3EE908}" dt="2022-09-15T08:21:09.678" v="584" actId="20577"/>
+          <ac:spMkLst>
+            <pc:docMk/>
+            <pc:sldMk cId="1531244422" sldId="256"/>
+            <ac:spMk id="19" creationId="{5B00004C-CFFF-5C92-1A9A-9AC1F10647C1}"/>
+          </ac:spMkLst>
+        </pc:spChg>
+        <pc:spChg chg="mod">
+          <ac:chgData name="Óscar Antelo Nieto" userId="59b0ca0ca41ac315" providerId="LiveId" clId="{C94E8737-7DAD-4E54-BBE8-F6C54D3EE908}" dt="2022-09-15T08:45:44.087" v="734" actId="5793"/>
+          <ac:spMkLst>
+            <pc:docMk/>
+            <pc:sldMk cId="1531244422" sldId="256"/>
+            <ac:spMk id="21" creationId="{5393176B-0A17-D96C-D11F-E4F861B29200}"/>
+          </ac:spMkLst>
+        </pc:spChg>
+        <pc:spChg chg="mod">
+          <ac:chgData name="Óscar Antelo Nieto" userId="59b0ca0ca41ac315" providerId="LiveId" clId="{C94E8737-7DAD-4E54-BBE8-F6C54D3EE908}" dt="2022-09-15T08:46:01.012" v="765" actId="20577"/>
+          <ac:spMkLst>
+            <pc:docMk/>
+            <pc:sldMk cId="1531244422" sldId="256"/>
+            <ac:spMk id="23" creationId="{C039D088-B8D0-4219-D893-E19D10BC2F25}"/>
+          </ac:spMkLst>
+        </pc:spChg>
+      </pc:sldChg>
+      <pc:sldChg chg="addSp delSp modSp mod ord">
+        <pc:chgData name="Óscar Antelo Nieto" userId="59b0ca0ca41ac315" providerId="LiveId" clId="{C94E8737-7DAD-4E54-BBE8-F6C54D3EE908}" dt="2022-09-15T08:50:04.045" v="824" actId="255"/>
+        <pc:sldMkLst>
+          <pc:docMk/>
+          <pc:sldMk cId="2156905519" sldId="258"/>
+        </pc:sldMkLst>
+        <pc:spChg chg="mod">
+          <ac:chgData name="Óscar Antelo Nieto" userId="59b0ca0ca41ac315" providerId="LiveId" clId="{C94E8737-7DAD-4E54-BBE8-F6C54D3EE908}" dt="2022-09-14T20:58:17.933" v="555" actId="14100"/>
+          <ac:spMkLst>
+            <pc:docMk/>
+            <pc:sldMk cId="2156905519" sldId="258"/>
+            <ac:spMk id="2" creationId="{D248E596-26F5-EB38-7095-CBC6E14E06AF}"/>
+          </ac:spMkLst>
+        </pc:spChg>
+        <pc:spChg chg="add mod">
+          <ac:chgData name="Óscar Antelo Nieto" userId="59b0ca0ca41ac315" providerId="LiveId" clId="{C94E8737-7DAD-4E54-BBE8-F6C54D3EE908}" dt="2022-09-15T08:47:42.130" v="798" actId="255"/>
+          <ac:spMkLst>
+            <pc:docMk/>
+            <pc:sldMk cId="2156905519" sldId="258"/>
+            <ac:spMk id="4" creationId="{E3C5177B-DCC3-43D1-8473-BD92523CC186}"/>
+          </ac:spMkLst>
+        </pc:spChg>
+        <pc:spChg chg="del mod">
+          <ac:chgData name="Óscar Antelo Nieto" userId="59b0ca0ca41ac315" providerId="LiveId" clId="{C94E8737-7DAD-4E54-BBE8-F6C54D3EE908}" dt="2022-09-14T20:23:14.695" v="210" actId="478"/>
+          <ac:spMkLst>
+            <pc:docMk/>
+            <pc:sldMk cId="2156905519" sldId="258"/>
+            <ac:spMk id="5" creationId="{2DC29BC3-EB5D-E4A2-7333-39F756C002B2}"/>
+          </ac:spMkLst>
+        </pc:spChg>
+        <pc:spChg chg="add mod">
+          <ac:chgData name="Óscar Antelo Nieto" userId="59b0ca0ca41ac315" providerId="LiveId" clId="{C94E8737-7DAD-4E54-BBE8-F6C54D3EE908}" dt="2022-09-15T08:47:50.412" v="799" actId="255"/>
+          <ac:spMkLst>
+            <pc:docMk/>
+            <pc:sldMk cId="2156905519" sldId="258"/>
+            <ac:spMk id="7" creationId="{3673F906-21AC-E447-1399-138F02327EB8}"/>
+          </ac:spMkLst>
+        </pc:spChg>
+        <pc:spChg chg="mod">
+          <ac:chgData name="Óscar Antelo Nieto" userId="59b0ca0ca41ac315" providerId="LiveId" clId="{C94E8737-7DAD-4E54-BBE8-F6C54D3EE908}" dt="2022-09-15T08:47:25.696" v="797" actId="255"/>
+          <ac:spMkLst>
+            <pc:docMk/>
+            <pc:sldMk cId="2156905519" sldId="258"/>
+            <ac:spMk id="9" creationId="{3A3A2B96-5C86-2669-EB40-9203B18D04D0}"/>
+          </ac:spMkLst>
+        </pc:spChg>
+        <pc:spChg chg="add mod">
+          <ac:chgData name="Óscar Antelo Nieto" userId="59b0ca0ca41ac315" providerId="LiveId" clId="{C94E8737-7DAD-4E54-BBE8-F6C54D3EE908}" dt="2022-09-15T08:48:05.256" v="801" actId="255"/>
+          <ac:spMkLst>
+            <pc:docMk/>
+            <pc:sldMk cId="2156905519" sldId="258"/>
+            <ac:spMk id="10" creationId="{0884399D-8172-0673-5353-826DD5B86DEC}"/>
+          </ac:spMkLst>
+        </pc:spChg>
+        <pc:spChg chg="del mod">
+          <ac:chgData name="Óscar Antelo Nieto" userId="59b0ca0ca41ac315" providerId="LiveId" clId="{C94E8737-7DAD-4E54-BBE8-F6C54D3EE908}" dt="2022-09-14T20:23:05.553" v="206" actId="478"/>
+          <ac:spMkLst>
+            <pc:docMk/>
+            <pc:sldMk cId="2156905519" sldId="258"/>
+            <ac:spMk id="11" creationId="{90D7FEBE-7517-ED16-61F6-BE34D8D47A5A}"/>
+          </ac:spMkLst>
+        </pc:spChg>
+        <pc:spChg chg="mod">
+          <ac:chgData name="Óscar Antelo Nieto" userId="59b0ca0ca41ac315" providerId="LiveId" clId="{C94E8737-7DAD-4E54-BBE8-F6C54D3EE908}" dt="2022-09-15T08:47:57.563" v="800" actId="255"/>
+          <ac:spMkLst>
+            <pc:docMk/>
+            <pc:sldMk cId="2156905519" sldId="258"/>
+            <ac:spMk id="12" creationId="{06DDC33D-20A8-644A-E8F1-C0F2BEF23B60}"/>
+          </ac:spMkLst>
+        </pc:spChg>
+        <pc:spChg chg="add mod">
+          <ac:chgData name="Óscar Antelo Nieto" userId="59b0ca0ca41ac315" providerId="LiveId" clId="{C94E8737-7DAD-4E54-BBE8-F6C54D3EE908}" dt="2022-09-15T08:48:18.417" v="803" actId="255"/>
+          <ac:spMkLst>
+            <pc:docMk/>
+            <pc:sldMk cId="2156905519" sldId="258"/>
+            <ac:spMk id="14" creationId="{AABC9E52-29BF-0A79-E626-48EB625FA9AC}"/>
+          </ac:spMkLst>
+        </pc:spChg>
+        <pc:spChg chg="add del mod">
+          <ac:chgData name="Óscar Antelo Nieto" userId="59b0ca0ca41ac315" providerId="LiveId" clId="{C94E8737-7DAD-4E54-BBE8-F6C54D3EE908}" dt="2022-09-14T20:28:34.846" v="390" actId="478"/>
+          <ac:spMkLst>
+            <pc:docMk/>
+            <pc:sldMk cId="2156905519" sldId="258"/>
+            <ac:spMk id="15" creationId="{E4A6EC8F-1663-6561-F0C0-AC04A07B32F8}"/>
+          </ac:spMkLst>
+        </pc:spChg>
+        <pc:spChg chg="mod">
+          <ac:chgData name="Óscar Antelo Nieto" userId="59b0ca0ca41ac315" providerId="LiveId" clId="{C94E8737-7DAD-4E54-BBE8-F6C54D3EE908}" dt="2022-09-15T08:21:24.655" v="612" actId="20577"/>
+          <ac:spMkLst>
+            <pc:docMk/>
+            <pc:sldMk cId="2156905519" sldId="258"/>
+            <ac:spMk id="17" creationId="{3F236262-B18F-8827-BC9E-7BDD3E125C6C}"/>
+          </ac:spMkLst>
+        </pc:spChg>
+        <pc:spChg chg="add mod">
+          <ac:chgData name="Óscar Antelo Nieto" userId="59b0ca0ca41ac315" providerId="LiveId" clId="{C94E8737-7DAD-4E54-BBE8-F6C54D3EE908}" dt="2022-09-15T08:49:28.803" v="805" actId="255"/>
+          <ac:spMkLst>
+            <pc:docMk/>
+            <pc:sldMk cId="2156905519" sldId="258"/>
+            <ac:spMk id="18" creationId="{BB5A37BA-CB9B-C3B4-8B87-24D879C31FAB}"/>
+          </ac:spMkLst>
+        </pc:spChg>
+        <pc:spChg chg="del">
+          <ac:chgData name="Óscar Antelo Nieto" userId="59b0ca0ca41ac315" providerId="LiveId" clId="{C94E8737-7DAD-4E54-BBE8-F6C54D3EE908}" dt="2022-09-14T20:22:47.695" v="201" actId="478"/>
+          <ac:spMkLst>
+            <pc:docMk/>
+            <pc:sldMk cId="2156905519" sldId="258"/>
+            <ac:spMk id="19" creationId="{DE619B22-81F4-A7D6-CB50-DBBACA800A5C}"/>
+          </ac:spMkLst>
+        </pc:spChg>
+        <pc:spChg chg="mod">
+          <ac:chgData name="Óscar Antelo Nieto" userId="59b0ca0ca41ac315" providerId="LiveId" clId="{C94E8737-7DAD-4E54-BBE8-F6C54D3EE908}" dt="2022-09-15T08:50:04.045" v="824" actId="255"/>
+          <ac:spMkLst>
+            <pc:docMk/>
+            <pc:sldMk cId="2156905519" sldId="258"/>
+            <ac:spMk id="21" creationId="{297652D3-7B4C-65B7-9B47-38F4ACB0879E}"/>
+          </ac:spMkLst>
+        </pc:spChg>
+        <pc:spChg chg="add mod">
+          <ac:chgData name="Óscar Antelo Nieto" userId="59b0ca0ca41ac315" providerId="LiveId" clId="{C94E8737-7DAD-4E54-BBE8-F6C54D3EE908}" dt="2022-09-15T08:48:32.605" v="804" actId="255"/>
+          <ac:spMkLst>
+            <pc:docMk/>
+            <pc:sldMk cId="2156905519" sldId="258"/>
+            <ac:spMk id="22" creationId="{D02A9D46-39EC-7598-F839-0E0987F84BF2}"/>
+          </ac:spMkLst>
+        </pc:spChg>
+        <pc:spChg chg="add del mod">
+          <ac:chgData name="Óscar Antelo Nieto" userId="59b0ca0ca41ac315" providerId="LiveId" clId="{C94E8737-7DAD-4E54-BBE8-F6C54D3EE908}" dt="2022-09-14T20:29:05.100" v="398" actId="478"/>
+          <ac:spMkLst>
+            <pc:docMk/>
+            <pc:sldMk cId="2156905519" sldId="258"/>
+            <ac:spMk id="24" creationId="{BE1541F5-1E64-B9F3-140A-7CB4BF7AC522}"/>
+          </ac:spMkLst>
+        </pc:spChg>
+        <pc:spChg chg="add mod">
+          <ac:chgData name="Óscar Antelo Nieto" userId="59b0ca0ca41ac315" providerId="LiveId" clId="{C94E8737-7DAD-4E54-BBE8-F6C54D3EE908}" dt="2022-09-15T08:49:49.227" v="823" actId="255"/>
+          <ac:spMkLst>
+            <pc:docMk/>
+            <pc:sldMk cId="2156905519" sldId="258"/>
+            <ac:spMk id="26" creationId="{85B949CB-324B-795D-195C-E304EB7936C9}"/>
+          </ac:spMkLst>
+        </pc:spChg>
+        <pc:spChg chg="add mod">
+          <ac:chgData name="Óscar Antelo Nieto" userId="59b0ca0ca41ac315" providerId="LiveId" clId="{C94E8737-7DAD-4E54-BBE8-F6C54D3EE908}" dt="2022-09-14T20:58:36.274" v="561" actId="14100"/>
+          <ac:spMkLst>
+            <pc:docMk/>
+            <pc:sldMk cId="2156905519" sldId="258"/>
+            <ac:spMk id="28" creationId="{992A7F47-20DE-A457-1291-532D2D5A4FD1}"/>
+          </ac:spMkLst>
+        </pc:spChg>
+        <pc:spChg chg="add mod">
+          <ac:chgData name="Óscar Antelo Nieto" userId="59b0ca0ca41ac315" providerId="LiveId" clId="{C94E8737-7DAD-4E54-BBE8-F6C54D3EE908}" dt="2022-09-14T20:58:39.583" v="562" actId="14100"/>
+          <ac:spMkLst>
+            <pc:docMk/>
+            <pc:sldMk cId="2156905519" sldId="258"/>
+            <ac:spMk id="30" creationId="{AEEE5D8C-675D-539E-7F60-D741F0CFE015}"/>
+          </ac:spMkLst>
+        </pc:spChg>
+      </pc:sldChg>
+      <pc:sldChg chg="addSp delSp modSp mod">
+        <pc:chgData name="Óscar Antelo Nieto" userId="59b0ca0ca41ac315" providerId="LiveId" clId="{C94E8737-7DAD-4E54-BBE8-F6C54D3EE908}" dt="2022-09-15T08:46:59.380" v="794" actId="255"/>
+        <pc:sldMkLst>
+          <pc:docMk/>
+          <pc:sldMk cId="1915182862" sldId="260"/>
+        </pc:sldMkLst>
+        <pc:spChg chg="mod">
+          <ac:chgData name="Óscar Antelo Nieto" userId="59b0ca0ca41ac315" providerId="LiveId" clId="{C94E8737-7DAD-4E54-BBE8-F6C54D3EE908}" dt="2022-09-14T20:57:23.408" v="541" actId="14100"/>
+          <ac:spMkLst>
+            <pc:docMk/>
+            <pc:sldMk cId="1915182862" sldId="260"/>
+            <ac:spMk id="2" creationId="{D248E596-26F5-EB38-7095-CBC6E14E06AF}"/>
+          </ac:spMkLst>
+        </pc:spChg>
+        <pc:spChg chg="mod">
+          <ac:chgData name="Óscar Antelo Nieto" userId="59b0ca0ca41ac315" providerId="LiveId" clId="{C94E8737-7DAD-4E54-BBE8-F6C54D3EE908}" dt="2022-09-15T08:41:51.736" v="690" actId="255"/>
+          <ac:spMkLst>
+            <pc:docMk/>
+            <pc:sldMk cId="1915182862" sldId="260"/>
+            <ac:spMk id="5" creationId="{2DC29BC3-EB5D-E4A2-7333-39F756C002B2}"/>
+          </ac:spMkLst>
+        </pc:spChg>
+        <pc:spChg chg="add mod">
+          <ac:chgData name="Óscar Antelo Nieto" userId="59b0ca0ca41ac315" providerId="LiveId" clId="{C94E8737-7DAD-4E54-BBE8-F6C54D3EE908}" dt="2022-09-15T08:46:59.380" v="794" actId="255"/>
+          <ac:spMkLst>
+            <pc:docMk/>
+            <pc:sldMk cId="1915182862" sldId="260"/>
+            <ac:spMk id="6" creationId="{83DFFE4F-B3AA-6F99-88EC-E6EF519DDD56}"/>
+          </ac:spMkLst>
+        </pc:spChg>
+        <pc:spChg chg="mod">
+          <ac:chgData name="Óscar Antelo Nieto" userId="59b0ca0ca41ac315" providerId="LiveId" clId="{C94E8737-7DAD-4E54-BBE8-F6C54D3EE908}" dt="2022-09-14T20:32:09.814" v="458" actId="20577"/>
+          <ac:spMkLst>
+            <pc:docMk/>
+            <pc:sldMk cId="1915182862" sldId="260"/>
+            <ac:spMk id="7" creationId="{B4FEB28E-C0D1-A512-F899-A29742E2FCC1}"/>
+          </ac:spMkLst>
+        </pc:spChg>
+        <pc:spChg chg="mod">
+          <ac:chgData name="Óscar Antelo Nieto" userId="59b0ca0ca41ac315" providerId="LiveId" clId="{C94E8737-7DAD-4E54-BBE8-F6C54D3EE908}" dt="2022-09-15T08:41:25.504" v="688" actId="255"/>
+          <ac:spMkLst>
+            <pc:docMk/>
+            <pc:sldMk cId="1915182862" sldId="260"/>
+            <ac:spMk id="9" creationId="{3A3A2B96-5C86-2669-EB40-9203B18D04D0}"/>
+          </ac:spMkLst>
+        </pc:spChg>
+        <pc:spChg chg="add del">
+          <ac:chgData name="Óscar Antelo Nieto" userId="59b0ca0ca41ac315" providerId="LiveId" clId="{C94E8737-7DAD-4E54-BBE8-F6C54D3EE908}" dt="2022-09-14T20:57:14.642" v="539" actId="478"/>
+          <ac:spMkLst>
+            <pc:docMk/>
+            <pc:sldMk cId="1915182862" sldId="260"/>
+            <ac:spMk id="10" creationId="{E4A9E7D5-8BA1-A64F-AC07-0E9D9B441143}"/>
+          </ac:spMkLst>
+        </pc:spChg>
+        <pc:spChg chg="mod">
+          <ac:chgData name="Óscar Antelo Nieto" userId="59b0ca0ca41ac315" providerId="LiveId" clId="{C94E8737-7DAD-4E54-BBE8-F6C54D3EE908}" dt="2022-09-15T08:42:21.428" v="692" actId="255"/>
+          <ac:spMkLst>
+            <pc:docMk/>
+            <pc:sldMk cId="1915182862" sldId="260"/>
+            <ac:spMk id="11" creationId="{90D7FEBE-7517-ED16-61F6-BE34D8D47A5A}"/>
+          </ac:spMkLst>
+        </pc:spChg>
+        <pc:spChg chg="mod">
+          <ac:chgData name="Óscar Antelo Nieto" userId="59b0ca0ca41ac315" providerId="LiveId" clId="{C94E8737-7DAD-4E54-BBE8-F6C54D3EE908}" dt="2022-09-15T08:41:40.283" v="689" actId="255"/>
+          <ac:spMkLst>
+            <pc:docMk/>
+            <pc:sldMk cId="1915182862" sldId="260"/>
+            <ac:spMk id="12" creationId="{06DDC33D-20A8-644A-E8F1-C0F2BEF23B60}"/>
+          </ac:spMkLst>
+        </pc:spChg>
+        <pc:spChg chg="add mod">
+          <ac:chgData name="Óscar Antelo Nieto" userId="59b0ca0ca41ac315" providerId="LiveId" clId="{C94E8737-7DAD-4E54-BBE8-F6C54D3EE908}" dt="2022-09-14T20:57:52.964" v="549" actId="14100"/>
+          <ac:spMkLst>
+            <pc:docMk/>
+            <pc:sldMk cId="1915182862" sldId="260"/>
+            <ac:spMk id="14" creationId="{5F61E39D-7A26-F865-B473-6BB4217B3F54}"/>
+          </ac:spMkLst>
+        </pc:spChg>
+        <pc:spChg chg="add mod">
+          <ac:chgData name="Óscar Antelo Nieto" userId="59b0ca0ca41ac315" providerId="LiveId" clId="{C94E8737-7DAD-4E54-BBE8-F6C54D3EE908}" dt="2022-09-14T20:57:40.482" v="545" actId="14100"/>
+          <ac:spMkLst>
+            <pc:docMk/>
+            <pc:sldMk cId="1915182862" sldId="260"/>
+            <ac:spMk id="16" creationId="{35A74DE0-AFE1-189F-EA4C-2AC01E8B1DE1}"/>
+          </ac:spMkLst>
+        </pc:spChg>
+        <pc:spChg chg="mod">
+          <ac:chgData name="Óscar Antelo Nieto" userId="59b0ca0ca41ac315" providerId="LiveId" clId="{C94E8737-7DAD-4E54-BBE8-F6C54D3EE908}" dt="2022-09-15T08:21:16.895" v="595" actId="20577"/>
+          <ac:spMkLst>
+            <pc:docMk/>
+            <pc:sldMk cId="1915182862" sldId="260"/>
+            <ac:spMk id="17" creationId="{3F236262-B18F-8827-BC9E-7BDD3E125C6C}"/>
+          </ac:spMkLst>
+        </pc:spChg>
+        <pc:spChg chg="mod">
+          <ac:chgData name="Óscar Antelo Nieto" userId="59b0ca0ca41ac315" providerId="LiveId" clId="{C94E8737-7DAD-4E54-BBE8-F6C54D3EE908}" dt="2022-09-15T08:42:31.794" v="693" actId="255"/>
+          <ac:spMkLst>
+            <pc:docMk/>
+            <pc:sldMk cId="1915182862" sldId="260"/>
+            <ac:spMk id="19" creationId="{DE619B22-81F4-A7D6-CB50-DBBACA800A5C}"/>
+          </ac:spMkLst>
+        </pc:spChg>
+        <pc:spChg chg="mod">
+          <ac:chgData name="Óscar Antelo Nieto" userId="59b0ca0ca41ac315" providerId="LiveId" clId="{C94E8737-7DAD-4E54-BBE8-F6C54D3EE908}" dt="2022-09-15T08:42:38.721" v="694" actId="255"/>
+          <ac:spMkLst>
+            <pc:docMk/>
+            <pc:sldMk cId="1915182862" sldId="260"/>
+            <ac:spMk id="21" creationId="{297652D3-7B4C-65B7-9B47-38F4ACB0879E}"/>
+          </ac:spMkLst>
+        </pc:spChg>
+      </pc:sldChg>
+      <pc:sldChg chg="new del">
+        <pc:chgData name="Óscar Antelo Nieto" userId="59b0ca0ca41ac315" providerId="LiveId" clId="{C94E8737-7DAD-4E54-BBE8-F6C54D3EE908}" dt="2022-09-14T20:59:46.365" v="573" actId="2696"/>
+        <pc:sldMkLst>
+          <pc:docMk/>
+          <pc:sldMk cId="1565344382" sldId="261"/>
+        </pc:sldMkLst>
+      </pc:sldChg>
+      <pc:sldChg chg="delSp modSp new mod">
+        <pc:chgData name="Óscar Antelo Nieto" userId="59b0ca0ca41ac315" providerId="LiveId" clId="{C94E8737-7DAD-4E54-BBE8-F6C54D3EE908}" dt="2022-09-15T08:50:33.413" v="827" actId="14100"/>
+        <pc:sldMkLst>
+          <pc:docMk/>
+          <pc:sldMk cId="3847885782" sldId="261"/>
+        </pc:sldMkLst>
+        <pc:spChg chg="mod">
+          <ac:chgData name="Óscar Antelo Nieto" userId="59b0ca0ca41ac315" providerId="LiveId" clId="{C94E8737-7DAD-4E54-BBE8-F6C54D3EE908}" dt="2022-09-15T08:50:33.413" v="827" actId="14100"/>
+          <ac:spMkLst>
+            <pc:docMk/>
+            <pc:sldMk cId="3847885782" sldId="261"/>
+            <ac:spMk id="2" creationId="{D4322FE3-789C-CDBB-4802-8E4077628435}"/>
+          </ac:spMkLst>
+        </pc:spChg>
+        <pc:spChg chg="del">
+          <ac:chgData name="Óscar Antelo Nieto" userId="59b0ca0ca41ac315" providerId="LiveId" clId="{C94E8737-7DAD-4E54-BBE8-F6C54D3EE908}" dt="2022-09-15T08:50:28.669" v="826" actId="478"/>
+          <ac:spMkLst>
+            <pc:docMk/>
+            <pc:sldMk cId="3847885782" sldId="261"/>
+            <ac:spMk id="3" creationId="{13600AB9-C82D-6B9F-DF35-0BDEB31304B1}"/>
+          </ac:spMkLst>
+        </pc:spChg>
+      </pc:sldChg>
+      <pc:sldChg chg="modSp new del mod">
+        <pc:chgData name="Óscar Antelo Nieto" userId="59b0ca0ca41ac315" providerId="LiveId" clId="{C94E8737-7DAD-4E54-BBE8-F6C54D3EE908}" dt="2022-09-15T08:22:52.339" v="627" actId="2696"/>
+        <pc:sldMkLst>
+          <pc:docMk/>
+          <pc:sldMk cId="4201173057" sldId="261"/>
+        </pc:sldMkLst>
+        <pc:spChg chg="mod">
+          <ac:chgData name="Óscar Antelo Nieto" userId="59b0ca0ca41ac315" providerId="LiveId" clId="{C94E8737-7DAD-4E54-BBE8-F6C54D3EE908}" dt="2022-09-15T08:22:42.299" v="625" actId="20577"/>
+          <ac:spMkLst>
+            <pc:docMk/>
+            <pc:sldMk cId="4201173057" sldId="261"/>
+            <ac:spMk id="2" creationId="{4C4BA8A9-A9CD-E983-0FA2-B1D4FE370A84}"/>
+          </ac:spMkLst>
+        </pc:spChg>
+      </pc:sldChg>
+      <pc:sldChg chg="modSp add del mod">
+        <pc:chgData name="Óscar Antelo Nieto" userId="59b0ca0ca41ac315" providerId="LiveId" clId="{C94E8737-7DAD-4E54-BBE8-F6C54D3EE908}" dt="2022-09-15T08:23:48.847" v="687" actId="2696"/>
+        <pc:sldMkLst>
+          <pc:docMk/>
+          <pc:sldMk cId="3406720094" sldId="262"/>
+        </pc:sldMkLst>
+        <pc:spChg chg="mod">
+          <ac:chgData name="Óscar Antelo Nieto" userId="59b0ca0ca41ac315" providerId="LiveId" clId="{C94E8737-7DAD-4E54-BBE8-F6C54D3EE908}" dt="2022-09-15T08:23:21.522" v="686" actId="20577"/>
+          <ac:spMkLst>
+            <pc:docMk/>
+            <pc:sldMk cId="3406720094" sldId="262"/>
+            <ac:spMk id="2" creationId="{D248E596-26F5-EB38-7095-CBC6E14E06AF}"/>
+          </ac:spMkLst>
+        </pc:spChg>
+      </pc:sldChg>
+    </pc:docChg>
+  </pc:docChgLst>
+</pc:chgInfo>
 </file>
 
 <file path=ppt/slideLayouts/slideLayout1.xml><?xml version="1.0" encoding="utf-8"?>
@@ -269,7 +733,7 @@
           <a:p>
             <a:fld id="{BC7C7EA5-98F4-457B-AD07-A107DFD26B7B}" type="datetimeFigureOut">
               <a:rPr lang="es-ES" smtClean="0"/>
-              <a:t>13/09/2022</a:t>
+              <a:t>15/09/2022</a:t>
             </a:fld>
             <a:endParaRPr lang="es-ES"/>
           </a:p>
@@ -467,7 +931,7 @@
           <a:p>
             <a:fld id="{BC7C7EA5-98F4-457B-AD07-A107DFD26B7B}" type="datetimeFigureOut">
               <a:rPr lang="es-ES" smtClean="0"/>
-              <a:t>13/09/2022</a:t>
+              <a:t>15/09/2022</a:t>
             </a:fld>
             <a:endParaRPr lang="es-ES"/>
           </a:p>
@@ -675,7 +1139,7 @@
           <a:p>
             <a:fld id="{BC7C7EA5-98F4-457B-AD07-A107DFD26B7B}" type="datetimeFigureOut">
               <a:rPr lang="es-ES" smtClean="0"/>
-              <a:t>13/09/2022</a:t>
+              <a:t>15/09/2022</a:t>
             </a:fld>
             <a:endParaRPr lang="es-ES"/>
           </a:p>
@@ -873,7 +1337,7 @@
           <a:p>
             <a:fld id="{BC7C7EA5-98F4-457B-AD07-A107DFD26B7B}" type="datetimeFigureOut">
               <a:rPr lang="es-ES" smtClean="0"/>
-              <a:t>13/09/2022</a:t>
+              <a:t>15/09/2022</a:t>
             </a:fld>
             <a:endParaRPr lang="es-ES"/>
           </a:p>
@@ -1148,7 +1612,7 @@
           <a:p>
             <a:fld id="{BC7C7EA5-98F4-457B-AD07-A107DFD26B7B}" type="datetimeFigureOut">
               <a:rPr lang="es-ES" smtClean="0"/>
-              <a:t>13/09/2022</a:t>
+              <a:t>15/09/2022</a:t>
             </a:fld>
             <a:endParaRPr lang="es-ES"/>
           </a:p>
@@ -1413,7 +1877,7 @@
           <a:p>
             <a:fld id="{BC7C7EA5-98F4-457B-AD07-A107DFD26B7B}" type="datetimeFigureOut">
               <a:rPr lang="es-ES" smtClean="0"/>
-              <a:t>13/09/2022</a:t>
+              <a:t>15/09/2022</a:t>
             </a:fld>
             <a:endParaRPr lang="es-ES"/>
           </a:p>
@@ -1825,7 +2289,7 @@
           <a:p>
             <a:fld id="{BC7C7EA5-98F4-457B-AD07-A107DFD26B7B}" type="datetimeFigureOut">
               <a:rPr lang="es-ES" smtClean="0"/>
-              <a:t>13/09/2022</a:t>
+              <a:t>15/09/2022</a:t>
             </a:fld>
             <a:endParaRPr lang="es-ES"/>
           </a:p>
@@ -1966,7 +2430,7 @@
           <a:p>
             <a:fld id="{BC7C7EA5-98F4-457B-AD07-A107DFD26B7B}" type="datetimeFigureOut">
               <a:rPr lang="es-ES" smtClean="0"/>
-              <a:t>13/09/2022</a:t>
+              <a:t>15/09/2022</a:t>
             </a:fld>
             <a:endParaRPr lang="es-ES"/>
           </a:p>
@@ -2079,7 +2543,7 @@
           <a:p>
             <a:fld id="{BC7C7EA5-98F4-457B-AD07-A107DFD26B7B}" type="datetimeFigureOut">
               <a:rPr lang="es-ES" smtClean="0"/>
-              <a:t>13/09/2022</a:t>
+              <a:t>15/09/2022</a:t>
             </a:fld>
             <a:endParaRPr lang="es-ES"/>
           </a:p>
@@ -2390,7 +2854,7 @@
           <a:p>
             <a:fld id="{BC7C7EA5-98F4-457B-AD07-A107DFD26B7B}" type="datetimeFigureOut">
               <a:rPr lang="es-ES" smtClean="0"/>
-              <a:t>13/09/2022</a:t>
+              <a:t>15/09/2022</a:t>
             </a:fld>
             <a:endParaRPr lang="es-ES"/>
           </a:p>
@@ -2678,7 +3142,7 @@
           <a:p>
             <a:fld id="{BC7C7EA5-98F4-457B-AD07-A107DFD26B7B}" type="datetimeFigureOut">
               <a:rPr lang="es-ES" smtClean="0"/>
-              <a:t>13/09/2022</a:t>
+              <a:t>15/09/2022</a:t>
             </a:fld>
             <a:endParaRPr lang="es-ES"/>
           </a:p>
@@ -2919,7 +3383,7 @@
           <a:p>
             <a:fld id="{BC7C7EA5-98F4-457B-AD07-A107DFD26B7B}" type="datetimeFigureOut">
               <a:rPr lang="es-ES" smtClean="0"/>
-              <a:t>13/09/2022</a:t>
+              <a:t>15/09/2022</a:t>
             </a:fld>
             <a:endParaRPr lang="es-ES"/>
           </a:p>
@@ -3354,8 +3818,8 @@
         </p:nvSpPr>
         <p:spPr>
           <a:xfrm>
-            <a:off x="941030" y="348999"/>
-            <a:ext cx="10488969" cy="981075"/>
+            <a:off x="941031" y="348999"/>
+            <a:ext cx="8178274" cy="981075"/>
           </a:xfrm>
           <a:solidFill>
             <a:schemeClr val="bg1"/>
@@ -3398,8 +3862,8 @@
         </p:nvSpPr>
         <p:spPr>
           <a:xfrm>
-            <a:off x="3781810" y="1732938"/>
-            <a:ext cx="2529667" cy="545537"/>
+            <a:off x="3102348" y="1704600"/>
+            <a:ext cx="1846558" cy="545537"/>
           </a:xfrm>
           <a:ln w="38100">
             <a:solidFill>
@@ -3408,15 +3872,17 @@
           </a:ln>
         </p:spPr>
         <p:txBody>
-          <a:bodyPr anchor="ctr"/>
+          <a:bodyPr anchor="ctr">
+            <a:normAutofit/>
+          </a:bodyPr>
           <a:lstStyle/>
           <a:p>
             <a:r>
-              <a:rPr lang="es-ES" b="1" dirty="0">
+              <a:rPr lang="es-ES" sz="2000" b="1" dirty="0">
                 <a:latin typeface="Aharoni" panose="02010803020104030203" pitchFamily="2" charset="-79"/>
                 <a:cs typeface="Aharoni" panose="02010803020104030203" pitchFamily="2" charset="-79"/>
               </a:rPr>
-              <a:t>Proveedores</a:t>
+              <a:t>Pantalones</a:t>
             </a:r>
           </a:p>
         </p:txBody>
@@ -3437,8 +3903,8 @@
         </p:nvSpPr>
         <p:spPr>
           <a:xfrm>
-            <a:off x="6588633" y="1749684"/>
-            <a:ext cx="2498692" cy="545537"/>
+            <a:off x="5263665" y="1711915"/>
+            <a:ext cx="1879209" cy="545537"/>
           </a:xfrm>
           <a:prstGeom prst="rect">
             <a:avLst/>
@@ -3619,11 +4085,11 @@
           </a:lstStyle>
           <a:p>
             <a:r>
-              <a:rPr lang="es-ES" b="1" dirty="0">
+              <a:rPr lang="es-ES" sz="2000" b="1" dirty="0">
                 <a:latin typeface="Aharoni" panose="02010803020104030203" pitchFamily="2" charset="-79"/>
                 <a:cs typeface="Aharoni" panose="02010803020104030203" pitchFamily="2" charset="-79"/>
               </a:rPr>
-              <a:t>Artículos</a:t>
+              <a:t>Botas</a:t>
             </a:r>
           </a:p>
         </p:txBody>
@@ -3644,8 +4110,8 @@
         </p:nvSpPr>
         <p:spPr>
           <a:xfrm>
-            <a:off x="941030" y="1716706"/>
-            <a:ext cx="2498691" cy="545537"/>
+            <a:off x="941031" y="1716706"/>
+            <a:ext cx="1846558" cy="545537"/>
           </a:xfrm>
           <a:prstGeom prst="rect">
             <a:avLst/>
@@ -3826,11 +4292,11 @@
           </a:lstStyle>
           <a:p>
             <a:r>
-              <a:rPr lang="es-ES" dirty="0">
+              <a:rPr lang="es-ES" sz="2000" dirty="0">
                 <a:latin typeface="Aharoni" panose="02010803020104030203" pitchFamily="2" charset="-79"/>
                 <a:cs typeface="Aharoni" panose="02010803020104030203" pitchFamily="2" charset="-79"/>
               </a:rPr>
-              <a:t>Clientes</a:t>
+              <a:t>Camisetas</a:t>
             </a:r>
           </a:p>
         </p:txBody>
@@ -3852,7 +4318,7 @@
         <p:spPr>
           <a:xfrm>
             <a:off x="910054" y="2624666"/>
-            <a:ext cx="2529667" cy="2551013"/>
+            <a:ext cx="1877535" cy="2551013"/>
           </a:xfrm>
           <a:prstGeom prst="rect">
             <a:avLst/>
@@ -4033,25 +4499,11 @@
           </a:lstStyle>
           <a:p>
             <a:r>
-              <a:rPr lang="es-ES" sz="1200" dirty="0">
+              <a:rPr lang="es-ES" sz="2000" dirty="0">
                 <a:latin typeface="Aharoni" panose="02010803020104030203" pitchFamily="2" charset="-79"/>
                 <a:cs typeface="Aharoni" panose="02010803020104030203" pitchFamily="2" charset="-79"/>
               </a:rPr>
-              <a:t>[</a:t>
-            </a:r>
-            <a:r>
-              <a:rPr lang="es-ES" sz="1200" dirty="0" err="1">
-                <a:latin typeface="Aharoni" panose="02010803020104030203" pitchFamily="2" charset="-79"/>
-                <a:cs typeface="Aharoni" panose="02010803020104030203" pitchFamily="2" charset="-79"/>
-              </a:rPr>
-              <a:t>img_clientes</a:t>
-            </a:r>
-            <a:r>
-              <a:rPr lang="es-ES" sz="1200" dirty="0">
-                <a:latin typeface="Aharoni" panose="02010803020104030203" pitchFamily="2" charset="-79"/>
-                <a:cs typeface="Aharoni" panose="02010803020104030203" pitchFamily="2" charset="-79"/>
-              </a:rPr>
-              <a:t>]</a:t>
+              <a:t>[imagen camisetas]</a:t>
             </a:r>
           </a:p>
         </p:txBody>
@@ -4073,7 +4525,7 @@
         <p:spPr>
           <a:xfrm>
             <a:off x="941030" y="5886720"/>
-            <a:ext cx="10488969" cy="545537"/>
+            <a:ext cx="10997497" cy="545537"/>
           </a:xfrm>
           <a:prstGeom prst="rect">
             <a:avLst/>
@@ -4272,7 +4724,7 @@
                 <a:latin typeface="Aharoni" panose="02010803020104030203" pitchFamily="2" charset="-79"/>
                 <a:cs typeface="Aharoni" panose="02010803020104030203" pitchFamily="2" charset="-79"/>
               </a:rPr>
-              <a:t>, contacto, sugerencias, utilidades)</a:t>
+              <a:t>, contacto, sugerencias, utilidades, conócenos)</a:t>
             </a:r>
           </a:p>
         </p:txBody>
@@ -4293,8 +4745,8 @@
         </p:nvSpPr>
         <p:spPr>
           <a:xfrm>
-            <a:off x="3781810" y="2624665"/>
-            <a:ext cx="2529667" cy="2551013"/>
+            <a:off x="3145974" y="2624664"/>
+            <a:ext cx="1843698" cy="2551013"/>
           </a:xfrm>
           <a:prstGeom prst="rect">
             <a:avLst/>
@@ -4475,25 +4927,11 @@
           </a:lstStyle>
           <a:p>
             <a:r>
-              <a:rPr lang="es-ES" sz="1200" dirty="0">
+              <a:rPr lang="es-ES" sz="2000" dirty="0">
                 <a:latin typeface="Aharoni" panose="02010803020104030203" pitchFamily="2" charset="-79"/>
                 <a:cs typeface="Aharoni" panose="02010803020104030203" pitchFamily="2" charset="-79"/>
               </a:rPr>
-              <a:t>[</a:t>
-            </a:r>
-            <a:r>
-              <a:rPr lang="es-ES" sz="1200" dirty="0" err="1">
-                <a:latin typeface="Aharoni" panose="02010803020104030203" pitchFamily="2" charset="-79"/>
-                <a:cs typeface="Aharoni" panose="02010803020104030203" pitchFamily="2" charset="-79"/>
-              </a:rPr>
-              <a:t>img_clientes</a:t>
-            </a:r>
-            <a:r>
-              <a:rPr lang="es-ES" sz="1200" dirty="0">
-                <a:latin typeface="Aharoni" panose="02010803020104030203" pitchFamily="2" charset="-79"/>
-                <a:cs typeface="Aharoni" panose="02010803020104030203" pitchFamily="2" charset="-79"/>
-              </a:rPr>
-              <a:t>]</a:t>
+              <a:t>[imagen pantalones]</a:t>
             </a:r>
           </a:p>
         </p:txBody>
@@ -4514,8 +4952,8 @@
         </p:nvSpPr>
         <p:spPr>
           <a:xfrm>
-            <a:off x="6588633" y="2624664"/>
-            <a:ext cx="2529667" cy="2551013"/>
+            <a:off x="5299176" y="2639293"/>
+            <a:ext cx="1843698" cy="2551013"/>
           </a:xfrm>
           <a:prstGeom prst="rect">
             <a:avLst/>
@@ -4696,25 +5134,11 @@
           </a:lstStyle>
           <a:p>
             <a:r>
-              <a:rPr lang="es-ES" sz="1200" dirty="0">
+              <a:rPr lang="es-ES" sz="2000" dirty="0">
                 <a:latin typeface="Aharoni" panose="02010803020104030203" pitchFamily="2" charset="-79"/>
                 <a:cs typeface="Aharoni" panose="02010803020104030203" pitchFamily="2" charset="-79"/>
               </a:rPr>
-              <a:t>[</a:t>
-            </a:r>
-            <a:r>
-              <a:rPr lang="es-ES" sz="1200" dirty="0" err="1">
-                <a:latin typeface="Aharoni" panose="02010803020104030203" pitchFamily="2" charset="-79"/>
-                <a:cs typeface="Aharoni" panose="02010803020104030203" pitchFamily="2" charset="-79"/>
-              </a:rPr>
-              <a:t>img_clientes</a:t>
-            </a:r>
-            <a:r>
-              <a:rPr lang="es-ES" sz="1200" dirty="0">
-                <a:latin typeface="Aharoni" panose="02010803020104030203" pitchFamily="2" charset="-79"/>
-                <a:cs typeface="Aharoni" panose="02010803020104030203" pitchFamily="2" charset="-79"/>
-              </a:rPr>
-              <a:t>]</a:t>
+              <a:t>[imagen botas]</a:t>
             </a:r>
           </a:p>
         </p:txBody>
@@ -4735,8 +5159,8 @@
         </p:nvSpPr>
         <p:spPr>
           <a:xfrm>
-            <a:off x="9442849" y="1749684"/>
-            <a:ext cx="1987150" cy="3425993"/>
+            <a:off x="9442848" y="1749684"/>
+            <a:ext cx="2495679" cy="3425993"/>
           </a:xfrm>
           <a:prstGeom prst="rect">
             <a:avLst/>
@@ -4917,11 +5341,839 @@
           </a:lstStyle>
           <a:p>
             <a:r>
-              <a:rPr lang="es-ES" sz="1200" dirty="0">
+              <a:rPr lang="es-ES" sz="2000" dirty="0">
                 <a:latin typeface="Aharoni" panose="02010803020104030203" pitchFamily="2" charset="-79"/>
                 <a:cs typeface="Aharoni" panose="02010803020104030203" pitchFamily="2" charset="-79"/>
               </a:rPr>
               <a:t>Notificaciones, ofertas, artículos destacados…</a:t>
+            </a:r>
+          </a:p>
+        </p:txBody>
+      </p:sp>
+      <p:sp>
+        <p:nvSpPr>
+          <p:cNvPr id="8" name="Subtítulo 2">
+            <a:extLst>
+              <a:ext uri="{FF2B5EF4-FFF2-40B4-BE49-F238E27FC236}">
+                <a16:creationId xmlns:a16="http://schemas.microsoft.com/office/drawing/2014/main" id="{A933F6FF-B5D6-92B1-1DF1-BDDD4763F793}"/>
+              </a:ext>
+            </a:extLst>
+          </p:cNvPr>
+          <p:cNvSpPr txBox="1">
+            <a:spLocks/>
+          </p:cNvSpPr>
+          <p:nvPr/>
+        </p:nvSpPr>
+        <p:spPr>
+          <a:xfrm>
+            <a:off x="7353258" y="1711915"/>
+            <a:ext cx="1861452" cy="545537"/>
+          </a:xfrm>
+          <a:prstGeom prst="rect">
+            <a:avLst/>
+          </a:prstGeom>
+          <a:ln w="38100">
+            <a:solidFill>
+              <a:schemeClr val="tx1"/>
+            </a:solidFill>
+          </a:ln>
+        </p:spPr>
+        <p:txBody>
+          <a:bodyPr vert="horz" lIns="91440" tIns="45720" rIns="91440" bIns="45720" rtlCol="0" anchor="ctr">
+            <a:normAutofit/>
+          </a:bodyPr>
+          <a:lstStyle>
+            <a:lvl1pPr marL="0" indent="0" algn="ctr" defTabSz="914400" rtl="0" eaLnBrk="1" latinLnBrk="0" hangingPunct="1">
+              <a:lnSpc>
+                <a:spcPct val="90000"/>
+              </a:lnSpc>
+              <a:spcBef>
+                <a:spcPts val="1000"/>
+              </a:spcBef>
+              <a:buFont typeface="Arial" panose="020B0604020202020204" pitchFamily="34" charset="0"/>
+              <a:buNone/>
+              <a:defRPr sz="2400" kern="1200">
+                <a:solidFill>
+                  <a:schemeClr val="tx1"/>
+                </a:solidFill>
+                <a:latin typeface="+mn-lt"/>
+                <a:ea typeface="+mn-ea"/>
+                <a:cs typeface="+mn-cs"/>
+              </a:defRPr>
+            </a:lvl1pPr>
+            <a:lvl2pPr marL="457200" indent="0" algn="ctr" defTabSz="914400" rtl="0" eaLnBrk="1" latinLnBrk="0" hangingPunct="1">
+              <a:lnSpc>
+                <a:spcPct val="90000"/>
+              </a:lnSpc>
+              <a:spcBef>
+                <a:spcPts val="500"/>
+              </a:spcBef>
+              <a:buFont typeface="Arial" panose="020B0604020202020204" pitchFamily="34" charset="0"/>
+              <a:buNone/>
+              <a:defRPr sz="2000" kern="1200">
+                <a:solidFill>
+                  <a:schemeClr val="tx1"/>
+                </a:solidFill>
+                <a:latin typeface="+mn-lt"/>
+                <a:ea typeface="+mn-ea"/>
+                <a:cs typeface="+mn-cs"/>
+              </a:defRPr>
+            </a:lvl2pPr>
+            <a:lvl3pPr marL="914400" indent="0" algn="ctr" defTabSz="914400" rtl="0" eaLnBrk="1" latinLnBrk="0" hangingPunct="1">
+              <a:lnSpc>
+                <a:spcPct val="90000"/>
+              </a:lnSpc>
+              <a:spcBef>
+                <a:spcPts val="500"/>
+              </a:spcBef>
+              <a:buFont typeface="Arial" panose="020B0604020202020204" pitchFamily="34" charset="0"/>
+              <a:buNone/>
+              <a:defRPr sz="1800" kern="1200">
+                <a:solidFill>
+                  <a:schemeClr val="tx1"/>
+                </a:solidFill>
+                <a:latin typeface="+mn-lt"/>
+                <a:ea typeface="+mn-ea"/>
+                <a:cs typeface="+mn-cs"/>
+              </a:defRPr>
+            </a:lvl3pPr>
+            <a:lvl4pPr marL="1371600" indent="0" algn="ctr" defTabSz="914400" rtl="0" eaLnBrk="1" latinLnBrk="0" hangingPunct="1">
+              <a:lnSpc>
+                <a:spcPct val="90000"/>
+              </a:lnSpc>
+              <a:spcBef>
+                <a:spcPts val="500"/>
+              </a:spcBef>
+              <a:buFont typeface="Arial" panose="020B0604020202020204" pitchFamily="34" charset="0"/>
+              <a:buNone/>
+              <a:defRPr sz="1600" kern="1200">
+                <a:solidFill>
+                  <a:schemeClr val="tx1"/>
+                </a:solidFill>
+                <a:latin typeface="+mn-lt"/>
+                <a:ea typeface="+mn-ea"/>
+                <a:cs typeface="+mn-cs"/>
+              </a:defRPr>
+            </a:lvl4pPr>
+            <a:lvl5pPr marL="1828800" indent="0" algn="ctr" defTabSz="914400" rtl="0" eaLnBrk="1" latinLnBrk="0" hangingPunct="1">
+              <a:lnSpc>
+                <a:spcPct val="90000"/>
+              </a:lnSpc>
+              <a:spcBef>
+                <a:spcPts val="500"/>
+              </a:spcBef>
+              <a:buFont typeface="Arial" panose="020B0604020202020204" pitchFamily="34" charset="0"/>
+              <a:buNone/>
+              <a:defRPr sz="1600" kern="1200">
+                <a:solidFill>
+                  <a:schemeClr val="tx1"/>
+                </a:solidFill>
+                <a:latin typeface="+mn-lt"/>
+                <a:ea typeface="+mn-ea"/>
+                <a:cs typeface="+mn-cs"/>
+              </a:defRPr>
+            </a:lvl5pPr>
+            <a:lvl6pPr marL="2286000" indent="0" algn="ctr" defTabSz="914400" rtl="0" eaLnBrk="1" latinLnBrk="0" hangingPunct="1">
+              <a:lnSpc>
+                <a:spcPct val="90000"/>
+              </a:lnSpc>
+              <a:spcBef>
+                <a:spcPts val="500"/>
+              </a:spcBef>
+              <a:buFont typeface="Arial" panose="020B0604020202020204" pitchFamily="34" charset="0"/>
+              <a:buNone/>
+              <a:defRPr sz="1600" kern="1200">
+                <a:solidFill>
+                  <a:schemeClr val="tx1"/>
+                </a:solidFill>
+                <a:latin typeface="+mn-lt"/>
+                <a:ea typeface="+mn-ea"/>
+                <a:cs typeface="+mn-cs"/>
+              </a:defRPr>
+            </a:lvl6pPr>
+            <a:lvl7pPr marL="2743200" indent="0" algn="ctr" defTabSz="914400" rtl="0" eaLnBrk="1" latinLnBrk="0" hangingPunct="1">
+              <a:lnSpc>
+                <a:spcPct val="90000"/>
+              </a:lnSpc>
+              <a:spcBef>
+                <a:spcPts val="500"/>
+              </a:spcBef>
+              <a:buFont typeface="Arial" panose="020B0604020202020204" pitchFamily="34" charset="0"/>
+              <a:buNone/>
+              <a:defRPr sz="1600" kern="1200">
+                <a:solidFill>
+                  <a:schemeClr val="tx1"/>
+                </a:solidFill>
+                <a:latin typeface="+mn-lt"/>
+                <a:ea typeface="+mn-ea"/>
+                <a:cs typeface="+mn-cs"/>
+              </a:defRPr>
+            </a:lvl7pPr>
+            <a:lvl8pPr marL="3200400" indent="0" algn="ctr" defTabSz="914400" rtl="0" eaLnBrk="1" latinLnBrk="0" hangingPunct="1">
+              <a:lnSpc>
+                <a:spcPct val="90000"/>
+              </a:lnSpc>
+              <a:spcBef>
+                <a:spcPts val="500"/>
+              </a:spcBef>
+              <a:buFont typeface="Arial" panose="020B0604020202020204" pitchFamily="34" charset="0"/>
+              <a:buNone/>
+              <a:defRPr sz="1600" kern="1200">
+                <a:solidFill>
+                  <a:schemeClr val="tx1"/>
+                </a:solidFill>
+                <a:latin typeface="+mn-lt"/>
+                <a:ea typeface="+mn-ea"/>
+                <a:cs typeface="+mn-cs"/>
+              </a:defRPr>
+            </a:lvl8pPr>
+            <a:lvl9pPr marL="3657600" indent="0" algn="ctr" defTabSz="914400" rtl="0" eaLnBrk="1" latinLnBrk="0" hangingPunct="1">
+              <a:lnSpc>
+                <a:spcPct val="90000"/>
+              </a:lnSpc>
+              <a:spcBef>
+                <a:spcPts val="500"/>
+              </a:spcBef>
+              <a:buFont typeface="Arial" panose="020B0604020202020204" pitchFamily="34" charset="0"/>
+              <a:buNone/>
+              <a:defRPr sz="1600" kern="1200">
+                <a:solidFill>
+                  <a:schemeClr val="tx1"/>
+                </a:solidFill>
+                <a:latin typeface="+mn-lt"/>
+                <a:ea typeface="+mn-ea"/>
+                <a:cs typeface="+mn-cs"/>
+              </a:defRPr>
+            </a:lvl9pPr>
+          </a:lstStyle>
+          <a:p>
+            <a:r>
+              <a:rPr lang="es-ES" sz="2000" b="1" dirty="0">
+                <a:latin typeface="Aharoni" panose="02010803020104030203" pitchFamily="2" charset="-79"/>
+                <a:cs typeface="Aharoni" panose="02010803020104030203" pitchFamily="2" charset="-79"/>
+              </a:rPr>
+              <a:t>Accesorios</a:t>
+            </a:r>
+          </a:p>
+        </p:txBody>
+      </p:sp>
+      <p:sp>
+        <p:nvSpPr>
+          <p:cNvPr id="10" name="Subtítulo 2">
+            <a:extLst>
+              <a:ext uri="{FF2B5EF4-FFF2-40B4-BE49-F238E27FC236}">
+                <a16:creationId xmlns:a16="http://schemas.microsoft.com/office/drawing/2014/main" id="{CCA5CD65-C270-CA2B-6D5C-2C5755204C2C}"/>
+              </a:ext>
+            </a:extLst>
+          </p:cNvPr>
+          <p:cNvSpPr txBox="1">
+            <a:spLocks/>
+          </p:cNvSpPr>
+          <p:nvPr/>
+        </p:nvSpPr>
+        <p:spPr>
+          <a:xfrm>
+            <a:off x="7371012" y="2639293"/>
+            <a:ext cx="1843698" cy="2551013"/>
+          </a:xfrm>
+          <a:prstGeom prst="rect">
+            <a:avLst/>
+          </a:prstGeom>
+          <a:ln w="38100">
+            <a:solidFill>
+              <a:schemeClr val="tx1"/>
+            </a:solidFill>
+          </a:ln>
+        </p:spPr>
+        <p:txBody>
+          <a:bodyPr vert="horz" lIns="91440" tIns="45720" rIns="91440" bIns="45720" rtlCol="0" anchor="ctr">
+            <a:normAutofit/>
+          </a:bodyPr>
+          <a:lstStyle>
+            <a:lvl1pPr marL="0" indent="0" algn="ctr" defTabSz="914400" rtl="0" eaLnBrk="1" latinLnBrk="0" hangingPunct="1">
+              <a:lnSpc>
+                <a:spcPct val="90000"/>
+              </a:lnSpc>
+              <a:spcBef>
+                <a:spcPts val="1000"/>
+              </a:spcBef>
+              <a:buFont typeface="Arial" panose="020B0604020202020204" pitchFamily="34" charset="0"/>
+              <a:buNone/>
+              <a:defRPr sz="2400" kern="1200">
+                <a:solidFill>
+                  <a:schemeClr val="tx1"/>
+                </a:solidFill>
+                <a:latin typeface="+mn-lt"/>
+                <a:ea typeface="+mn-ea"/>
+                <a:cs typeface="+mn-cs"/>
+              </a:defRPr>
+            </a:lvl1pPr>
+            <a:lvl2pPr marL="457200" indent="0" algn="ctr" defTabSz="914400" rtl="0" eaLnBrk="1" latinLnBrk="0" hangingPunct="1">
+              <a:lnSpc>
+                <a:spcPct val="90000"/>
+              </a:lnSpc>
+              <a:spcBef>
+                <a:spcPts val="500"/>
+              </a:spcBef>
+              <a:buFont typeface="Arial" panose="020B0604020202020204" pitchFamily="34" charset="0"/>
+              <a:buNone/>
+              <a:defRPr sz="2000" kern="1200">
+                <a:solidFill>
+                  <a:schemeClr val="tx1"/>
+                </a:solidFill>
+                <a:latin typeface="+mn-lt"/>
+                <a:ea typeface="+mn-ea"/>
+                <a:cs typeface="+mn-cs"/>
+              </a:defRPr>
+            </a:lvl2pPr>
+            <a:lvl3pPr marL="914400" indent="0" algn="ctr" defTabSz="914400" rtl="0" eaLnBrk="1" latinLnBrk="0" hangingPunct="1">
+              <a:lnSpc>
+                <a:spcPct val="90000"/>
+              </a:lnSpc>
+              <a:spcBef>
+                <a:spcPts val="500"/>
+              </a:spcBef>
+              <a:buFont typeface="Arial" panose="020B0604020202020204" pitchFamily="34" charset="0"/>
+              <a:buNone/>
+              <a:defRPr sz="1800" kern="1200">
+                <a:solidFill>
+                  <a:schemeClr val="tx1"/>
+                </a:solidFill>
+                <a:latin typeface="+mn-lt"/>
+                <a:ea typeface="+mn-ea"/>
+                <a:cs typeface="+mn-cs"/>
+              </a:defRPr>
+            </a:lvl3pPr>
+            <a:lvl4pPr marL="1371600" indent="0" algn="ctr" defTabSz="914400" rtl="0" eaLnBrk="1" latinLnBrk="0" hangingPunct="1">
+              <a:lnSpc>
+                <a:spcPct val="90000"/>
+              </a:lnSpc>
+              <a:spcBef>
+                <a:spcPts val="500"/>
+              </a:spcBef>
+              <a:buFont typeface="Arial" panose="020B0604020202020204" pitchFamily="34" charset="0"/>
+              <a:buNone/>
+              <a:defRPr sz="1600" kern="1200">
+                <a:solidFill>
+                  <a:schemeClr val="tx1"/>
+                </a:solidFill>
+                <a:latin typeface="+mn-lt"/>
+                <a:ea typeface="+mn-ea"/>
+                <a:cs typeface="+mn-cs"/>
+              </a:defRPr>
+            </a:lvl4pPr>
+            <a:lvl5pPr marL="1828800" indent="0" algn="ctr" defTabSz="914400" rtl="0" eaLnBrk="1" latinLnBrk="0" hangingPunct="1">
+              <a:lnSpc>
+                <a:spcPct val="90000"/>
+              </a:lnSpc>
+              <a:spcBef>
+                <a:spcPts val="500"/>
+              </a:spcBef>
+              <a:buFont typeface="Arial" panose="020B0604020202020204" pitchFamily="34" charset="0"/>
+              <a:buNone/>
+              <a:defRPr sz="1600" kern="1200">
+                <a:solidFill>
+                  <a:schemeClr val="tx1"/>
+                </a:solidFill>
+                <a:latin typeface="+mn-lt"/>
+                <a:ea typeface="+mn-ea"/>
+                <a:cs typeface="+mn-cs"/>
+              </a:defRPr>
+            </a:lvl5pPr>
+            <a:lvl6pPr marL="2286000" indent="0" algn="ctr" defTabSz="914400" rtl="0" eaLnBrk="1" latinLnBrk="0" hangingPunct="1">
+              <a:lnSpc>
+                <a:spcPct val="90000"/>
+              </a:lnSpc>
+              <a:spcBef>
+                <a:spcPts val="500"/>
+              </a:spcBef>
+              <a:buFont typeface="Arial" panose="020B0604020202020204" pitchFamily="34" charset="0"/>
+              <a:buNone/>
+              <a:defRPr sz="1600" kern="1200">
+                <a:solidFill>
+                  <a:schemeClr val="tx1"/>
+                </a:solidFill>
+                <a:latin typeface="+mn-lt"/>
+                <a:ea typeface="+mn-ea"/>
+                <a:cs typeface="+mn-cs"/>
+              </a:defRPr>
+            </a:lvl6pPr>
+            <a:lvl7pPr marL="2743200" indent="0" algn="ctr" defTabSz="914400" rtl="0" eaLnBrk="1" latinLnBrk="0" hangingPunct="1">
+              <a:lnSpc>
+                <a:spcPct val="90000"/>
+              </a:lnSpc>
+              <a:spcBef>
+                <a:spcPts val="500"/>
+              </a:spcBef>
+              <a:buFont typeface="Arial" panose="020B0604020202020204" pitchFamily="34" charset="0"/>
+              <a:buNone/>
+              <a:defRPr sz="1600" kern="1200">
+                <a:solidFill>
+                  <a:schemeClr val="tx1"/>
+                </a:solidFill>
+                <a:latin typeface="+mn-lt"/>
+                <a:ea typeface="+mn-ea"/>
+                <a:cs typeface="+mn-cs"/>
+              </a:defRPr>
+            </a:lvl7pPr>
+            <a:lvl8pPr marL="3200400" indent="0" algn="ctr" defTabSz="914400" rtl="0" eaLnBrk="1" latinLnBrk="0" hangingPunct="1">
+              <a:lnSpc>
+                <a:spcPct val="90000"/>
+              </a:lnSpc>
+              <a:spcBef>
+                <a:spcPts val="500"/>
+              </a:spcBef>
+              <a:buFont typeface="Arial" panose="020B0604020202020204" pitchFamily="34" charset="0"/>
+              <a:buNone/>
+              <a:defRPr sz="1600" kern="1200">
+                <a:solidFill>
+                  <a:schemeClr val="tx1"/>
+                </a:solidFill>
+                <a:latin typeface="+mn-lt"/>
+                <a:ea typeface="+mn-ea"/>
+                <a:cs typeface="+mn-cs"/>
+              </a:defRPr>
+            </a:lvl8pPr>
+            <a:lvl9pPr marL="3657600" indent="0" algn="ctr" defTabSz="914400" rtl="0" eaLnBrk="1" latinLnBrk="0" hangingPunct="1">
+              <a:lnSpc>
+                <a:spcPct val="90000"/>
+              </a:lnSpc>
+              <a:spcBef>
+                <a:spcPts val="500"/>
+              </a:spcBef>
+              <a:buFont typeface="Arial" panose="020B0604020202020204" pitchFamily="34" charset="0"/>
+              <a:buNone/>
+              <a:defRPr sz="1600" kern="1200">
+                <a:solidFill>
+                  <a:schemeClr val="tx1"/>
+                </a:solidFill>
+                <a:latin typeface="+mn-lt"/>
+                <a:ea typeface="+mn-ea"/>
+                <a:cs typeface="+mn-cs"/>
+              </a:defRPr>
+            </a:lvl9pPr>
+          </a:lstStyle>
+          <a:p>
+            <a:r>
+              <a:rPr lang="es-ES" sz="2000" dirty="0">
+                <a:latin typeface="Aharoni" panose="02010803020104030203" pitchFamily="2" charset="-79"/>
+                <a:cs typeface="Aharoni" panose="02010803020104030203" pitchFamily="2" charset="-79"/>
+              </a:rPr>
+              <a:t>[imagen accesorios]</a:t>
+            </a:r>
+          </a:p>
+        </p:txBody>
+      </p:sp>
+      <p:sp>
+        <p:nvSpPr>
+          <p:cNvPr id="12" name="Subtítulo 2">
+            <a:extLst>
+              <a:ext uri="{FF2B5EF4-FFF2-40B4-BE49-F238E27FC236}">
+                <a16:creationId xmlns:a16="http://schemas.microsoft.com/office/drawing/2014/main" id="{50C451C9-E157-A290-8F8D-B9E5B2B32004}"/>
+              </a:ext>
+            </a:extLst>
+          </p:cNvPr>
+          <p:cNvSpPr txBox="1">
+            <a:spLocks/>
+          </p:cNvSpPr>
+          <p:nvPr/>
+        </p:nvSpPr>
+        <p:spPr>
+          <a:xfrm>
+            <a:off x="10796267" y="348998"/>
+            <a:ext cx="1142260" cy="981075"/>
+          </a:xfrm>
+          <a:prstGeom prst="rect">
+            <a:avLst/>
+          </a:prstGeom>
+          <a:ln w="38100">
+            <a:solidFill>
+              <a:schemeClr val="tx1"/>
+            </a:solidFill>
+          </a:ln>
+        </p:spPr>
+        <p:txBody>
+          <a:bodyPr vert="horz" lIns="91440" tIns="45720" rIns="91440" bIns="45720" rtlCol="0" anchor="ctr">
+            <a:normAutofit/>
+          </a:bodyPr>
+          <a:lstStyle>
+            <a:lvl1pPr marL="0" indent="0" algn="ctr" defTabSz="914400" rtl="0" eaLnBrk="1" latinLnBrk="0" hangingPunct="1">
+              <a:lnSpc>
+                <a:spcPct val="90000"/>
+              </a:lnSpc>
+              <a:spcBef>
+                <a:spcPts val="1000"/>
+              </a:spcBef>
+              <a:buFont typeface="Arial" panose="020B0604020202020204" pitchFamily="34" charset="0"/>
+              <a:buNone/>
+              <a:defRPr sz="2400" kern="1200">
+                <a:solidFill>
+                  <a:schemeClr val="tx1"/>
+                </a:solidFill>
+                <a:latin typeface="+mn-lt"/>
+                <a:ea typeface="+mn-ea"/>
+                <a:cs typeface="+mn-cs"/>
+              </a:defRPr>
+            </a:lvl1pPr>
+            <a:lvl2pPr marL="457200" indent="0" algn="ctr" defTabSz="914400" rtl="0" eaLnBrk="1" latinLnBrk="0" hangingPunct="1">
+              <a:lnSpc>
+                <a:spcPct val="90000"/>
+              </a:lnSpc>
+              <a:spcBef>
+                <a:spcPts val="500"/>
+              </a:spcBef>
+              <a:buFont typeface="Arial" panose="020B0604020202020204" pitchFamily="34" charset="0"/>
+              <a:buNone/>
+              <a:defRPr sz="2000" kern="1200">
+                <a:solidFill>
+                  <a:schemeClr val="tx1"/>
+                </a:solidFill>
+                <a:latin typeface="+mn-lt"/>
+                <a:ea typeface="+mn-ea"/>
+                <a:cs typeface="+mn-cs"/>
+              </a:defRPr>
+            </a:lvl2pPr>
+            <a:lvl3pPr marL="914400" indent="0" algn="ctr" defTabSz="914400" rtl="0" eaLnBrk="1" latinLnBrk="0" hangingPunct="1">
+              <a:lnSpc>
+                <a:spcPct val="90000"/>
+              </a:lnSpc>
+              <a:spcBef>
+                <a:spcPts val="500"/>
+              </a:spcBef>
+              <a:buFont typeface="Arial" panose="020B0604020202020204" pitchFamily="34" charset="0"/>
+              <a:buNone/>
+              <a:defRPr sz="1800" kern="1200">
+                <a:solidFill>
+                  <a:schemeClr val="tx1"/>
+                </a:solidFill>
+                <a:latin typeface="+mn-lt"/>
+                <a:ea typeface="+mn-ea"/>
+                <a:cs typeface="+mn-cs"/>
+              </a:defRPr>
+            </a:lvl3pPr>
+            <a:lvl4pPr marL="1371600" indent="0" algn="ctr" defTabSz="914400" rtl="0" eaLnBrk="1" latinLnBrk="0" hangingPunct="1">
+              <a:lnSpc>
+                <a:spcPct val="90000"/>
+              </a:lnSpc>
+              <a:spcBef>
+                <a:spcPts val="500"/>
+              </a:spcBef>
+              <a:buFont typeface="Arial" panose="020B0604020202020204" pitchFamily="34" charset="0"/>
+              <a:buNone/>
+              <a:defRPr sz="1600" kern="1200">
+                <a:solidFill>
+                  <a:schemeClr val="tx1"/>
+                </a:solidFill>
+                <a:latin typeface="+mn-lt"/>
+                <a:ea typeface="+mn-ea"/>
+                <a:cs typeface="+mn-cs"/>
+              </a:defRPr>
+            </a:lvl4pPr>
+            <a:lvl5pPr marL="1828800" indent="0" algn="ctr" defTabSz="914400" rtl="0" eaLnBrk="1" latinLnBrk="0" hangingPunct="1">
+              <a:lnSpc>
+                <a:spcPct val="90000"/>
+              </a:lnSpc>
+              <a:spcBef>
+                <a:spcPts val="500"/>
+              </a:spcBef>
+              <a:buFont typeface="Arial" panose="020B0604020202020204" pitchFamily="34" charset="0"/>
+              <a:buNone/>
+              <a:defRPr sz="1600" kern="1200">
+                <a:solidFill>
+                  <a:schemeClr val="tx1"/>
+                </a:solidFill>
+                <a:latin typeface="+mn-lt"/>
+                <a:ea typeface="+mn-ea"/>
+                <a:cs typeface="+mn-cs"/>
+              </a:defRPr>
+            </a:lvl5pPr>
+            <a:lvl6pPr marL="2286000" indent="0" algn="ctr" defTabSz="914400" rtl="0" eaLnBrk="1" latinLnBrk="0" hangingPunct="1">
+              <a:lnSpc>
+                <a:spcPct val="90000"/>
+              </a:lnSpc>
+              <a:spcBef>
+                <a:spcPts val="500"/>
+              </a:spcBef>
+              <a:buFont typeface="Arial" panose="020B0604020202020204" pitchFamily="34" charset="0"/>
+              <a:buNone/>
+              <a:defRPr sz="1600" kern="1200">
+                <a:solidFill>
+                  <a:schemeClr val="tx1"/>
+                </a:solidFill>
+                <a:latin typeface="+mn-lt"/>
+                <a:ea typeface="+mn-ea"/>
+                <a:cs typeface="+mn-cs"/>
+              </a:defRPr>
+            </a:lvl6pPr>
+            <a:lvl7pPr marL="2743200" indent="0" algn="ctr" defTabSz="914400" rtl="0" eaLnBrk="1" latinLnBrk="0" hangingPunct="1">
+              <a:lnSpc>
+                <a:spcPct val="90000"/>
+              </a:lnSpc>
+              <a:spcBef>
+                <a:spcPts val="500"/>
+              </a:spcBef>
+              <a:buFont typeface="Arial" panose="020B0604020202020204" pitchFamily="34" charset="0"/>
+              <a:buNone/>
+              <a:defRPr sz="1600" kern="1200">
+                <a:solidFill>
+                  <a:schemeClr val="tx1"/>
+                </a:solidFill>
+                <a:latin typeface="+mn-lt"/>
+                <a:ea typeface="+mn-ea"/>
+                <a:cs typeface="+mn-cs"/>
+              </a:defRPr>
+            </a:lvl7pPr>
+            <a:lvl8pPr marL="3200400" indent="0" algn="ctr" defTabSz="914400" rtl="0" eaLnBrk="1" latinLnBrk="0" hangingPunct="1">
+              <a:lnSpc>
+                <a:spcPct val="90000"/>
+              </a:lnSpc>
+              <a:spcBef>
+                <a:spcPts val="500"/>
+              </a:spcBef>
+              <a:buFont typeface="Arial" panose="020B0604020202020204" pitchFamily="34" charset="0"/>
+              <a:buNone/>
+              <a:defRPr sz="1600" kern="1200">
+                <a:solidFill>
+                  <a:schemeClr val="tx1"/>
+                </a:solidFill>
+                <a:latin typeface="+mn-lt"/>
+                <a:ea typeface="+mn-ea"/>
+                <a:cs typeface="+mn-cs"/>
+              </a:defRPr>
+            </a:lvl8pPr>
+            <a:lvl9pPr marL="3657600" indent="0" algn="ctr" defTabSz="914400" rtl="0" eaLnBrk="1" latinLnBrk="0" hangingPunct="1">
+              <a:lnSpc>
+                <a:spcPct val="90000"/>
+              </a:lnSpc>
+              <a:spcBef>
+                <a:spcPts val="500"/>
+              </a:spcBef>
+              <a:buFont typeface="Arial" panose="020B0604020202020204" pitchFamily="34" charset="0"/>
+              <a:buNone/>
+              <a:defRPr sz="1600" kern="1200">
+                <a:solidFill>
+                  <a:schemeClr val="tx1"/>
+                </a:solidFill>
+                <a:latin typeface="+mn-lt"/>
+                <a:ea typeface="+mn-ea"/>
+                <a:cs typeface="+mn-cs"/>
+              </a:defRPr>
+            </a:lvl9pPr>
+          </a:lstStyle>
+          <a:p>
+            <a:r>
+              <a:rPr lang="es-ES" sz="1800" b="1" dirty="0">
+                <a:latin typeface="Aharoni" panose="02010803020104030203" pitchFamily="2" charset="-79"/>
+                <a:cs typeface="Aharoni" panose="02010803020104030203" pitchFamily="2" charset="-79"/>
+              </a:rPr>
+              <a:t>Logotipo</a:t>
+            </a:r>
+          </a:p>
+        </p:txBody>
+      </p:sp>
+      <p:sp>
+        <p:nvSpPr>
+          <p:cNvPr id="13" name="Subtítulo 2">
+            <a:extLst>
+              <a:ext uri="{FF2B5EF4-FFF2-40B4-BE49-F238E27FC236}">
+                <a16:creationId xmlns:a16="http://schemas.microsoft.com/office/drawing/2014/main" id="{E88615D0-ECDE-28CB-DACC-EEDF8986BDAA}"/>
+              </a:ext>
+            </a:extLst>
+          </p:cNvPr>
+          <p:cNvSpPr txBox="1">
+            <a:spLocks/>
+          </p:cNvSpPr>
+          <p:nvPr/>
+        </p:nvSpPr>
+        <p:spPr>
+          <a:xfrm>
+            <a:off x="9442849" y="348998"/>
+            <a:ext cx="1142261" cy="981075"/>
+          </a:xfrm>
+          <a:prstGeom prst="rect">
+            <a:avLst/>
+          </a:prstGeom>
+          <a:ln w="38100">
+            <a:solidFill>
+              <a:schemeClr val="tx1"/>
+            </a:solidFill>
+          </a:ln>
+        </p:spPr>
+        <p:txBody>
+          <a:bodyPr vert="horz" lIns="91440" tIns="45720" rIns="91440" bIns="45720" rtlCol="0" anchor="ctr">
+            <a:normAutofit fontScale="92500"/>
+          </a:bodyPr>
+          <a:lstStyle>
+            <a:lvl1pPr marL="0" indent="0" algn="ctr" defTabSz="914400" rtl="0" eaLnBrk="1" latinLnBrk="0" hangingPunct="1">
+              <a:lnSpc>
+                <a:spcPct val="90000"/>
+              </a:lnSpc>
+              <a:spcBef>
+                <a:spcPts val="1000"/>
+              </a:spcBef>
+              <a:buFont typeface="Arial" panose="020B0604020202020204" pitchFamily="34" charset="0"/>
+              <a:buNone/>
+              <a:defRPr sz="2400" kern="1200">
+                <a:solidFill>
+                  <a:schemeClr val="tx1"/>
+                </a:solidFill>
+                <a:latin typeface="+mn-lt"/>
+                <a:ea typeface="+mn-ea"/>
+                <a:cs typeface="+mn-cs"/>
+              </a:defRPr>
+            </a:lvl1pPr>
+            <a:lvl2pPr marL="457200" indent="0" algn="ctr" defTabSz="914400" rtl="0" eaLnBrk="1" latinLnBrk="0" hangingPunct="1">
+              <a:lnSpc>
+                <a:spcPct val="90000"/>
+              </a:lnSpc>
+              <a:spcBef>
+                <a:spcPts val="500"/>
+              </a:spcBef>
+              <a:buFont typeface="Arial" panose="020B0604020202020204" pitchFamily="34" charset="0"/>
+              <a:buNone/>
+              <a:defRPr sz="2000" kern="1200">
+                <a:solidFill>
+                  <a:schemeClr val="tx1"/>
+                </a:solidFill>
+                <a:latin typeface="+mn-lt"/>
+                <a:ea typeface="+mn-ea"/>
+                <a:cs typeface="+mn-cs"/>
+              </a:defRPr>
+            </a:lvl2pPr>
+            <a:lvl3pPr marL="914400" indent="0" algn="ctr" defTabSz="914400" rtl="0" eaLnBrk="1" latinLnBrk="0" hangingPunct="1">
+              <a:lnSpc>
+                <a:spcPct val="90000"/>
+              </a:lnSpc>
+              <a:spcBef>
+                <a:spcPts val="500"/>
+              </a:spcBef>
+              <a:buFont typeface="Arial" panose="020B0604020202020204" pitchFamily="34" charset="0"/>
+              <a:buNone/>
+              <a:defRPr sz="1800" kern="1200">
+                <a:solidFill>
+                  <a:schemeClr val="tx1"/>
+                </a:solidFill>
+                <a:latin typeface="+mn-lt"/>
+                <a:ea typeface="+mn-ea"/>
+                <a:cs typeface="+mn-cs"/>
+              </a:defRPr>
+            </a:lvl3pPr>
+            <a:lvl4pPr marL="1371600" indent="0" algn="ctr" defTabSz="914400" rtl="0" eaLnBrk="1" latinLnBrk="0" hangingPunct="1">
+              <a:lnSpc>
+                <a:spcPct val="90000"/>
+              </a:lnSpc>
+              <a:spcBef>
+                <a:spcPts val="500"/>
+              </a:spcBef>
+              <a:buFont typeface="Arial" panose="020B0604020202020204" pitchFamily="34" charset="0"/>
+              <a:buNone/>
+              <a:defRPr sz="1600" kern="1200">
+                <a:solidFill>
+                  <a:schemeClr val="tx1"/>
+                </a:solidFill>
+                <a:latin typeface="+mn-lt"/>
+                <a:ea typeface="+mn-ea"/>
+                <a:cs typeface="+mn-cs"/>
+              </a:defRPr>
+            </a:lvl4pPr>
+            <a:lvl5pPr marL="1828800" indent="0" algn="ctr" defTabSz="914400" rtl="0" eaLnBrk="1" latinLnBrk="0" hangingPunct="1">
+              <a:lnSpc>
+                <a:spcPct val="90000"/>
+              </a:lnSpc>
+              <a:spcBef>
+                <a:spcPts val="500"/>
+              </a:spcBef>
+              <a:buFont typeface="Arial" panose="020B0604020202020204" pitchFamily="34" charset="0"/>
+              <a:buNone/>
+              <a:defRPr sz="1600" kern="1200">
+                <a:solidFill>
+                  <a:schemeClr val="tx1"/>
+                </a:solidFill>
+                <a:latin typeface="+mn-lt"/>
+                <a:ea typeface="+mn-ea"/>
+                <a:cs typeface="+mn-cs"/>
+              </a:defRPr>
+            </a:lvl5pPr>
+            <a:lvl6pPr marL="2286000" indent="0" algn="ctr" defTabSz="914400" rtl="0" eaLnBrk="1" latinLnBrk="0" hangingPunct="1">
+              <a:lnSpc>
+                <a:spcPct val="90000"/>
+              </a:lnSpc>
+              <a:spcBef>
+                <a:spcPts val="500"/>
+              </a:spcBef>
+              <a:buFont typeface="Arial" panose="020B0604020202020204" pitchFamily="34" charset="0"/>
+              <a:buNone/>
+              <a:defRPr sz="1600" kern="1200">
+                <a:solidFill>
+                  <a:schemeClr val="tx1"/>
+                </a:solidFill>
+                <a:latin typeface="+mn-lt"/>
+                <a:ea typeface="+mn-ea"/>
+                <a:cs typeface="+mn-cs"/>
+              </a:defRPr>
+            </a:lvl6pPr>
+            <a:lvl7pPr marL="2743200" indent="0" algn="ctr" defTabSz="914400" rtl="0" eaLnBrk="1" latinLnBrk="0" hangingPunct="1">
+              <a:lnSpc>
+                <a:spcPct val="90000"/>
+              </a:lnSpc>
+              <a:spcBef>
+                <a:spcPts val="500"/>
+              </a:spcBef>
+              <a:buFont typeface="Arial" panose="020B0604020202020204" pitchFamily="34" charset="0"/>
+              <a:buNone/>
+              <a:defRPr sz="1600" kern="1200">
+                <a:solidFill>
+                  <a:schemeClr val="tx1"/>
+                </a:solidFill>
+                <a:latin typeface="+mn-lt"/>
+                <a:ea typeface="+mn-ea"/>
+                <a:cs typeface="+mn-cs"/>
+              </a:defRPr>
+            </a:lvl7pPr>
+            <a:lvl8pPr marL="3200400" indent="0" algn="ctr" defTabSz="914400" rtl="0" eaLnBrk="1" latinLnBrk="0" hangingPunct="1">
+              <a:lnSpc>
+                <a:spcPct val="90000"/>
+              </a:lnSpc>
+              <a:spcBef>
+                <a:spcPts val="500"/>
+              </a:spcBef>
+              <a:buFont typeface="Arial" panose="020B0604020202020204" pitchFamily="34" charset="0"/>
+              <a:buNone/>
+              <a:defRPr sz="1600" kern="1200">
+                <a:solidFill>
+                  <a:schemeClr val="tx1"/>
+                </a:solidFill>
+                <a:latin typeface="+mn-lt"/>
+                <a:ea typeface="+mn-ea"/>
+                <a:cs typeface="+mn-cs"/>
+              </a:defRPr>
+            </a:lvl8pPr>
+            <a:lvl9pPr marL="3657600" indent="0" algn="ctr" defTabSz="914400" rtl="0" eaLnBrk="1" latinLnBrk="0" hangingPunct="1">
+              <a:lnSpc>
+                <a:spcPct val="90000"/>
+              </a:lnSpc>
+              <a:spcBef>
+                <a:spcPts val="500"/>
+              </a:spcBef>
+              <a:buFont typeface="Arial" panose="020B0604020202020204" pitchFamily="34" charset="0"/>
+              <a:buNone/>
+              <a:defRPr sz="1600" kern="1200">
+                <a:solidFill>
+                  <a:schemeClr val="tx1"/>
+                </a:solidFill>
+                <a:latin typeface="+mn-lt"/>
+                <a:ea typeface="+mn-ea"/>
+                <a:cs typeface="+mn-cs"/>
+              </a:defRPr>
+            </a:lvl9pPr>
+          </a:lstStyle>
+          <a:p>
+            <a:r>
+              <a:rPr lang="es-ES" b="1" dirty="0">
+                <a:latin typeface="Aharoni" panose="02010803020104030203" pitchFamily="2" charset="-79"/>
+                <a:cs typeface="Aharoni" panose="02010803020104030203" pitchFamily="2" charset="-79"/>
+              </a:rPr>
+              <a:t>Ajustes  cuenta</a:t>
             </a:r>
           </a:p>
         </p:txBody>
@@ -4974,8 +6226,8 @@
         </p:nvSpPr>
         <p:spPr>
           <a:xfrm>
-            <a:off x="941033" y="377563"/>
-            <a:ext cx="10369118" cy="1333749"/>
+            <a:off x="941030" y="391137"/>
+            <a:ext cx="8290662" cy="1333749"/>
           </a:xfrm>
           <a:solidFill>
             <a:schemeClr val="bg1"/>
@@ -5010,7 +6262,7 @@
                 <a:latin typeface="Aharoni" panose="02010803020104030203" pitchFamily="2" charset="-79"/>
                 <a:cs typeface="Aharoni" panose="02010803020104030203" pitchFamily="2" charset="-79"/>
               </a:rPr>
-              <a:t>(artículos)</a:t>
+              <a:t>(camisetas)</a:t>
             </a:r>
             <a:endParaRPr lang="es-ES" b="1" dirty="0">
               <a:latin typeface="Aharoni" panose="02010803020104030203" pitchFamily="2" charset="-79"/>
@@ -5217,11 +6469,11 @@
           </a:lstStyle>
           <a:p>
             <a:r>
-              <a:rPr lang="es-ES" dirty="0">
+              <a:rPr lang="es-ES" sz="2000" dirty="0">
                 <a:latin typeface="Aharoni" panose="02010803020104030203" pitchFamily="2" charset="-79"/>
                 <a:cs typeface="Aharoni" panose="02010803020104030203" pitchFamily="2" charset="-79"/>
               </a:rPr>
-              <a:t>Listado (artículos)</a:t>
+              <a:t>Listado (camisetas)</a:t>
             </a:r>
           </a:p>
         </p:txBody>
@@ -5424,7 +6676,7 @@
           </a:lstStyle>
           <a:p>
             <a:r>
-              <a:rPr lang="es-ES" sz="1200" dirty="0">
+              <a:rPr lang="es-ES" sz="2000" dirty="0">
                 <a:latin typeface="Aharoni" panose="02010803020104030203" pitchFamily="2" charset="-79"/>
                 <a:cs typeface="Aharoni" panose="02010803020104030203" pitchFamily="2" charset="-79"/>
               </a:rPr>
@@ -5631,7 +6883,7 @@
           </a:lstStyle>
           <a:p>
             <a:r>
-              <a:rPr lang="es-ES" sz="1600" dirty="0">
+              <a:rPr lang="es-ES" sz="2000" dirty="0">
                 <a:latin typeface="Aharoni" panose="02010803020104030203" pitchFamily="2" charset="-79"/>
                 <a:cs typeface="Aharoni" panose="02010803020104030203" pitchFamily="2" charset="-79"/>
               </a:rPr>
@@ -5656,8 +6908,8 @@
         </p:nvSpPr>
         <p:spPr>
           <a:xfrm>
-            <a:off x="8345008" y="2141219"/>
-            <a:ext cx="2965140" cy="553374"/>
+            <a:off x="8345007" y="2141219"/>
+            <a:ext cx="3661609" cy="553374"/>
           </a:xfrm>
           <a:prstGeom prst="rect">
             <a:avLst/>
@@ -5670,7 +6922,7 @@
         </p:spPr>
         <p:txBody>
           <a:bodyPr vert="horz" lIns="91440" tIns="45720" rIns="91440" bIns="45720" rtlCol="0" anchor="ctr">
-            <a:normAutofit/>
+            <a:normAutofit fontScale="85000" lnSpcReduction="20000"/>
           </a:bodyPr>
           <a:lstStyle>
             <a:lvl1pPr marL="0" indent="0" algn="ctr" defTabSz="914400" rtl="0" eaLnBrk="1" latinLnBrk="0" hangingPunct="1">
@@ -5842,7 +7094,16 @@
                 <a:latin typeface="Aharoni" panose="02010803020104030203" pitchFamily="2" charset="-79"/>
                 <a:cs typeface="Aharoni" panose="02010803020104030203" pitchFamily="2" charset="-79"/>
               </a:rPr>
-              <a:t>Filtros de búsqueda</a:t>
+              <a:t>Filtros de búsqueda </a:t>
+            </a:r>
+          </a:p>
+          <a:p>
+            <a:r>
+              <a:rPr lang="es-ES" sz="1600" dirty="0">
+                <a:latin typeface="Aharoni" panose="02010803020104030203" pitchFamily="2" charset="-79"/>
+                <a:cs typeface="Aharoni" panose="02010803020104030203" pitchFamily="2" charset="-79"/>
+              </a:rPr>
+              <a:t>(equipo, color, antigüedad)</a:t>
             </a:r>
           </a:p>
         </p:txBody>
@@ -5864,7 +7125,7 @@
         <p:spPr>
           <a:xfrm>
             <a:off x="941030" y="5921326"/>
-            <a:ext cx="10369118" cy="545537"/>
+            <a:ext cx="11065584" cy="545537"/>
           </a:xfrm>
           <a:prstGeom prst="rect">
             <a:avLst/>
@@ -6063,7 +7324,7 @@
                 <a:latin typeface="Aharoni" panose="02010803020104030203" pitchFamily="2" charset="-79"/>
                 <a:cs typeface="Aharoni" panose="02010803020104030203" pitchFamily="2" charset="-79"/>
               </a:rPr>
-              <a:t>, contacto, sugerencias, utilidades)</a:t>
+              <a:t>, contacto, sugerencias, utilidades, conócenos)</a:t>
             </a:r>
           </a:p>
         </p:txBody>
@@ -6266,7 +7527,7 @@
           </a:lstStyle>
           <a:p>
             <a:r>
-              <a:rPr lang="es-ES" sz="1200" dirty="0">
+              <a:rPr lang="es-ES" sz="2000" dirty="0">
                 <a:latin typeface="Aharoni" panose="02010803020104030203" pitchFamily="2" charset="-79"/>
                 <a:cs typeface="Aharoni" panose="02010803020104030203" pitchFamily="2" charset="-79"/>
               </a:rPr>
@@ -6292,7 +7553,7 @@
         <p:spPr>
           <a:xfrm>
             <a:off x="8345008" y="3008789"/>
-            <a:ext cx="2965140" cy="2638947"/>
+            <a:ext cx="3661608" cy="2023849"/>
           </a:xfrm>
           <a:prstGeom prst="rect">
             <a:avLst/>
@@ -6473,7 +7734,7 @@
           </a:lstStyle>
           <a:p>
             <a:r>
-              <a:rPr lang="es-ES" sz="1200" dirty="0">
+              <a:rPr lang="es-ES" sz="2000" dirty="0">
                 <a:latin typeface="Aharoni" panose="02010803020104030203" pitchFamily="2" charset="-79"/>
                 <a:cs typeface="Aharoni" panose="02010803020104030203" pitchFamily="2" charset="-79"/>
               </a:rPr>
@@ -6886,10 +8147,634 @@
             </a:lvl9pPr>
           </a:lstStyle>
           <a:p>
-            <a:endParaRPr lang="es-ES" sz="1200" dirty="0">
-              <a:latin typeface="Aharoni" panose="02010803020104030203" pitchFamily="2" charset="-79"/>
-              <a:cs typeface="Aharoni" panose="02010803020104030203" pitchFamily="2" charset="-79"/>
-            </a:endParaRPr>
+            <a:r>
+              <a:rPr lang="es-ES" sz="1200" dirty="0">
+                <a:latin typeface="Aharoni" panose="02010803020104030203" pitchFamily="2" charset="-79"/>
+                <a:cs typeface="Aharoni" panose="02010803020104030203" pitchFamily="2" charset="-79"/>
+              </a:rPr>
+              <a:t>Comprar</a:t>
+            </a:r>
+          </a:p>
+        </p:txBody>
+      </p:sp>
+      <p:sp>
+        <p:nvSpPr>
+          <p:cNvPr id="6" name="Subtítulo 2">
+            <a:extLst>
+              <a:ext uri="{FF2B5EF4-FFF2-40B4-BE49-F238E27FC236}">
+                <a16:creationId xmlns:a16="http://schemas.microsoft.com/office/drawing/2014/main" id="{83DFFE4F-B3AA-6F99-88EC-E6EF519DDD56}"/>
+              </a:ext>
+            </a:extLst>
+          </p:cNvPr>
+          <p:cNvSpPr txBox="1">
+            <a:spLocks/>
+          </p:cNvSpPr>
+          <p:nvPr/>
+        </p:nvSpPr>
+        <p:spPr>
+          <a:xfrm>
+            <a:off x="8345007" y="5231745"/>
+            <a:ext cx="3661607" cy="384921"/>
+          </a:xfrm>
+          <a:prstGeom prst="rect">
+            <a:avLst/>
+          </a:prstGeom>
+          <a:ln w="38100">
+            <a:solidFill>
+              <a:schemeClr val="tx1"/>
+            </a:solidFill>
+          </a:ln>
+        </p:spPr>
+        <p:txBody>
+          <a:bodyPr vert="horz" lIns="91440" tIns="45720" rIns="91440" bIns="45720" rtlCol="0" anchor="ctr">
+            <a:normAutofit/>
+          </a:bodyPr>
+          <a:lstStyle>
+            <a:lvl1pPr marL="0" indent="0" algn="ctr" defTabSz="914400" rtl="0" eaLnBrk="1" latinLnBrk="0" hangingPunct="1">
+              <a:lnSpc>
+                <a:spcPct val="90000"/>
+              </a:lnSpc>
+              <a:spcBef>
+                <a:spcPts val="1000"/>
+              </a:spcBef>
+              <a:buFont typeface="Arial" panose="020B0604020202020204" pitchFamily="34" charset="0"/>
+              <a:buNone/>
+              <a:defRPr sz="2400" kern="1200">
+                <a:solidFill>
+                  <a:schemeClr val="tx1"/>
+                </a:solidFill>
+                <a:latin typeface="+mn-lt"/>
+                <a:ea typeface="+mn-ea"/>
+                <a:cs typeface="+mn-cs"/>
+              </a:defRPr>
+            </a:lvl1pPr>
+            <a:lvl2pPr marL="457200" indent="0" algn="ctr" defTabSz="914400" rtl="0" eaLnBrk="1" latinLnBrk="0" hangingPunct="1">
+              <a:lnSpc>
+                <a:spcPct val="90000"/>
+              </a:lnSpc>
+              <a:spcBef>
+                <a:spcPts val="500"/>
+              </a:spcBef>
+              <a:buFont typeface="Arial" panose="020B0604020202020204" pitchFamily="34" charset="0"/>
+              <a:buNone/>
+              <a:defRPr sz="2000" kern="1200">
+                <a:solidFill>
+                  <a:schemeClr val="tx1"/>
+                </a:solidFill>
+                <a:latin typeface="+mn-lt"/>
+                <a:ea typeface="+mn-ea"/>
+                <a:cs typeface="+mn-cs"/>
+              </a:defRPr>
+            </a:lvl2pPr>
+            <a:lvl3pPr marL="914400" indent="0" algn="ctr" defTabSz="914400" rtl="0" eaLnBrk="1" latinLnBrk="0" hangingPunct="1">
+              <a:lnSpc>
+                <a:spcPct val="90000"/>
+              </a:lnSpc>
+              <a:spcBef>
+                <a:spcPts val="500"/>
+              </a:spcBef>
+              <a:buFont typeface="Arial" panose="020B0604020202020204" pitchFamily="34" charset="0"/>
+              <a:buNone/>
+              <a:defRPr sz="1800" kern="1200">
+                <a:solidFill>
+                  <a:schemeClr val="tx1"/>
+                </a:solidFill>
+                <a:latin typeface="+mn-lt"/>
+                <a:ea typeface="+mn-ea"/>
+                <a:cs typeface="+mn-cs"/>
+              </a:defRPr>
+            </a:lvl3pPr>
+            <a:lvl4pPr marL="1371600" indent="0" algn="ctr" defTabSz="914400" rtl="0" eaLnBrk="1" latinLnBrk="0" hangingPunct="1">
+              <a:lnSpc>
+                <a:spcPct val="90000"/>
+              </a:lnSpc>
+              <a:spcBef>
+                <a:spcPts val="500"/>
+              </a:spcBef>
+              <a:buFont typeface="Arial" panose="020B0604020202020204" pitchFamily="34" charset="0"/>
+              <a:buNone/>
+              <a:defRPr sz="1600" kern="1200">
+                <a:solidFill>
+                  <a:schemeClr val="tx1"/>
+                </a:solidFill>
+                <a:latin typeface="+mn-lt"/>
+                <a:ea typeface="+mn-ea"/>
+                <a:cs typeface="+mn-cs"/>
+              </a:defRPr>
+            </a:lvl4pPr>
+            <a:lvl5pPr marL="1828800" indent="0" algn="ctr" defTabSz="914400" rtl="0" eaLnBrk="1" latinLnBrk="0" hangingPunct="1">
+              <a:lnSpc>
+                <a:spcPct val="90000"/>
+              </a:lnSpc>
+              <a:spcBef>
+                <a:spcPts val="500"/>
+              </a:spcBef>
+              <a:buFont typeface="Arial" panose="020B0604020202020204" pitchFamily="34" charset="0"/>
+              <a:buNone/>
+              <a:defRPr sz="1600" kern="1200">
+                <a:solidFill>
+                  <a:schemeClr val="tx1"/>
+                </a:solidFill>
+                <a:latin typeface="+mn-lt"/>
+                <a:ea typeface="+mn-ea"/>
+                <a:cs typeface="+mn-cs"/>
+              </a:defRPr>
+            </a:lvl5pPr>
+            <a:lvl6pPr marL="2286000" indent="0" algn="ctr" defTabSz="914400" rtl="0" eaLnBrk="1" latinLnBrk="0" hangingPunct="1">
+              <a:lnSpc>
+                <a:spcPct val="90000"/>
+              </a:lnSpc>
+              <a:spcBef>
+                <a:spcPts val="500"/>
+              </a:spcBef>
+              <a:buFont typeface="Arial" panose="020B0604020202020204" pitchFamily="34" charset="0"/>
+              <a:buNone/>
+              <a:defRPr sz="1600" kern="1200">
+                <a:solidFill>
+                  <a:schemeClr val="tx1"/>
+                </a:solidFill>
+                <a:latin typeface="+mn-lt"/>
+                <a:ea typeface="+mn-ea"/>
+                <a:cs typeface="+mn-cs"/>
+              </a:defRPr>
+            </a:lvl6pPr>
+            <a:lvl7pPr marL="2743200" indent="0" algn="ctr" defTabSz="914400" rtl="0" eaLnBrk="1" latinLnBrk="0" hangingPunct="1">
+              <a:lnSpc>
+                <a:spcPct val="90000"/>
+              </a:lnSpc>
+              <a:spcBef>
+                <a:spcPts val="500"/>
+              </a:spcBef>
+              <a:buFont typeface="Arial" panose="020B0604020202020204" pitchFamily="34" charset="0"/>
+              <a:buNone/>
+              <a:defRPr sz="1600" kern="1200">
+                <a:solidFill>
+                  <a:schemeClr val="tx1"/>
+                </a:solidFill>
+                <a:latin typeface="+mn-lt"/>
+                <a:ea typeface="+mn-ea"/>
+                <a:cs typeface="+mn-cs"/>
+              </a:defRPr>
+            </a:lvl7pPr>
+            <a:lvl8pPr marL="3200400" indent="0" algn="ctr" defTabSz="914400" rtl="0" eaLnBrk="1" latinLnBrk="0" hangingPunct="1">
+              <a:lnSpc>
+                <a:spcPct val="90000"/>
+              </a:lnSpc>
+              <a:spcBef>
+                <a:spcPts val="500"/>
+              </a:spcBef>
+              <a:buFont typeface="Arial" panose="020B0604020202020204" pitchFamily="34" charset="0"/>
+              <a:buNone/>
+              <a:defRPr sz="1600" kern="1200">
+                <a:solidFill>
+                  <a:schemeClr val="tx1"/>
+                </a:solidFill>
+                <a:latin typeface="+mn-lt"/>
+                <a:ea typeface="+mn-ea"/>
+                <a:cs typeface="+mn-cs"/>
+              </a:defRPr>
+            </a:lvl8pPr>
+            <a:lvl9pPr marL="3657600" indent="0" algn="ctr" defTabSz="914400" rtl="0" eaLnBrk="1" latinLnBrk="0" hangingPunct="1">
+              <a:lnSpc>
+                <a:spcPct val="90000"/>
+              </a:lnSpc>
+              <a:spcBef>
+                <a:spcPts val="500"/>
+              </a:spcBef>
+              <a:buFont typeface="Arial" panose="020B0604020202020204" pitchFamily="34" charset="0"/>
+              <a:buNone/>
+              <a:defRPr sz="1600" kern="1200">
+                <a:solidFill>
+                  <a:schemeClr val="tx1"/>
+                </a:solidFill>
+                <a:latin typeface="+mn-lt"/>
+                <a:ea typeface="+mn-ea"/>
+                <a:cs typeface="+mn-cs"/>
+              </a:defRPr>
+            </a:lvl9pPr>
+          </a:lstStyle>
+          <a:p>
+            <a:r>
+              <a:rPr lang="es-ES" sz="2000" dirty="0">
+                <a:latin typeface="Aharoni" panose="02010803020104030203" pitchFamily="2" charset="-79"/>
+                <a:cs typeface="Aharoni" panose="02010803020104030203" pitchFamily="2" charset="-79"/>
+              </a:rPr>
+              <a:t>Personalización propia</a:t>
+            </a:r>
+          </a:p>
+        </p:txBody>
+      </p:sp>
+      <p:sp>
+        <p:nvSpPr>
+          <p:cNvPr id="14" name="Subtítulo 2">
+            <a:extLst>
+              <a:ext uri="{FF2B5EF4-FFF2-40B4-BE49-F238E27FC236}">
+                <a16:creationId xmlns:a16="http://schemas.microsoft.com/office/drawing/2014/main" id="{5F61E39D-7A26-F865-B473-6BB4217B3F54}"/>
+              </a:ext>
+            </a:extLst>
+          </p:cNvPr>
+          <p:cNvSpPr txBox="1">
+            <a:spLocks/>
+          </p:cNvSpPr>
+          <p:nvPr/>
+        </p:nvSpPr>
+        <p:spPr>
+          <a:xfrm>
+            <a:off x="10864357" y="391136"/>
+            <a:ext cx="1142260" cy="1367003"/>
+          </a:xfrm>
+          <a:prstGeom prst="rect">
+            <a:avLst/>
+          </a:prstGeom>
+          <a:ln w="38100">
+            <a:solidFill>
+              <a:schemeClr val="tx1"/>
+            </a:solidFill>
+          </a:ln>
+        </p:spPr>
+        <p:txBody>
+          <a:bodyPr vert="horz" lIns="91440" tIns="45720" rIns="91440" bIns="45720" rtlCol="0" anchor="ctr">
+            <a:normAutofit/>
+          </a:bodyPr>
+          <a:lstStyle>
+            <a:lvl1pPr marL="0" indent="0" algn="ctr" defTabSz="914400" rtl="0" eaLnBrk="1" latinLnBrk="0" hangingPunct="1">
+              <a:lnSpc>
+                <a:spcPct val="90000"/>
+              </a:lnSpc>
+              <a:spcBef>
+                <a:spcPts val="1000"/>
+              </a:spcBef>
+              <a:buFont typeface="Arial" panose="020B0604020202020204" pitchFamily="34" charset="0"/>
+              <a:buNone/>
+              <a:defRPr sz="2400" kern="1200">
+                <a:solidFill>
+                  <a:schemeClr val="tx1"/>
+                </a:solidFill>
+                <a:latin typeface="+mn-lt"/>
+                <a:ea typeface="+mn-ea"/>
+                <a:cs typeface="+mn-cs"/>
+              </a:defRPr>
+            </a:lvl1pPr>
+            <a:lvl2pPr marL="457200" indent="0" algn="ctr" defTabSz="914400" rtl="0" eaLnBrk="1" latinLnBrk="0" hangingPunct="1">
+              <a:lnSpc>
+                <a:spcPct val="90000"/>
+              </a:lnSpc>
+              <a:spcBef>
+                <a:spcPts val="500"/>
+              </a:spcBef>
+              <a:buFont typeface="Arial" panose="020B0604020202020204" pitchFamily="34" charset="0"/>
+              <a:buNone/>
+              <a:defRPr sz="2000" kern="1200">
+                <a:solidFill>
+                  <a:schemeClr val="tx1"/>
+                </a:solidFill>
+                <a:latin typeface="+mn-lt"/>
+                <a:ea typeface="+mn-ea"/>
+                <a:cs typeface="+mn-cs"/>
+              </a:defRPr>
+            </a:lvl2pPr>
+            <a:lvl3pPr marL="914400" indent="0" algn="ctr" defTabSz="914400" rtl="0" eaLnBrk="1" latinLnBrk="0" hangingPunct="1">
+              <a:lnSpc>
+                <a:spcPct val="90000"/>
+              </a:lnSpc>
+              <a:spcBef>
+                <a:spcPts val="500"/>
+              </a:spcBef>
+              <a:buFont typeface="Arial" panose="020B0604020202020204" pitchFamily="34" charset="0"/>
+              <a:buNone/>
+              <a:defRPr sz="1800" kern="1200">
+                <a:solidFill>
+                  <a:schemeClr val="tx1"/>
+                </a:solidFill>
+                <a:latin typeface="+mn-lt"/>
+                <a:ea typeface="+mn-ea"/>
+                <a:cs typeface="+mn-cs"/>
+              </a:defRPr>
+            </a:lvl3pPr>
+            <a:lvl4pPr marL="1371600" indent="0" algn="ctr" defTabSz="914400" rtl="0" eaLnBrk="1" latinLnBrk="0" hangingPunct="1">
+              <a:lnSpc>
+                <a:spcPct val="90000"/>
+              </a:lnSpc>
+              <a:spcBef>
+                <a:spcPts val="500"/>
+              </a:spcBef>
+              <a:buFont typeface="Arial" panose="020B0604020202020204" pitchFamily="34" charset="0"/>
+              <a:buNone/>
+              <a:defRPr sz="1600" kern="1200">
+                <a:solidFill>
+                  <a:schemeClr val="tx1"/>
+                </a:solidFill>
+                <a:latin typeface="+mn-lt"/>
+                <a:ea typeface="+mn-ea"/>
+                <a:cs typeface="+mn-cs"/>
+              </a:defRPr>
+            </a:lvl4pPr>
+            <a:lvl5pPr marL="1828800" indent="0" algn="ctr" defTabSz="914400" rtl="0" eaLnBrk="1" latinLnBrk="0" hangingPunct="1">
+              <a:lnSpc>
+                <a:spcPct val="90000"/>
+              </a:lnSpc>
+              <a:spcBef>
+                <a:spcPts val="500"/>
+              </a:spcBef>
+              <a:buFont typeface="Arial" panose="020B0604020202020204" pitchFamily="34" charset="0"/>
+              <a:buNone/>
+              <a:defRPr sz="1600" kern="1200">
+                <a:solidFill>
+                  <a:schemeClr val="tx1"/>
+                </a:solidFill>
+                <a:latin typeface="+mn-lt"/>
+                <a:ea typeface="+mn-ea"/>
+                <a:cs typeface="+mn-cs"/>
+              </a:defRPr>
+            </a:lvl5pPr>
+            <a:lvl6pPr marL="2286000" indent="0" algn="ctr" defTabSz="914400" rtl="0" eaLnBrk="1" latinLnBrk="0" hangingPunct="1">
+              <a:lnSpc>
+                <a:spcPct val="90000"/>
+              </a:lnSpc>
+              <a:spcBef>
+                <a:spcPts val="500"/>
+              </a:spcBef>
+              <a:buFont typeface="Arial" panose="020B0604020202020204" pitchFamily="34" charset="0"/>
+              <a:buNone/>
+              <a:defRPr sz="1600" kern="1200">
+                <a:solidFill>
+                  <a:schemeClr val="tx1"/>
+                </a:solidFill>
+                <a:latin typeface="+mn-lt"/>
+                <a:ea typeface="+mn-ea"/>
+                <a:cs typeface="+mn-cs"/>
+              </a:defRPr>
+            </a:lvl6pPr>
+            <a:lvl7pPr marL="2743200" indent="0" algn="ctr" defTabSz="914400" rtl="0" eaLnBrk="1" latinLnBrk="0" hangingPunct="1">
+              <a:lnSpc>
+                <a:spcPct val="90000"/>
+              </a:lnSpc>
+              <a:spcBef>
+                <a:spcPts val="500"/>
+              </a:spcBef>
+              <a:buFont typeface="Arial" panose="020B0604020202020204" pitchFamily="34" charset="0"/>
+              <a:buNone/>
+              <a:defRPr sz="1600" kern="1200">
+                <a:solidFill>
+                  <a:schemeClr val="tx1"/>
+                </a:solidFill>
+                <a:latin typeface="+mn-lt"/>
+                <a:ea typeface="+mn-ea"/>
+                <a:cs typeface="+mn-cs"/>
+              </a:defRPr>
+            </a:lvl7pPr>
+            <a:lvl8pPr marL="3200400" indent="0" algn="ctr" defTabSz="914400" rtl="0" eaLnBrk="1" latinLnBrk="0" hangingPunct="1">
+              <a:lnSpc>
+                <a:spcPct val="90000"/>
+              </a:lnSpc>
+              <a:spcBef>
+                <a:spcPts val="500"/>
+              </a:spcBef>
+              <a:buFont typeface="Arial" panose="020B0604020202020204" pitchFamily="34" charset="0"/>
+              <a:buNone/>
+              <a:defRPr sz="1600" kern="1200">
+                <a:solidFill>
+                  <a:schemeClr val="tx1"/>
+                </a:solidFill>
+                <a:latin typeface="+mn-lt"/>
+                <a:ea typeface="+mn-ea"/>
+                <a:cs typeface="+mn-cs"/>
+              </a:defRPr>
+            </a:lvl8pPr>
+            <a:lvl9pPr marL="3657600" indent="0" algn="ctr" defTabSz="914400" rtl="0" eaLnBrk="1" latinLnBrk="0" hangingPunct="1">
+              <a:lnSpc>
+                <a:spcPct val="90000"/>
+              </a:lnSpc>
+              <a:spcBef>
+                <a:spcPts val="500"/>
+              </a:spcBef>
+              <a:buFont typeface="Arial" panose="020B0604020202020204" pitchFamily="34" charset="0"/>
+              <a:buNone/>
+              <a:defRPr sz="1600" kern="1200">
+                <a:solidFill>
+                  <a:schemeClr val="tx1"/>
+                </a:solidFill>
+                <a:latin typeface="+mn-lt"/>
+                <a:ea typeface="+mn-ea"/>
+                <a:cs typeface="+mn-cs"/>
+              </a:defRPr>
+            </a:lvl9pPr>
+          </a:lstStyle>
+          <a:p>
+            <a:r>
+              <a:rPr lang="es-ES" sz="1800" b="1" dirty="0">
+                <a:latin typeface="Aharoni" panose="02010803020104030203" pitchFamily="2" charset="-79"/>
+                <a:cs typeface="Aharoni" panose="02010803020104030203" pitchFamily="2" charset="-79"/>
+              </a:rPr>
+              <a:t>Logotipo</a:t>
+            </a:r>
+          </a:p>
+        </p:txBody>
+      </p:sp>
+      <p:sp>
+        <p:nvSpPr>
+          <p:cNvPr id="16" name="Subtítulo 2">
+            <a:extLst>
+              <a:ext uri="{FF2B5EF4-FFF2-40B4-BE49-F238E27FC236}">
+                <a16:creationId xmlns:a16="http://schemas.microsoft.com/office/drawing/2014/main" id="{35A74DE0-AFE1-189F-EA4C-2AC01E8B1DE1}"/>
+              </a:ext>
+            </a:extLst>
+          </p:cNvPr>
+          <p:cNvSpPr txBox="1">
+            <a:spLocks/>
+          </p:cNvSpPr>
+          <p:nvPr/>
+        </p:nvSpPr>
+        <p:spPr>
+          <a:xfrm>
+            <a:off x="9442849" y="391136"/>
+            <a:ext cx="1254743" cy="1333749"/>
+          </a:xfrm>
+          <a:prstGeom prst="rect">
+            <a:avLst/>
+          </a:prstGeom>
+          <a:ln w="38100">
+            <a:solidFill>
+              <a:schemeClr val="tx1"/>
+            </a:solidFill>
+          </a:ln>
+        </p:spPr>
+        <p:txBody>
+          <a:bodyPr vert="horz" lIns="91440" tIns="45720" rIns="91440" bIns="45720" rtlCol="0" anchor="ctr">
+            <a:normAutofit/>
+          </a:bodyPr>
+          <a:lstStyle>
+            <a:lvl1pPr marL="0" indent="0" algn="ctr" defTabSz="914400" rtl="0" eaLnBrk="1" latinLnBrk="0" hangingPunct="1">
+              <a:lnSpc>
+                <a:spcPct val="90000"/>
+              </a:lnSpc>
+              <a:spcBef>
+                <a:spcPts val="1000"/>
+              </a:spcBef>
+              <a:buFont typeface="Arial" panose="020B0604020202020204" pitchFamily="34" charset="0"/>
+              <a:buNone/>
+              <a:defRPr sz="2400" kern="1200">
+                <a:solidFill>
+                  <a:schemeClr val="tx1"/>
+                </a:solidFill>
+                <a:latin typeface="+mn-lt"/>
+                <a:ea typeface="+mn-ea"/>
+                <a:cs typeface="+mn-cs"/>
+              </a:defRPr>
+            </a:lvl1pPr>
+            <a:lvl2pPr marL="457200" indent="0" algn="ctr" defTabSz="914400" rtl="0" eaLnBrk="1" latinLnBrk="0" hangingPunct="1">
+              <a:lnSpc>
+                <a:spcPct val="90000"/>
+              </a:lnSpc>
+              <a:spcBef>
+                <a:spcPts val="500"/>
+              </a:spcBef>
+              <a:buFont typeface="Arial" panose="020B0604020202020204" pitchFamily="34" charset="0"/>
+              <a:buNone/>
+              <a:defRPr sz="2000" kern="1200">
+                <a:solidFill>
+                  <a:schemeClr val="tx1"/>
+                </a:solidFill>
+                <a:latin typeface="+mn-lt"/>
+                <a:ea typeface="+mn-ea"/>
+                <a:cs typeface="+mn-cs"/>
+              </a:defRPr>
+            </a:lvl2pPr>
+            <a:lvl3pPr marL="914400" indent="0" algn="ctr" defTabSz="914400" rtl="0" eaLnBrk="1" latinLnBrk="0" hangingPunct="1">
+              <a:lnSpc>
+                <a:spcPct val="90000"/>
+              </a:lnSpc>
+              <a:spcBef>
+                <a:spcPts val="500"/>
+              </a:spcBef>
+              <a:buFont typeface="Arial" panose="020B0604020202020204" pitchFamily="34" charset="0"/>
+              <a:buNone/>
+              <a:defRPr sz="1800" kern="1200">
+                <a:solidFill>
+                  <a:schemeClr val="tx1"/>
+                </a:solidFill>
+                <a:latin typeface="+mn-lt"/>
+                <a:ea typeface="+mn-ea"/>
+                <a:cs typeface="+mn-cs"/>
+              </a:defRPr>
+            </a:lvl3pPr>
+            <a:lvl4pPr marL="1371600" indent="0" algn="ctr" defTabSz="914400" rtl="0" eaLnBrk="1" latinLnBrk="0" hangingPunct="1">
+              <a:lnSpc>
+                <a:spcPct val="90000"/>
+              </a:lnSpc>
+              <a:spcBef>
+                <a:spcPts val="500"/>
+              </a:spcBef>
+              <a:buFont typeface="Arial" panose="020B0604020202020204" pitchFamily="34" charset="0"/>
+              <a:buNone/>
+              <a:defRPr sz="1600" kern="1200">
+                <a:solidFill>
+                  <a:schemeClr val="tx1"/>
+                </a:solidFill>
+                <a:latin typeface="+mn-lt"/>
+                <a:ea typeface="+mn-ea"/>
+                <a:cs typeface="+mn-cs"/>
+              </a:defRPr>
+            </a:lvl4pPr>
+            <a:lvl5pPr marL="1828800" indent="0" algn="ctr" defTabSz="914400" rtl="0" eaLnBrk="1" latinLnBrk="0" hangingPunct="1">
+              <a:lnSpc>
+                <a:spcPct val="90000"/>
+              </a:lnSpc>
+              <a:spcBef>
+                <a:spcPts val="500"/>
+              </a:spcBef>
+              <a:buFont typeface="Arial" panose="020B0604020202020204" pitchFamily="34" charset="0"/>
+              <a:buNone/>
+              <a:defRPr sz="1600" kern="1200">
+                <a:solidFill>
+                  <a:schemeClr val="tx1"/>
+                </a:solidFill>
+                <a:latin typeface="+mn-lt"/>
+                <a:ea typeface="+mn-ea"/>
+                <a:cs typeface="+mn-cs"/>
+              </a:defRPr>
+            </a:lvl5pPr>
+            <a:lvl6pPr marL="2286000" indent="0" algn="ctr" defTabSz="914400" rtl="0" eaLnBrk="1" latinLnBrk="0" hangingPunct="1">
+              <a:lnSpc>
+                <a:spcPct val="90000"/>
+              </a:lnSpc>
+              <a:spcBef>
+                <a:spcPts val="500"/>
+              </a:spcBef>
+              <a:buFont typeface="Arial" panose="020B0604020202020204" pitchFamily="34" charset="0"/>
+              <a:buNone/>
+              <a:defRPr sz="1600" kern="1200">
+                <a:solidFill>
+                  <a:schemeClr val="tx1"/>
+                </a:solidFill>
+                <a:latin typeface="+mn-lt"/>
+                <a:ea typeface="+mn-ea"/>
+                <a:cs typeface="+mn-cs"/>
+              </a:defRPr>
+            </a:lvl6pPr>
+            <a:lvl7pPr marL="2743200" indent="0" algn="ctr" defTabSz="914400" rtl="0" eaLnBrk="1" latinLnBrk="0" hangingPunct="1">
+              <a:lnSpc>
+                <a:spcPct val="90000"/>
+              </a:lnSpc>
+              <a:spcBef>
+                <a:spcPts val="500"/>
+              </a:spcBef>
+              <a:buFont typeface="Arial" panose="020B0604020202020204" pitchFamily="34" charset="0"/>
+              <a:buNone/>
+              <a:defRPr sz="1600" kern="1200">
+                <a:solidFill>
+                  <a:schemeClr val="tx1"/>
+                </a:solidFill>
+                <a:latin typeface="+mn-lt"/>
+                <a:ea typeface="+mn-ea"/>
+                <a:cs typeface="+mn-cs"/>
+              </a:defRPr>
+            </a:lvl7pPr>
+            <a:lvl8pPr marL="3200400" indent="0" algn="ctr" defTabSz="914400" rtl="0" eaLnBrk="1" latinLnBrk="0" hangingPunct="1">
+              <a:lnSpc>
+                <a:spcPct val="90000"/>
+              </a:lnSpc>
+              <a:spcBef>
+                <a:spcPts val="500"/>
+              </a:spcBef>
+              <a:buFont typeface="Arial" panose="020B0604020202020204" pitchFamily="34" charset="0"/>
+              <a:buNone/>
+              <a:defRPr sz="1600" kern="1200">
+                <a:solidFill>
+                  <a:schemeClr val="tx1"/>
+                </a:solidFill>
+                <a:latin typeface="+mn-lt"/>
+                <a:ea typeface="+mn-ea"/>
+                <a:cs typeface="+mn-cs"/>
+              </a:defRPr>
+            </a:lvl8pPr>
+            <a:lvl9pPr marL="3657600" indent="0" algn="ctr" defTabSz="914400" rtl="0" eaLnBrk="1" latinLnBrk="0" hangingPunct="1">
+              <a:lnSpc>
+                <a:spcPct val="90000"/>
+              </a:lnSpc>
+              <a:spcBef>
+                <a:spcPts val="500"/>
+              </a:spcBef>
+              <a:buFont typeface="Arial" panose="020B0604020202020204" pitchFamily="34" charset="0"/>
+              <a:buNone/>
+              <a:defRPr sz="1600" kern="1200">
+                <a:solidFill>
+                  <a:schemeClr val="tx1"/>
+                </a:solidFill>
+                <a:latin typeface="+mn-lt"/>
+                <a:ea typeface="+mn-ea"/>
+                <a:cs typeface="+mn-cs"/>
+              </a:defRPr>
+            </a:lvl9pPr>
+          </a:lstStyle>
+          <a:p>
+            <a:r>
+              <a:rPr lang="es-ES" b="1" dirty="0">
+                <a:latin typeface="Aharoni" panose="02010803020104030203" pitchFamily="2" charset="-79"/>
+                <a:cs typeface="Aharoni" panose="02010803020104030203" pitchFamily="2" charset="-79"/>
+              </a:rPr>
+              <a:t>Ajustes  cuenta</a:t>
+            </a:r>
           </a:p>
         </p:txBody>
       </p:sp>
@@ -6941,8 +8826,8 @@
         </p:nvSpPr>
         <p:spPr>
           <a:xfrm>
-            <a:off x="941033" y="377563"/>
-            <a:ext cx="10369118" cy="1333749"/>
+            <a:off x="941030" y="377563"/>
+            <a:ext cx="8353890" cy="1333749"/>
           </a:xfrm>
           <a:solidFill>
             <a:schemeClr val="bg1"/>
@@ -6964,7 +8849,7 @@
                 <a:latin typeface="Aharoni" panose="02010803020104030203" pitchFamily="2" charset="-79"/>
                 <a:cs typeface="Aharoni" panose="02010803020104030203" pitchFamily="2" charset="-79"/>
               </a:rPr>
-              <a:t>LISTADO </a:t>
+              <a:t>PERSONALIZACIÓN </a:t>
             </a:r>
             <a:br>
               <a:rPr lang="es-ES" b="1" dirty="0">
@@ -6977,426 +8862,12 @@
                 <a:latin typeface="Aharoni" panose="02010803020104030203" pitchFamily="2" charset="-79"/>
                 <a:cs typeface="Aharoni" panose="02010803020104030203" pitchFamily="2" charset="-79"/>
               </a:rPr>
-              <a:t>(artículos)</a:t>
+              <a:t>(camisetas)</a:t>
             </a:r>
             <a:endParaRPr lang="es-ES" b="1" dirty="0">
               <a:latin typeface="Aharoni" panose="02010803020104030203" pitchFamily="2" charset="-79"/>
               <a:cs typeface="Aharoni" panose="02010803020104030203" pitchFamily="2" charset="-79"/>
             </a:endParaRPr>
-          </a:p>
-        </p:txBody>
-      </p:sp>
-      <p:sp>
-        <p:nvSpPr>
-          <p:cNvPr id="5" name="Subtítulo 2">
-            <a:extLst>
-              <a:ext uri="{FF2B5EF4-FFF2-40B4-BE49-F238E27FC236}">
-                <a16:creationId xmlns:a16="http://schemas.microsoft.com/office/drawing/2014/main" id="{2DC29BC3-EB5D-E4A2-7333-39F756C002B2}"/>
-              </a:ext>
-            </a:extLst>
-          </p:cNvPr>
-          <p:cNvSpPr txBox="1">
-            <a:spLocks/>
-          </p:cNvSpPr>
-          <p:nvPr/>
-        </p:nvSpPr>
-        <p:spPr>
-          <a:xfrm>
-            <a:off x="941030" y="3002312"/>
-            <a:ext cx="2361460" cy="2457455"/>
-          </a:xfrm>
-          <a:prstGeom prst="rect">
-            <a:avLst/>
-          </a:prstGeom>
-          <a:ln w="38100">
-            <a:solidFill>
-              <a:schemeClr val="tx1"/>
-            </a:solidFill>
-          </a:ln>
-        </p:spPr>
-        <p:txBody>
-          <a:bodyPr vert="horz" lIns="91440" tIns="45720" rIns="91440" bIns="45720" rtlCol="0" anchor="ctr">
-            <a:normAutofit/>
-          </a:bodyPr>
-          <a:lstStyle>
-            <a:lvl1pPr marL="0" indent="0" algn="ctr" defTabSz="914400" rtl="0" eaLnBrk="1" latinLnBrk="0" hangingPunct="1">
-              <a:lnSpc>
-                <a:spcPct val="90000"/>
-              </a:lnSpc>
-              <a:spcBef>
-                <a:spcPts val="1000"/>
-              </a:spcBef>
-              <a:buFont typeface="Arial" panose="020B0604020202020204" pitchFamily="34" charset="0"/>
-              <a:buNone/>
-              <a:defRPr sz="2400" kern="1200">
-                <a:solidFill>
-                  <a:schemeClr val="tx1"/>
-                </a:solidFill>
-                <a:latin typeface="+mn-lt"/>
-                <a:ea typeface="+mn-ea"/>
-                <a:cs typeface="+mn-cs"/>
-              </a:defRPr>
-            </a:lvl1pPr>
-            <a:lvl2pPr marL="457200" indent="0" algn="ctr" defTabSz="914400" rtl="0" eaLnBrk="1" latinLnBrk="0" hangingPunct="1">
-              <a:lnSpc>
-                <a:spcPct val="90000"/>
-              </a:lnSpc>
-              <a:spcBef>
-                <a:spcPts val="500"/>
-              </a:spcBef>
-              <a:buFont typeface="Arial" panose="020B0604020202020204" pitchFamily="34" charset="0"/>
-              <a:buNone/>
-              <a:defRPr sz="2000" kern="1200">
-                <a:solidFill>
-                  <a:schemeClr val="tx1"/>
-                </a:solidFill>
-                <a:latin typeface="+mn-lt"/>
-                <a:ea typeface="+mn-ea"/>
-                <a:cs typeface="+mn-cs"/>
-              </a:defRPr>
-            </a:lvl2pPr>
-            <a:lvl3pPr marL="914400" indent="0" algn="ctr" defTabSz="914400" rtl="0" eaLnBrk="1" latinLnBrk="0" hangingPunct="1">
-              <a:lnSpc>
-                <a:spcPct val="90000"/>
-              </a:lnSpc>
-              <a:spcBef>
-                <a:spcPts val="500"/>
-              </a:spcBef>
-              <a:buFont typeface="Arial" panose="020B0604020202020204" pitchFamily="34" charset="0"/>
-              <a:buNone/>
-              <a:defRPr sz="1800" kern="1200">
-                <a:solidFill>
-                  <a:schemeClr val="tx1"/>
-                </a:solidFill>
-                <a:latin typeface="+mn-lt"/>
-                <a:ea typeface="+mn-ea"/>
-                <a:cs typeface="+mn-cs"/>
-              </a:defRPr>
-            </a:lvl3pPr>
-            <a:lvl4pPr marL="1371600" indent="0" algn="ctr" defTabSz="914400" rtl="0" eaLnBrk="1" latinLnBrk="0" hangingPunct="1">
-              <a:lnSpc>
-                <a:spcPct val="90000"/>
-              </a:lnSpc>
-              <a:spcBef>
-                <a:spcPts val="500"/>
-              </a:spcBef>
-              <a:buFont typeface="Arial" panose="020B0604020202020204" pitchFamily="34" charset="0"/>
-              <a:buNone/>
-              <a:defRPr sz="1600" kern="1200">
-                <a:solidFill>
-                  <a:schemeClr val="tx1"/>
-                </a:solidFill>
-                <a:latin typeface="+mn-lt"/>
-                <a:ea typeface="+mn-ea"/>
-                <a:cs typeface="+mn-cs"/>
-              </a:defRPr>
-            </a:lvl4pPr>
-            <a:lvl5pPr marL="1828800" indent="0" algn="ctr" defTabSz="914400" rtl="0" eaLnBrk="1" latinLnBrk="0" hangingPunct="1">
-              <a:lnSpc>
-                <a:spcPct val="90000"/>
-              </a:lnSpc>
-              <a:spcBef>
-                <a:spcPts val="500"/>
-              </a:spcBef>
-              <a:buFont typeface="Arial" panose="020B0604020202020204" pitchFamily="34" charset="0"/>
-              <a:buNone/>
-              <a:defRPr sz="1600" kern="1200">
-                <a:solidFill>
-                  <a:schemeClr val="tx1"/>
-                </a:solidFill>
-                <a:latin typeface="+mn-lt"/>
-                <a:ea typeface="+mn-ea"/>
-                <a:cs typeface="+mn-cs"/>
-              </a:defRPr>
-            </a:lvl5pPr>
-            <a:lvl6pPr marL="2286000" indent="0" algn="ctr" defTabSz="914400" rtl="0" eaLnBrk="1" latinLnBrk="0" hangingPunct="1">
-              <a:lnSpc>
-                <a:spcPct val="90000"/>
-              </a:lnSpc>
-              <a:spcBef>
-                <a:spcPts val="500"/>
-              </a:spcBef>
-              <a:buFont typeface="Arial" panose="020B0604020202020204" pitchFamily="34" charset="0"/>
-              <a:buNone/>
-              <a:defRPr sz="1600" kern="1200">
-                <a:solidFill>
-                  <a:schemeClr val="tx1"/>
-                </a:solidFill>
-                <a:latin typeface="+mn-lt"/>
-                <a:ea typeface="+mn-ea"/>
-                <a:cs typeface="+mn-cs"/>
-              </a:defRPr>
-            </a:lvl6pPr>
-            <a:lvl7pPr marL="2743200" indent="0" algn="ctr" defTabSz="914400" rtl="0" eaLnBrk="1" latinLnBrk="0" hangingPunct="1">
-              <a:lnSpc>
-                <a:spcPct val="90000"/>
-              </a:lnSpc>
-              <a:spcBef>
-                <a:spcPts val="500"/>
-              </a:spcBef>
-              <a:buFont typeface="Arial" panose="020B0604020202020204" pitchFamily="34" charset="0"/>
-              <a:buNone/>
-              <a:defRPr sz="1600" kern="1200">
-                <a:solidFill>
-                  <a:schemeClr val="tx1"/>
-                </a:solidFill>
-                <a:latin typeface="+mn-lt"/>
-                <a:ea typeface="+mn-ea"/>
-                <a:cs typeface="+mn-cs"/>
-              </a:defRPr>
-            </a:lvl7pPr>
-            <a:lvl8pPr marL="3200400" indent="0" algn="ctr" defTabSz="914400" rtl="0" eaLnBrk="1" latinLnBrk="0" hangingPunct="1">
-              <a:lnSpc>
-                <a:spcPct val="90000"/>
-              </a:lnSpc>
-              <a:spcBef>
-                <a:spcPts val="500"/>
-              </a:spcBef>
-              <a:buFont typeface="Arial" panose="020B0604020202020204" pitchFamily="34" charset="0"/>
-              <a:buNone/>
-              <a:defRPr sz="1600" kern="1200">
-                <a:solidFill>
-                  <a:schemeClr val="tx1"/>
-                </a:solidFill>
-                <a:latin typeface="+mn-lt"/>
-                <a:ea typeface="+mn-ea"/>
-                <a:cs typeface="+mn-cs"/>
-              </a:defRPr>
-            </a:lvl8pPr>
-            <a:lvl9pPr marL="3657600" indent="0" algn="ctr" defTabSz="914400" rtl="0" eaLnBrk="1" latinLnBrk="0" hangingPunct="1">
-              <a:lnSpc>
-                <a:spcPct val="90000"/>
-              </a:lnSpc>
-              <a:spcBef>
-                <a:spcPts val="500"/>
-              </a:spcBef>
-              <a:buFont typeface="Arial" panose="020B0604020202020204" pitchFamily="34" charset="0"/>
-              <a:buNone/>
-              <a:defRPr sz="1600" kern="1200">
-                <a:solidFill>
-                  <a:schemeClr val="tx1"/>
-                </a:solidFill>
-                <a:latin typeface="+mn-lt"/>
-                <a:ea typeface="+mn-ea"/>
-                <a:cs typeface="+mn-cs"/>
-              </a:defRPr>
-            </a:lvl9pPr>
-          </a:lstStyle>
-          <a:p>
-            <a:r>
-              <a:rPr lang="es-ES" dirty="0">
-                <a:latin typeface="Aharoni" panose="02010803020104030203" pitchFamily="2" charset="-79"/>
-                <a:cs typeface="Aharoni" panose="02010803020104030203" pitchFamily="2" charset="-79"/>
-              </a:rPr>
-              <a:t>Listado (artículos)</a:t>
-            </a:r>
-          </a:p>
-        </p:txBody>
-      </p:sp>
-      <p:sp>
-        <p:nvSpPr>
-          <p:cNvPr id="11" name="Subtítulo 2">
-            <a:extLst>
-              <a:ext uri="{FF2B5EF4-FFF2-40B4-BE49-F238E27FC236}">
-                <a16:creationId xmlns:a16="http://schemas.microsoft.com/office/drawing/2014/main" id="{90D7FEBE-7517-ED16-61F6-BE34D8D47A5A}"/>
-              </a:ext>
-            </a:extLst>
-          </p:cNvPr>
-          <p:cNvSpPr txBox="1">
-            <a:spLocks/>
-          </p:cNvSpPr>
-          <p:nvPr/>
-        </p:nvSpPr>
-        <p:spPr>
-          <a:xfrm>
-            <a:off x="3542191" y="2987694"/>
-            <a:ext cx="4438834" cy="1406753"/>
-          </a:xfrm>
-          <a:prstGeom prst="rect">
-            <a:avLst/>
-          </a:prstGeom>
-          <a:ln w="38100">
-            <a:solidFill>
-              <a:schemeClr val="tx1"/>
-            </a:solidFill>
-          </a:ln>
-        </p:spPr>
-        <p:txBody>
-          <a:bodyPr vert="horz" lIns="91440" tIns="45720" rIns="91440" bIns="45720" rtlCol="0" anchor="ctr">
-            <a:normAutofit/>
-          </a:bodyPr>
-          <a:lstStyle>
-            <a:lvl1pPr marL="0" indent="0" algn="ctr" defTabSz="914400" rtl="0" eaLnBrk="1" latinLnBrk="0" hangingPunct="1">
-              <a:lnSpc>
-                <a:spcPct val="90000"/>
-              </a:lnSpc>
-              <a:spcBef>
-                <a:spcPts val="1000"/>
-              </a:spcBef>
-              <a:buFont typeface="Arial" panose="020B0604020202020204" pitchFamily="34" charset="0"/>
-              <a:buNone/>
-              <a:defRPr sz="2400" kern="1200">
-                <a:solidFill>
-                  <a:schemeClr val="tx1"/>
-                </a:solidFill>
-                <a:latin typeface="+mn-lt"/>
-                <a:ea typeface="+mn-ea"/>
-                <a:cs typeface="+mn-cs"/>
-              </a:defRPr>
-            </a:lvl1pPr>
-            <a:lvl2pPr marL="457200" indent="0" algn="ctr" defTabSz="914400" rtl="0" eaLnBrk="1" latinLnBrk="0" hangingPunct="1">
-              <a:lnSpc>
-                <a:spcPct val="90000"/>
-              </a:lnSpc>
-              <a:spcBef>
-                <a:spcPts val="500"/>
-              </a:spcBef>
-              <a:buFont typeface="Arial" panose="020B0604020202020204" pitchFamily="34" charset="0"/>
-              <a:buNone/>
-              <a:defRPr sz="2000" kern="1200">
-                <a:solidFill>
-                  <a:schemeClr val="tx1"/>
-                </a:solidFill>
-                <a:latin typeface="+mn-lt"/>
-                <a:ea typeface="+mn-ea"/>
-                <a:cs typeface="+mn-cs"/>
-              </a:defRPr>
-            </a:lvl2pPr>
-            <a:lvl3pPr marL="914400" indent="0" algn="ctr" defTabSz="914400" rtl="0" eaLnBrk="1" latinLnBrk="0" hangingPunct="1">
-              <a:lnSpc>
-                <a:spcPct val="90000"/>
-              </a:lnSpc>
-              <a:spcBef>
-                <a:spcPts val="500"/>
-              </a:spcBef>
-              <a:buFont typeface="Arial" panose="020B0604020202020204" pitchFamily="34" charset="0"/>
-              <a:buNone/>
-              <a:defRPr sz="1800" kern="1200">
-                <a:solidFill>
-                  <a:schemeClr val="tx1"/>
-                </a:solidFill>
-                <a:latin typeface="+mn-lt"/>
-                <a:ea typeface="+mn-ea"/>
-                <a:cs typeface="+mn-cs"/>
-              </a:defRPr>
-            </a:lvl3pPr>
-            <a:lvl4pPr marL="1371600" indent="0" algn="ctr" defTabSz="914400" rtl="0" eaLnBrk="1" latinLnBrk="0" hangingPunct="1">
-              <a:lnSpc>
-                <a:spcPct val="90000"/>
-              </a:lnSpc>
-              <a:spcBef>
-                <a:spcPts val="500"/>
-              </a:spcBef>
-              <a:buFont typeface="Arial" panose="020B0604020202020204" pitchFamily="34" charset="0"/>
-              <a:buNone/>
-              <a:defRPr sz="1600" kern="1200">
-                <a:solidFill>
-                  <a:schemeClr val="tx1"/>
-                </a:solidFill>
-                <a:latin typeface="+mn-lt"/>
-                <a:ea typeface="+mn-ea"/>
-                <a:cs typeface="+mn-cs"/>
-              </a:defRPr>
-            </a:lvl4pPr>
-            <a:lvl5pPr marL="1828800" indent="0" algn="ctr" defTabSz="914400" rtl="0" eaLnBrk="1" latinLnBrk="0" hangingPunct="1">
-              <a:lnSpc>
-                <a:spcPct val="90000"/>
-              </a:lnSpc>
-              <a:spcBef>
-                <a:spcPts val="500"/>
-              </a:spcBef>
-              <a:buFont typeface="Arial" panose="020B0604020202020204" pitchFamily="34" charset="0"/>
-              <a:buNone/>
-              <a:defRPr sz="1600" kern="1200">
-                <a:solidFill>
-                  <a:schemeClr val="tx1"/>
-                </a:solidFill>
-                <a:latin typeface="+mn-lt"/>
-                <a:ea typeface="+mn-ea"/>
-                <a:cs typeface="+mn-cs"/>
-              </a:defRPr>
-            </a:lvl5pPr>
-            <a:lvl6pPr marL="2286000" indent="0" algn="ctr" defTabSz="914400" rtl="0" eaLnBrk="1" latinLnBrk="0" hangingPunct="1">
-              <a:lnSpc>
-                <a:spcPct val="90000"/>
-              </a:lnSpc>
-              <a:spcBef>
-                <a:spcPts val="500"/>
-              </a:spcBef>
-              <a:buFont typeface="Arial" panose="020B0604020202020204" pitchFamily="34" charset="0"/>
-              <a:buNone/>
-              <a:defRPr sz="1600" kern="1200">
-                <a:solidFill>
-                  <a:schemeClr val="tx1"/>
-                </a:solidFill>
-                <a:latin typeface="+mn-lt"/>
-                <a:ea typeface="+mn-ea"/>
-                <a:cs typeface="+mn-cs"/>
-              </a:defRPr>
-            </a:lvl6pPr>
-            <a:lvl7pPr marL="2743200" indent="0" algn="ctr" defTabSz="914400" rtl="0" eaLnBrk="1" latinLnBrk="0" hangingPunct="1">
-              <a:lnSpc>
-                <a:spcPct val="90000"/>
-              </a:lnSpc>
-              <a:spcBef>
-                <a:spcPts val="500"/>
-              </a:spcBef>
-              <a:buFont typeface="Arial" panose="020B0604020202020204" pitchFamily="34" charset="0"/>
-              <a:buNone/>
-              <a:defRPr sz="1600" kern="1200">
-                <a:solidFill>
-                  <a:schemeClr val="tx1"/>
-                </a:solidFill>
-                <a:latin typeface="+mn-lt"/>
-                <a:ea typeface="+mn-ea"/>
-                <a:cs typeface="+mn-cs"/>
-              </a:defRPr>
-            </a:lvl7pPr>
-            <a:lvl8pPr marL="3200400" indent="0" algn="ctr" defTabSz="914400" rtl="0" eaLnBrk="1" latinLnBrk="0" hangingPunct="1">
-              <a:lnSpc>
-                <a:spcPct val="90000"/>
-              </a:lnSpc>
-              <a:spcBef>
-                <a:spcPts val="500"/>
-              </a:spcBef>
-              <a:buFont typeface="Arial" panose="020B0604020202020204" pitchFamily="34" charset="0"/>
-              <a:buNone/>
-              <a:defRPr sz="1600" kern="1200">
-                <a:solidFill>
-                  <a:schemeClr val="tx1"/>
-                </a:solidFill>
-                <a:latin typeface="+mn-lt"/>
-                <a:ea typeface="+mn-ea"/>
-                <a:cs typeface="+mn-cs"/>
-              </a:defRPr>
-            </a:lvl8pPr>
-            <a:lvl9pPr marL="3657600" indent="0" algn="ctr" defTabSz="914400" rtl="0" eaLnBrk="1" latinLnBrk="0" hangingPunct="1">
-              <a:lnSpc>
-                <a:spcPct val="90000"/>
-              </a:lnSpc>
-              <a:spcBef>
-                <a:spcPts val="500"/>
-              </a:spcBef>
-              <a:buFont typeface="Arial" panose="020B0604020202020204" pitchFamily="34" charset="0"/>
-              <a:buNone/>
-              <a:defRPr sz="1600" kern="1200">
-                <a:solidFill>
-                  <a:schemeClr val="tx1"/>
-                </a:solidFill>
-                <a:latin typeface="+mn-lt"/>
-                <a:ea typeface="+mn-ea"/>
-                <a:cs typeface="+mn-cs"/>
-              </a:defRPr>
-            </a:lvl9pPr>
-          </a:lstStyle>
-          <a:p>
-            <a:r>
-              <a:rPr lang="es-ES" sz="1200" dirty="0">
-                <a:latin typeface="Aharoni" panose="02010803020104030203" pitchFamily="2" charset="-79"/>
-                <a:cs typeface="Aharoni" panose="02010803020104030203" pitchFamily="2" charset="-79"/>
-              </a:rPr>
-              <a:t>Imagen (artículo)</a:t>
-            </a:r>
           </a:p>
         </p:txBody>
       </p:sp>
@@ -7417,7 +8888,7 @@
         <p:spPr>
           <a:xfrm>
             <a:off x="941033" y="2130482"/>
-            <a:ext cx="7039992" cy="553374"/>
+            <a:ext cx="4429957" cy="941032"/>
           </a:xfrm>
           <a:prstGeom prst="rect">
             <a:avLst/>
@@ -7598,11 +9069,11 @@
           </a:lstStyle>
           <a:p>
             <a:r>
-              <a:rPr lang="es-ES" sz="1600" dirty="0">
+              <a:rPr lang="es-ES" sz="2000" dirty="0">
                 <a:latin typeface="Aharoni" panose="02010803020104030203" pitchFamily="2" charset="-79"/>
                 <a:cs typeface="Aharoni" panose="02010803020104030203" pitchFamily="2" charset="-79"/>
               </a:rPr>
-              <a:t>Barra de búsqueda</a:t>
+              <a:t>Vista previa (parte delantera)</a:t>
             </a:r>
           </a:p>
         </p:txBody>
@@ -7623,8 +9094,8 @@
         </p:nvSpPr>
         <p:spPr>
           <a:xfrm>
-            <a:off x="8345008" y="2141219"/>
-            <a:ext cx="2965140" cy="553374"/>
+            <a:off x="5619563" y="2130482"/>
+            <a:ext cx="1784414" cy="941031"/>
           </a:xfrm>
           <a:prstGeom prst="rect">
             <a:avLst/>
@@ -7805,11 +9276,11 @@
           </a:lstStyle>
           <a:p>
             <a:r>
-              <a:rPr lang="es-ES" sz="1600" dirty="0">
+              <a:rPr lang="es-ES" sz="2000" dirty="0">
                 <a:latin typeface="Aharoni" panose="02010803020104030203" pitchFamily="2" charset="-79"/>
                 <a:cs typeface="Aharoni" panose="02010803020104030203" pitchFamily="2" charset="-79"/>
               </a:rPr>
-              <a:t>Filtros de búsqueda</a:t>
+              <a:t>Op. edición</a:t>
             </a:r>
           </a:p>
         </p:txBody>
@@ -7831,7 +9302,7 @@
         <p:spPr>
           <a:xfrm>
             <a:off x="941030" y="5868058"/>
-            <a:ext cx="10369118" cy="545537"/>
+            <a:ext cx="11059640" cy="545537"/>
           </a:xfrm>
           <a:prstGeom prst="rect">
             <a:avLst/>
@@ -8030,214 +9501,7 @@
                 <a:latin typeface="Aharoni" panose="02010803020104030203" pitchFamily="2" charset="-79"/>
                 <a:cs typeface="Aharoni" panose="02010803020104030203" pitchFamily="2" charset="-79"/>
               </a:rPr>
-              <a:t>, contacto, sugerencias, utilidades)</a:t>
-            </a:r>
-          </a:p>
-        </p:txBody>
-      </p:sp>
-      <p:sp>
-        <p:nvSpPr>
-          <p:cNvPr id="19" name="Subtítulo 2">
-            <a:extLst>
-              <a:ext uri="{FF2B5EF4-FFF2-40B4-BE49-F238E27FC236}">
-                <a16:creationId xmlns:a16="http://schemas.microsoft.com/office/drawing/2014/main" id="{DE619B22-81F4-A7D6-CB50-DBBACA800A5C}"/>
-              </a:ext>
-            </a:extLst>
-          </p:cNvPr>
-          <p:cNvSpPr txBox="1">
-            <a:spLocks/>
-          </p:cNvSpPr>
-          <p:nvPr/>
-        </p:nvSpPr>
-        <p:spPr>
-          <a:xfrm>
-            <a:off x="3542190" y="4698285"/>
-            <a:ext cx="4438834" cy="807829"/>
-          </a:xfrm>
-          <a:prstGeom prst="rect">
-            <a:avLst/>
-          </a:prstGeom>
-          <a:ln w="38100">
-            <a:solidFill>
-              <a:schemeClr val="tx1"/>
-            </a:solidFill>
-          </a:ln>
-        </p:spPr>
-        <p:txBody>
-          <a:bodyPr vert="horz" lIns="91440" tIns="45720" rIns="91440" bIns="45720" rtlCol="0" anchor="ctr">
-            <a:normAutofit/>
-          </a:bodyPr>
-          <a:lstStyle>
-            <a:lvl1pPr marL="0" indent="0" algn="ctr" defTabSz="914400" rtl="0" eaLnBrk="1" latinLnBrk="0" hangingPunct="1">
-              <a:lnSpc>
-                <a:spcPct val="90000"/>
-              </a:lnSpc>
-              <a:spcBef>
-                <a:spcPts val="1000"/>
-              </a:spcBef>
-              <a:buFont typeface="Arial" panose="020B0604020202020204" pitchFamily="34" charset="0"/>
-              <a:buNone/>
-              <a:defRPr sz="2400" kern="1200">
-                <a:solidFill>
-                  <a:schemeClr val="tx1"/>
-                </a:solidFill>
-                <a:latin typeface="+mn-lt"/>
-                <a:ea typeface="+mn-ea"/>
-                <a:cs typeface="+mn-cs"/>
-              </a:defRPr>
-            </a:lvl1pPr>
-            <a:lvl2pPr marL="457200" indent="0" algn="ctr" defTabSz="914400" rtl="0" eaLnBrk="1" latinLnBrk="0" hangingPunct="1">
-              <a:lnSpc>
-                <a:spcPct val="90000"/>
-              </a:lnSpc>
-              <a:spcBef>
-                <a:spcPts val="500"/>
-              </a:spcBef>
-              <a:buFont typeface="Arial" panose="020B0604020202020204" pitchFamily="34" charset="0"/>
-              <a:buNone/>
-              <a:defRPr sz="2000" kern="1200">
-                <a:solidFill>
-                  <a:schemeClr val="tx1"/>
-                </a:solidFill>
-                <a:latin typeface="+mn-lt"/>
-                <a:ea typeface="+mn-ea"/>
-                <a:cs typeface="+mn-cs"/>
-              </a:defRPr>
-            </a:lvl2pPr>
-            <a:lvl3pPr marL="914400" indent="0" algn="ctr" defTabSz="914400" rtl="0" eaLnBrk="1" latinLnBrk="0" hangingPunct="1">
-              <a:lnSpc>
-                <a:spcPct val="90000"/>
-              </a:lnSpc>
-              <a:spcBef>
-                <a:spcPts val="500"/>
-              </a:spcBef>
-              <a:buFont typeface="Arial" panose="020B0604020202020204" pitchFamily="34" charset="0"/>
-              <a:buNone/>
-              <a:defRPr sz="1800" kern="1200">
-                <a:solidFill>
-                  <a:schemeClr val="tx1"/>
-                </a:solidFill>
-                <a:latin typeface="+mn-lt"/>
-                <a:ea typeface="+mn-ea"/>
-                <a:cs typeface="+mn-cs"/>
-              </a:defRPr>
-            </a:lvl3pPr>
-            <a:lvl4pPr marL="1371600" indent="0" algn="ctr" defTabSz="914400" rtl="0" eaLnBrk="1" latinLnBrk="0" hangingPunct="1">
-              <a:lnSpc>
-                <a:spcPct val="90000"/>
-              </a:lnSpc>
-              <a:spcBef>
-                <a:spcPts val="500"/>
-              </a:spcBef>
-              <a:buFont typeface="Arial" panose="020B0604020202020204" pitchFamily="34" charset="0"/>
-              <a:buNone/>
-              <a:defRPr sz="1600" kern="1200">
-                <a:solidFill>
-                  <a:schemeClr val="tx1"/>
-                </a:solidFill>
-                <a:latin typeface="+mn-lt"/>
-                <a:ea typeface="+mn-ea"/>
-                <a:cs typeface="+mn-cs"/>
-              </a:defRPr>
-            </a:lvl4pPr>
-            <a:lvl5pPr marL="1828800" indent="0" algn="ctr" defTabSz="914400" rtl="0" eaLnBrk="1" latinLnBrk="0" hangingPunct="1">
-              <a:lnSpc>
-                <a:spcPct val="90000"/>
-              </a:lnSpc>
-              <a:spcBef>
-                <a:spcPts val="500"/>
-              </a:spcBef>
-              <a:buFont typeface="Arial" panose="020B0604020202020204" pitchFamily="34" charset="0"/>
-              <a:buNone/>
-              <a:defRPr sz="1600" kern="1200">
-                <a:solidFill>
-                  <a:schemeClr val="tx1"/>
-                </a:solidFill>
-                <a:latin typeface="+mn-lt"/>
-                <a:ea typeface="+mn-ea"/>
-                <a:cs typeface="+mn-cs"/>
-              </a:defRPr>
-            </a:lvl5pPr>
-            <a:lvl6pPr marL="2286000" indent="0" algn="ctr" defTabSz="914400" rtl="0" eaLnBrk="1" latinLnBrk="0" hangingPunct="1">
-              <a:lnSpc>
-                <a:spcPct val="90000"/>
-              </a:lnSpc>
-              <a:spcBef>
-                <a:spcPts val="500"/>
-              </a:spcBef>
-              <a:buFont typeface="Arial" panose="020B0604020202020204" pitchFamily="34" charset="0"/>
-              <a:buNone/>
-              <a:defRPr sz="1600" kern="1200">
-                <a:solidFill>
-                  <a:schemeClr val="tx1"/>
-                </a:solidFill>
-                <a:latin typeface="+mn-lt"/>
-                <a:ea typeface="+mn-ea"/>
-                <a:cs typeface="+mn-cs"/>
-              </a:defRPr>
-            </a:lvl6pPr>
-            <a:lvl7pPr marL="2743200" indent="0" algn="ctr" defTabSz="914400" rtl="0" eaLnBrk="1" latinLnBrk="0" hangingPunct="1">
-              <a:lnSpc>
-                <a:spcPct val="90000"/>
-              </a:lnSpc>
-              <a:spcBef>
-                <a:spcPts val="500"/>
-              </a:spcBef>
-              <a:buFont typeface="Arial" panose="020B0604020202020204" pitchFamily="34" charset="0"/>
-              <a:buNone/>
-              <a:defRPr sz="1600" kern="1200">
-                <a:solidFill>
-                  <a:schemeClr val="tx1"/>
-                </a:solidFill>
-                <a:latin typeface="+mn-lt"/>
-                <a:ea typeface="+mn-ea"/>
-                <a:cs typeface="+mn-cs"/>
-              </a:defRPr>
-            </a:lvl7pPr>
-            <a:lvl8pPr marL="3200400" indent="0" algn="ctr" defTabSz="914400" rtl="0" eaLnBrk="1" latinLnBrk="0" hangingPunct="1">
-              <a:lnSpc>
-                <a:spcPct val="90000"/>
-              </a:lnSpc>
-              <a:spcBef>
-                <a:spcPts val="500"/>
-              </a:spcBef>
-              <a:buFont typeface="Arial" panose="020B0604020202020204" pitchFamily="34" charset="0"/>
-              <a:buNone/>
-              <a:defRPr sz="1600" kern="1200">
-                <a:solidFill>
-                  <a:schemeClr val="tx1"/>
-                </a:solidFill>
-                <a:latin typeface="+mn-lt"/>
-                <a:ea typeface="+mn-ea"/>
-                <a:cs typeface="+mn-cs"/>
-              </a:defRPr>
-            </a:lvl8pPr>
-            <a:lvl9pPr marL="3657600" indent="0" algn="ctr" defTabSz="914400" rtl="0" eaLnBrk="1" latinLnBrk="0" hangingPunct="1">
-              <a:lnSpc>
-                <a:spcPct val="90000"/>
-              </a:lnSpc>
-              <a:spcBef>
-                <a:spcPts val="500"/>
-              </a:spcBef>
-              <a:buFont typeface="Arial" panose="020B0604020202020204" pitchFamily="34" charset="0"/>
-              <a:buNone/>
-              <a:defRPr sz="1600" kern="1200">
-                <a:solidFill>
-                  <a:schemeClr val="tx1"/>
-                </a:solidFill>
-                <a:latin typeface="+mn-lt"/>
-                <a:ea typeface="+mn-ea"/>
-                <a:cs typeface="+mn-cs"/>
-              </a:defRPr>
-            </a:lvl9pPr>
-          </a:lstStyle>
-          <a:p>
-            <a:r>
-              <a:rPr lang="es-ES" sz="1200" dirty="0">
-                <a:latin typeface="Aharoni" panose="02010803020104030203" pitchFamily="2" charset="-79"/>
-                <a:cs typeface="Aharoni" panose="02010803020104030203" pitchFamily="2" charset="-79"/>
-              </a:rPr>
-              <a:t>Descripción (artículo)</a:t>
+              <a:t>, contacto, sugerencias, utilidades, conócenos)</a:t>
             </a:r>
           </a:p>
         </p:txBody>
@@ -8258,8 +9522,8 @@
         </p:nvSpPr>
         <p:spPr>
           <a:xfrm>
-            <a:off x="8345008" y="3008789"/>
-            <a:ext cx="2965140" cy="2497325"/>
+            <a:off x="7723571" y="4645281"/>
+            <a:ext cx="4277099" cy="887958"/>
           </a:xfrm>
           <a:prstGeom prst="rect">
             <a:avLst/>
@@ -8440,11 +9704,1874 @@
           </a:lstStyle>
           <a:p>
             <a:r>
-              <a:rPr lang="es-ES" sz="1200" dirty="0">
+              <a:rPr lang="es-ES" sz="2000" dirty="0">
                 <a:latin typeface="Aharoni" panose="02010803020104030203" pitchFamily="2" charset="-79"/>
                 <a:cs typeface="Aharoni" panose="02010803020104030203" pitchFamily="2" charset="-79"/>
               </a:rPr>
-              <a:t>Listado de artículos relacionados (sugerencias)</a:t>
+              <a:t>Coste</a:t>
+            </a:r>
+          </a:p>
+        </p:txBody>
+      </p:sp>
+      <p:sp>
+        <p:nvSpPr>
+          <p:cNvPr id="4" name="Subtítulo 2">
+            <a:extLst>
+              <a:ext uri="{FF2B5EF4-FFF2-40B4-BE49-F238E27FC236}">
+                <a16:creationId xmlns:a16="http://schemas.microsoft.com/office/drawing/2014/main" id="{E3C5177B-DCC3-43D1-8473-BD92523CC186}"/>
+              </a:ext>
+            </a:extLst>
+          </p:cNvPr>
+          <p:cNvSpPr txBox="1">
+            <a:spLocks/>
+          </p:cNvSpPr>
+          <p:nvPr/>
+        </p:nvSpPr>
+        <p:spPr>
+          <a:xfrm>
+            <a:off x="941030" y="3292005"/>
+            <a:ext cx="4429957" cy="941032"/>
+          </a:xfrm>
+          <a:prstGeom prst="rect">
+            <a:avLst/>
+          </a:prstGeom>
+          <a:ln w="38100">
+            <a:solidFill>
+              <a:schemeClr val="tx1"/>
+            </a:solidFill>
+          </a:ln>
+        </p:spPr>
+        <p:txBody>
+          <a:bodyPr vert="horz" lIns="91440" tIns="45720" rIns="91440" bIns="45720" rtlCol="0" anchor="ctr">
+            <a:normAutofit/>
+          </a:bodyPr>
+          <a:lstStyle>
+            <a:lvl1pPr marL="0" indent="0" algn="ctr" defTabSz="914400" rtl="0" eaLnBrk="1" latinLnBrk="0" hangingPunct="1">
+              <a:lnSpc>
+                <a:spcPct val="90000"/>
+              </a:lnSpc>
+              <a:spcBef>
+                <a:spcPts val="1000"/>
+              </a:spcBef>
+              <a:buFont typeface="Arial" panose="020B0604020202020204" pitchFamily="34" charset="0"/>
+              <a:buNone/>
+              <a:defRPr sz="2400" kern="1200">
+                <a:solidFill>
+                  <a:schemeClr val="tx1"/>
+                </a:solidFill>
+                <a:latin typeface="+mn-lt"/>
+                <a:ea typeface="+mn-ea"/>
+                <a:cs typeface="+mn-cs"/>
+              </a:defRPr>
+            </a:lvl1pPr>
+            <a:lvl2pPr marL="457200" indent="0" algn="ctr" defTabSz="914400" rtl="0" eaLnBrk="1" latinLnBrk="0" hangingPunct="1">
+              <a:lnSpc>
+                <a:spcPct val="90000"/>
+              </a:lnSpc>
+              <a:spcBef>
+                <a:spcPts val="500"/>
+              </a:spcBef>
+              <a:buFont typeface="Arial" panose="020B0604020202020204" pitchFamily="34" charset="0"/>
+              <a:buNone/>
+              <a:defRPr sz="2000" kern="1200">
+                <a:solidFill>
+                  <a:schemeClr val="tx1"/>
+                </a:solidFill>
+                <a:latin typeface="+mn-lt"/>
+                <a:ea typeface="+mn-ea"/>
+                <a:cs typeface="+mn-cs"/>
+              </a:defRPr>
+            </a:lvl2pPr>
+            <a:lvl3pPr marL="914400" indent="0" algn="ctr" defTabSz="914400" rtl="0" eaLnBrk="1" latinLnBrk="0" hangingPunct="1">
+              <a:lnSpc>
+                <a:spcPct val="90000"/>
+              </a:lnSpc>
+              <a:spcBef>
+                <a:spcPts val="500"/>
+              </a:spcBef>
+              <a:buFont typeface="Arial" panose="020B0604020202020204" pitchFamily="34" charset="0"/>
+              <a:buNone/>
+              <a:defRPr sz="1800" kern="1200">
+                <a:solidFill>
+                  <a:schemeClr val="tx1"/>
+                </a:solidFill>
+                <a:latin typeface="+mn-lt"/>
+                <a:ea typeface="+mn-ea"/>
+                <a:cs typeface="+mn-cs"/>
+              </a:defRPr>
+            </a:lvl3pPr>
+            <a:lvl4pPr marL="1371600" indent="0" algn="ctr" defTabSz="914400" rtl="0" eaLnBrk="1" latinLnBrk="0" hangingPunct="1">
+              <a:lnSpc>
+                <a:spcPct val="90000"/>
+              </a:lnSpc>
+              <a:spcBef>
+                <a:spcPts val="500"/>
+              </a:spcBef>
+              <a:buFont typeface="Arial" panose="020B0604020202020204" pitchFamily="34" charset="0"/>
+              <a:buNone/>
+              <a:defRPr sz="1600" kern="1200">
+                <a:solidFill>
+                  <a:schemeClr val="tx1"/>
+                </a:solidFill>
+                <a:latin typeface="+mn-lt"/>
+                <a:ea typeface="+mn-ea"/>
+                <a:cs typeface="+mn-cs"/>
+              </a:defRPr>
+            </a:lvl4pPr>
+            <a:lvl5pPr marL="1828800" indent="0" algn="ctr" defTabSz="914400" rtl="0" eaLnBrk="1" latinLnBrk="0" hangingPunct="1">
+              <a:lnSpc>
+                <a:spcPct val="90000"/>
+              </a:lnSpc>
+              <a:spcBef>
+                <a:spcPts val="500"/>
+              </a:spcBef>
+              <a:buFont typeface="Arial" panose="020B0604020202020204" pitchFamily="34" charset="0"/>
+              <a:buNone/>
+              <a:defRPr sz="1600" kern="1200">
+                <a:solidFill>
+                  <a:schemeClr val="tx1"/>
+                </a:solidFill>
+                <a:latin typeface="+mn-lt"/>
+                <a:ea typeface="+mn-ea"/>
+                <a:cs typeface="+mn-cs"/>
+              </a:defRPr>
+            </a:lvl5pPr>
+            <a:lvl6pPr marL="2286000" indent="0" algn="ctr" defTabSz="914400" rtl="0" eaLnBrk="1" latinLnBrk="0" hangingPunct="1">
+              <a:lnSpc>
+                <a:spcPct val="90000"/>
+              </a:lnSpc>
+              <a:spcBef>
+                <a:spcPts val="500"/>
+              </a:spcBef>
+              <a:buFont typeface="Arial" panose="020B0604020202020204" pitchFamily="34" charset="0"/>
+              <a:buNone/>
+              <a:defRPr sz="1600" kern="1200">
+                <a:solidFill>
+                  <a:schemeClr val="tx1"/>
+                </a:solidFill>
+                <a:latin typeface="+mn-lt"/>
+                <a:ea typeface="+mn-ea"/>
+                <a:cs typeface="+mn-cs"/>
+              </a:defRPr>
+            </a:lvl6pPr>
+            <a:lvl7pPr marL="2743200" indent="0" algn="ctr" defTabSz="914400" rtl="0" eaLnBrk="1" latinLnBrk="0" hangingPunct="1">
+              <a:lnSpc>
+                <a:spcPct val="90000"/>
+              </a:lnSpc>
+              <a:spcBef>
+                <a:spcPts val="500"/>
+              </a:spcBef>
+              <a:buFont typeface="Arial" panose="020B0604020202020204" pitchFamily="34" charset="0"/>
+              <a:buNone/>
+              <a:defRPr sz="1600" kern="1200">
+                <a:solidFill>
+                  <a:schemeClr val="tx1"/>
+                </a:solidFill>
+                <a:latin typeface="+mn-lt"/>
+                <a:ea typeface="+mn-ea"/>
+                <a:cs typeface="+mn-cs"/>
+              </a:defRPr>
+            </a:lvl7pPr>
+            <a:lvl8pPr marL="3200400" indent="0" algn="ctr" defTabSz="914400" rtl="0" eaLnBrk="1" latinLnBrk="0" hangingPunct="1">
+              <a:lnSpc>
+                <a:spcPct val="90000"/>
+              </a:lnSpc>
+              <a:spcBef>
+                <a:spcPts val="500"/>
+              </a:spcBef>
+              <a:buFont typeface="Arial" panose="020B0604020202020204" pitchFamily="34" charset="0"/>
+              <a:buNone/>
+              <a:defRPr sz="1600" kern="1200">
+                <a:solidFill>
+                  <a:schemeClr val="tx1"/>
+                </a:solidFill>
+                <a:latin typeface="+mn-lt"/>
+                <a:ea typeface="+mn-ea"/>
+                <a:cs typeface="+mn-cs"/>
+              </a:defRPr>
+            </a:lvl8pPr>
+            <a:lvl9pPr marL="3657600" indent="0" algn="ctr" defTabSz="914400" rtl="0" eaLnBrk="1" latinLnBrk="0" hangingPunct="1">
+              <a:lnSpc>
+                <a:spcPct val="90000"/>
+              </a:lnSpc>
+              <a:spcBef>
+                <a:spcPts val="500"/>
+              </a:spcBef>
+              <a:buFont typeface="Arial" panose="020B0604020202020204" pitchFamily="34" charset="0"/>
+              <a:buNone/>
+              <a:defRPr sz="1600" kern="1200">
+                <a:solidFill>
+                  <a:schemeClr val="tx1"/>
+                </a:solidFill>
+                <a:latin typeface="+mn-lt"/>
+                <a:ea typeface="+mn-ea"/>
+                <a:cs typeface="+mn-cs"/>
+              </a:defRPr>
+            </a:lvl9pPr>
+          </a:lstStyle>
+          <a:p>
+            <a:r>
+              <a:rPr lang="es-ES" sz="2000" dirty="0">
+                <a:latin typeface="Aharoni" panose="02010803020104030203" pitchFamily="2" charset="-79"/>
+                <a:cs typeface="Aharoni" panose="02010803020104030203" pitchFamily="2" charset="-79"/>
+              </a:rPr>
+              <a:t>Vista previa (parte trasera)</a:t>
+            </a:r>
+          </a:p>
+        </p:txBody>
+      </p:sp>
+      <p:sp>
+        <p:nvSpPr>
+          <p:cNvPr id="7" name="Subtítulo 2">
+            <a:extLst>
+              <a:ext uri="{FF2B5EF4-FFF2-40B4-BE49-F238E27FC236}">
+                <a16:creationId xmlns:a16="http://schemas.microsoft.com/office/drawing/2014/main" id="{3673F906-21AC-E447-1399-138F02327EB8}"/>
+              </a:ext>
+            </a:extLst>
+          </p:cNvPr>
+          <p:cNvSpPr txBox="1">
+            <a:spLocks/>
+          </p:cNvSpPr>
+          <p:nvPr/>
+        </p:nvSpPr>
+        <p:spPr>
+          <a:xfrm>
+            <a:off x="941030" y="4565082"/>
+            <a:ext cx="4429957" cy="941032"/>
+          </a:xfrm>
+          <a:prstGeom prst="rect">
+            <a:avLst/>
+          </a:prstGeom>
+          <a:ln w="38100">
+            <a:solidFill>
+              <a:schemeClr val="tx1"/>
+            </a:solidFill>
+          </a:ln>
+        </p:spPr>
+        <p:txBody>
+          <a:bodyPr vert="horz" lIns="91440" tIns="45720" rIns="91440" bIns="45720" rtlCol="0" anchor="ctr">
+            <a:normAutofit/>
+          </a:bodyPr>
+          <a:lstStyle>
+            <a:lvl1pPr marL="0" indent="0" algn="ctr" defTabSz="914400" rtl="0" eaLnBrk="1" latinLnBrk="0" hangingPunct="1">
+              <a:lnSpc>
+                <a:spcPct val="90000"/>
+              </a:lnSpc>
+              <a:spcBef>
+                <a:spcPts val="1000"/>
+              </a:spcBef>
+              <a:buFont typeface="Arial" panose="020B0604020202020204" pitchFamily="34" charset="0"/>
+              <a:buNone/>
+              <a:defRPr sz="2400" kern="1200">
+                <a:solidFill>
+                  <a:schemeClr val="tx1"/>
+                </a:solidFill>
+                <a:latin typeface="+mn-lt"/>
+                <a:ea typeface="+mn-ea"/>
+                <a:cs typeface="+mn-cs"/>
+              </a:defRPr>
+            </a:lvl1pPr>
+            <a:lvl2pPr marL="457200" indent="0" algn="ctr" defTabSz="914400" rtl="0" eaLnBrk="1" latinLnBrk="0" hangingPunct="1">
+              <a:lnSpc>
+                <a:spcPct val="90000"/>
+              </a:lnSpc>
+              <a:spcBef>
+                <a:spcPts val="500"/>
+              </a:spcBef>
+              <a:buFont typeface="Arial" panose="020B0604020202020204" pitchFamily="34" charset="0"/>
+              <a:buNone/>
+              <a:defRPr sz="2000" kern="1200">
+                <a:solidFill>
+                  <a:schemeClr val="tx1"/>
+                </a:solidFill>
+                <a:latin typeface="+mn-lt"/>
+                <a:ea typeface="+mn-ea"/>
+                <a:cs typeface="+mn-cs"/>
+              </a:defRPr>
+            </a:lvl2pPr>
+            <a:lvl3pPr marL="914400" indent="0" algn="ctr" defTabSz="914400" rtl="0" eaLnBrk="1" latinLnBrk="0" hangingPunct="1">
+              <a:lnSpc>
+                <a:spcPct val="90000"/>
+              </a:lnSpc>
+              <a:spcBef>
+                <a:spcPts val="500"/>
+              </a:spcBef>
+              <a:buFont typeface="Arial" panose="020B0604020202020204" pitchFamily="34" charset="0"/>
+              <a:buNone/>
+              <a:defRPr sz="1800" kern="1200">
+                <a:solidFill>
+                  <a:schemeClr val="tx1"/>
+                </a:solidFill>
+                <a:latin typeface="+mn-lt"/>
+                <a:ea typeface="+mn-ea"/>
+                <a:cs typeface="+mn-cs"/>
+              </a:defRPr>
+            </a:lvl3pPr>
+            <a:lvl4pPr marL="1371600" indent="0" algn="ctr" defTabSz="914400" rtl="0" eaLnBrk="1" latinLnBrk="0" hangingPunct="1">
+              <a:lnSpc>
+                <a:spcPct val="90000"/>
+              </a:lnSpc>
+              <a:spcBef>
+                <a:spcPts val="500"/>
+              </a:spcBef>
+              <a:buFont typeface="Arial" panose="020B0604020202020204" pitchFamily="34" charset="0"/>
+              <a:buNone/>
+              <a:defRPr sz="1600" kern="1200">
+                <a:solidFill>
+                  <a:schemeClr val="tx1"/>
+                </a:solidFill>
+                <a:latin typeface="+mn-lt"/>
+                <a:ea typeface="+mn-ea"/>
+                <a:cs typeface="+mn-cs"/>
+              </a:defRPr>
+            </a:lvl4pPr>
+            <a:lvl5pPr marL="1828800" indent="0" algn="ctr" defTabSz="914400" rtl="0" eaLnBrk="1" latinLnBrk="0" hangingPunct="1">
+              <a:lnSpc>
+                <a:spcPct val="90000"/>
+              </a:lnSpc>
+              <a:spcBef>
+                <a:spcPts val="500"/>
+              </a:spcBef>
+              <a:buFont typeface="Arial" panose="020B0604020202020204" pitchFamily="34" charset="0"/>
+              <a:buNone/>
+              <a:defRPr sz="1600" kern="1200">
+                <a:solidFill>
+                  <a:schemeClr val="tx1"/>
+                </a:solidFill>
+                <a:latin typeface="+mn-lt"/>
+                <a:ea typeface="+mn-ea"/>
+                <a:cs typeface="+mn-cs"/>
+              </a:defRPr>
+            </a:lvl5pPr>
+            <a:lvl6pPr marL="2286000" indent="0" algn="ctr" defTabSz="914400" rtl="0" eaLnBrk="1" latinLnBrk="0" hangingPunct="1">
+              <a:lnSpc>
+                <a:spcPct val="90000"/>
+              </a:lnSpc>
+              <a:spcBef>
+                <a:spcPts val="500"/>
+              </a:spcBef>
+              <a:buFont typeface="Arial" panose="020B0604020202020204" pitchFamily="34" charset="0"/>
+              <a:buNone/>
+              <a:defRPr sz="1600" kern="1200">
+                <a:solidFill>
+                  <a:schemeClr val="tx1"/>
+                </a:solidFill>
+                <a:latin typeface="+mn-lt"/>
+                <a:ea typeface="+mn-ea"/>
+                <a:cs typeface="+mn-cs"/>
+              </a:defRPr>
+            </a:lvl6pPr>
+            <a:lvl7pPr marL="2743200" indent="0" algn="ctr" defTabSz="914400" rtl="0" eaLnBrk="1" latinLnBrk="0" hangingPunct="1">
+              <a:lnSpc>
+                <a:spcPct val="90000"/>
+              </a:lnSpc>
+              <a:spcBef>
+                <a:spcPts val="500"/>
+              </a:spcBef>
+              <a:buFont typeface="Arial" panose="020B0604020202020204" pitchFamily="34" charset="0"/>
+              <a:buNone/>
+              <a:defRPr sz="1600" kern="1200">
+                <a:solidFill>
+                  <a:schemeClr val="tx1"/>
+                </a:solidFill>
+                <a:latin typeface="+mn-lt"/>
+                <a:ea typeface="+mn-ea"/>
+                <a:cs typeface="+mn-cs"/>
+              </a:defRPr>
+            </a:lvl7pPr>
+            <a:lvl8pPr marL="3200400" indent="0" algn="ctr" defTabSz="914400" rtl="0" eaLnBrk="1" latinLnBrk="0" hangingPunct="1">
+              <a:lnSpc>
+                <a:spcPct val="90000"/>
+              </a:lnSpc>
+              <a:spcBef>
+                <a:spcPts val="500"/>
+              </a:spcBef>
+              <a:buFont typeface="Arial" panose="020B0604020202020204" pitchFamily="34" charset="0"/>
+              <a:buNone/>
+              <a:defRPr sz="1600" kern="1200">
+                <a:solidFill>
+                  <a:schemeClr val="tx1"/>
+                </a:solidFill>
+                <a:latin typeface="+mn-lt"/>
+                <a:ea typeface="+mn-ea"/>
+                <a:cs typeface="+mn-cs"/>
+              </a:defRPr>
+            </a:lvl8pPr>
+            <a:lvl9pPr marL="3657600" indent="0" algn="ctr" defTabSz="914400" rtl="0" eaLnBrk="1" latinLnBrk="0" hangingPunct="1">
+              <a:lnSpc>
+                <a:spcPct val="90000"/>
+              </a:lnSpc>
+              <a:spcBef>
+                <a:spcPts val="500"/>
+              </a:spcBef>
+              <a:buFont typeface="Arial" panose="020B0604020202020204" pitchFamily="34" charset="0"/>
+              <a:buNone/>
+              <a:defRPr sz="1600" kern="1200">
+                <a:solidFill>
+                  <a:schemeClr val="tx1"/>
+                </a:solidFill>
+                <a:latin typeface="+mn-lt"/>
+                <a:ea typeface="+mn-ea"/>
+                <a:cs typeface="+mn-cs"/>
+              </a:defRPr>
+            </a:lvl9pPr>
+          </a:lstStyle>
+          <a:p>
+            <a:r>
+              <a:rPr lang="es-ES" sz="2000" dirty="0">
+                <a:latin typeface="Aharoni" panose="02010803020104030203" pitchFamily="2" charset="-79"/>
+                <a:cs typeface="Aharoni" panose="02010803020104030203" pitchFamily="2" charset="-79"/>
+              </a:rPr>
+              <a:t>Vista previa (costados)</a:t>
+            </a:r>
+          </a:p>
+        </p:txBody>
+      </p:sp>
+      <p:sp>
+        <p:nvSpPr>
+          <p:cNvPr id="10" name="Subtítulo 2">
+            <a:extLst>
+              <a:ext uri="{FF2B5EF4-FFF2-40B4-BE49-F238E27FC236}">
+                <a16:creationId xmlns:a16="http://schemas.microsoft.com/office/drawing/2014/main" id="{0884399D-8172-0673-5353-826DD5B86DEC}"/>
+              </a:ext>
+            </a:extLst>
+          </p:cNvPr>
+          <p:cNvSpPr txBox="1">
+            <a:spLocks/>
+          </p:cNvSpPr>
+          <p:nvPr/>
+        </p:nvSpPr>
+        <p:spPr>
+          <a:xfrm>
+            <a:off x="5629179" y="3320488"/>
+            <a:ext cx="1784414" cy="941031"/>
+          </a:xfrm>
+          <a:prstGeom prst="rect">
+            <a:avLst/>
+          </a:prstGeom>
+          <a:ln w="38100">
+            <a:solidFill>
+              <a:schemeClr val="tx1"/>
+            </a:solidFill>
+          </a:ln>
+        </p:spPr>
+        <p:txBody>
+          <a:bodyPr vert="horz" lIns="91440" tIns="45720" rIns="91440" bIns="45720" rtlCol="0" anchor="ctr">
+            <a:normAutofit/>
+          </a:bodyPr>
+          <a:lstStyle>
+            <a:lvl1pPr marL="0" indent="0" algn="ctr" defTabSz="914400" rtl="0" eaLnBrk="1" latinLnBrk="0" hangingPunct="1">
+              <a:lnSpc>
+                <a:spcPct val="90000"/>
+              </a:lnSpc>
+              <a:spcBef>
+                <a:spcPts val="1000"/>
+              </a:spcBef>
+              <a:buFont typeface="Arial" panose="020B0604020202020204" pitchFamily="34" charset="0"/>
+              <a:buNone/>
+              <a:defRPr sz="2400" kern="1200">
+                <a:solidFill>
+                  <a:schemeClr val="tx1"/>
+                </a:solidFill>
+                <a:latin typeface="+mn-lt"/>
+                <a:ea typeface="+mn-ea"/>
+                <a:cs typeface="+mn-cs"/>
+              </a:defRPr>
+            </a:lvl1pPr>
+            <a:lvl2pPr marL="457200" indent="0" algn="ctr" defTabSz="914400" rtl="0" eaLnBrk="1" latinLnBrk="0" hangingPunct="1">
+              <a:lnSpc>
+                <a:spcPct val="90000"/>
+              </a:lnSpc>
+              <a:spcBef>
+                <a:spcPts val="500"/>
+              </a:spcBef>
+              <a:buFont typeface="Arial" panose="020B0604020202020204" pitchFamily="34" charset="0"/>
+              <a:buNone/>
+              <a:defRPr sz="2000" kern="1200">
+                <a:solidFill>
+                  <a:schemeClr val="tx1"/>
+                </a:solidFill>
+                <a:latin typeface="+mn-lt"/>
+                <a:ea typeface="+mn-ea"/>
+                <a:cs typeface="+mn-cs"/>
+              </a:defRPr>
+            </a:lvl2pPr>
+            <a:lvl3pPr marL="914400" indent="0" algn="ctr" defTabSz="914400" rtl="0" eaLnBrk="1" latinLnBrk="0" hangingPunct="1">
+              <a:lnSpc>
+                <a:spcPct val="90000"/>
+              </a:lnSpc>
+              <a:spcBef>
+                <a:spcPts val="500"/>
+              </a:spcBef>
+              <a:buFont typeface="Arial" panose="020B0604020202020204" pitchFamily="34" charset="0"/>
+              <a:buNone/>
+              <a:defRPr sz="1800" kern="1200">
+                <a:solidFill>
+                  <a:schemeClr val="tx1"/>
+                </a:solidFill>
+                <a:latin typeface="+mn-lt"/>
+                <a:ea typeface="+mn-ea"/>
+                <a:cs typeface="+mn-cs"/>
+              </a:defRPr>
+            </a:lvl3pPr>
+            <a:lvl4pPr marL="1371600" indent="0" algn="ctr" defTabSz="914400" rtl="0" eaLnBrk="1" latinLnBrk="0" hangingPunct="1">
+              <a:lnSpc>
+                <a:spcPct val="90000"/>
+              </a:lnSpc>
+              <a:spcBef>
+                <a:spcPts val="500"/>
+              </a:spcBef>
+              <a:buFont typeface="Arial" panose="020B0604020202020204" pitchFamily="34" charset="0"/>
+              <a:buNone/>
+              <a:defRPr sz="1600" kern="1200">
+                <a:solidFill>
+                  <a:schemeClr val="tx1"/>
+                </a:solidFill>
+                <a:latin typeface="+mn-lt"/>
+                <a:ea typeface="+mn-ea"/>
+                <a:cs typeface="+mn-cs"/>
+              </a:defRPr>
+            </a:lvl4pPr>
+            <a:lvl5pPr marL="1828800" indent="0" algn="ctr" defTabSz="914400" rtl="0" eaLnBrk="1" latinLnBrk="0" hangingPunct="1">
+              <a:lnSpc>
+                <a:spcPct val="90000"/>
+              </a:lnSpc>
+              <a:spcBef>
+                <a:spcPts val="500"/>
+              </a:spcBef>
+              <a:buFont typeface="Arial" panose="020B0604020202020204" pitchFamily="34" charset="0"/>
+              <a:buNone/>
+              <a:defRPr sz="1600" kern="1200">
+                <a:solidFill>
+                  <a:schemeClr val="tx1"/>
+                </a:solidFill>
+                <a:latin typeface="+mn-lt"/>
+                <a:ea typeface="+mn-ea"/>
+                <a:cs typeface="+mn-cs"/>
+              </a:defRPr>
+            </a:lvl5pPr>
+            <a:lvl6pPr marL="2286000" indent="0" algn="ctr" defTabSz="914400" rtl="0" eaLnBrk="1" latinLnBrk="0" hangingPunct="1">
+              <a:lnSpc>
+                <a:spcPct val="90000"/>
+              </a:lnSpc>
+              <a:spcBef>
+                <a:spcPts val="500"/>
+              </a:spcBef>
+              <a:buFont typeface="Arial" panose="020B0604020202020204" pitchFamily="34" charset="0"/>
+              <a:buNone/>
+              <a:defRPr sz="1600" kern="1200">
+                <a:solidFill>
+                  <a:schemeClr val="tx1"/>
+                </a:solidFill>
+                <a:latin typeface="+mn-lt"/>
+                <a:ea typeface="+mn-ea"/>
+                <a:cs typeface="+mn-cs"/>
+              </a:defRPr>
+            </a:lvl6pPr>
+            <a:lvl7pPr marL="2743200" indent="0" algn="ctr" defTabSz="914400" rtl="0" eaLnBrk="1" latinLnBrk="0" hangingPunct="1">
+              <a:lnSpc>
+                <a:spcPct val="90000"/>
+              </a:lnSpc>
+              <a:spcBef>
+                <a:spcPts val="500"/>
+              </a:spcBef>
+              <a:buFont typeface="Arial" panose="020B0604020202020204" pitchFamily="34" charset="0"/>
+              <a:buNone/>
+              <a:defRPr sz="1600" kern="1200">
+                <a:solidFill>
+                  <a:schemeClr val="tx1"/>
+                </a:solidFill>
+                <a:latin typeface="+mn-lt"/>
+                <a:ea typeface="+mn-ea"/>
+                <a:cs typeface="+mn-cs"/>
+              </a:defRPr>
+            </a:lvl7pPr>
+            <a:lvl8pPr marL="3200400" indent="0" algn="ctr" defTabSz="914400" rtl="0" eaLnBrk="1" latinLnBrk="0" hangingPunct="1">
+              <a:lnSpc>
+                <a:spcPct val="90000"/>
+              </a:lnSpc>
+              <a:spcBef>
+                <a:spcPts val="500"/>
+              </a:spcBef>
+              <a:buFont typeface="Arial" panose="020B0604020202020204" pitchFamily="34" charset="0"/>
+              <a:buNone/>
+              <a:defRPr sz="1600" kern="1200">
+                <a:solidFill>
+                  <a:schemeClr val="tx1"/>
+                </a:solidFill>
+                <a:latin typeface="+mn-lt"/>
+                <a:ea typeface="+mn-ea"/>
+                <a:cs typeface="+mn-cs"/>
+              </a:defRPr>
+            </a:lvl8pPr>
+            <a:lvl9pPr marL="3657600" indent="0" algn="ctr" defTabSz="914400" rtl="0" eaLnBrk="1" latinLnBrk="0" hangingPunct="1">
+              <a:lnSpc>
+                <a:spcPct val="90000"/>
+              </a:lnSpc>
+              <a:spcBef>
+                <a:spcPts val="500"/>
+              </a:spcBef>
+              <a:buFont typeface="Arial" panose="020B0604020202020204" pitchFamily="34" charset="0"/>
+              <a:buNone/>
+              <a:defRPr sz="1600" kern="1200">
+                <a:solidFill>
+                  <a:schemeClr val="tx1"/>
+                </a:solidFill>
+                <a:latin typeface="+mn-lt"/>
+                <a:ea typeface="+mn-ea"/>
+                <a:cs typeface="+mn-cs"/>
+              </a:defRPr>
+            </a:lvl9pPr>
+          </a:lstStyle>
+          <a:p>
+            <a:r>
+              <a:rPr lang="es-ES" sz="2000" dirty="0">
+                <a:latin typeface="Aharoni" panose="02010803020104030203" pitchFamily="2" charset="-79"/>
+                <a:cs typeface="Aharoni" panose="02010803020104030203" pitchFamily="2" charset="-79"/>
+              </a:rPr>
+              <a:t>Op. edición</a:t>
+            </a:r>
+          </a:p>
+        </p:txBody>
+      </p:sp>
+      <p:sp>
+        <p:nvSpPr>
+          <p:cNvPr id="14" name="Subtítulo 2">
+            <a:extLst>
+              <a:ext uri="{FF2B5EF4-FFF2-40B4-BE49-F238E27FC236}">
+                <a16:creationId xmlns:a16="http://schemas.microsoft.com/office/drawing/2014/main" id="{AABC9E52-29BF-0A79-E626-48EB625FA9AC}"/>
+              </a:ext>
+            </a:extLst>
+          </p:cNvPr>
+          <p:cNvSpPr txBox="1">
+            <a:spLocks/>
+          </p:cNvSpPr>
+          <p:nvPr/>
+        </p:nvSpPr>
+        <p:spPr>
+          <a:xfrm>
+            <a:off x="5619563" y="4576179"/>
+            <a:ext cx="1784414" cy="941031"/>
+          </a:xfrm>
+          <a:prstGeom prst="rect">
+            <a:avLst/>
+          </a:prstGeom>
+          <a:ln w="38100">
+            <a:solidFill>
+              <a:schemeClr val="tx1"/>
+            </a:solidFill>
+          </a:ln>
+        </p:spPr>
+        <p:txBody>
+          <a:bodyPr vert="horz" lIns="91440" tIns="45720" rIns="91440" bIns="45720" rtlCol="0" anchor="ctr">
+            <a:normAutofit/>
+          </a:bodyPr>
+          <a:lstStyle>
+            <a:lvl1pPr marL="0" indent="0" algn="ctr" defTabSz="914400" rtl="0" eaLnBrk="1" latinLnBrk="0" hangingPunct="1">
+              <a:lnSpc>
+                <a:spcPct val="90000"/>
+              </a:lnSpc>
+              <a:spcBef>
+                <a:spcPts val="1000"/>
+              </a:spcBef>
+              <a:buFont typeface="Arial" panose="020B0604020202020204" pitchFamily="34" charset="0"/>
+              <a:buNone/>
+              <a:defRPr sz="2400" kern="1200">
+                <a:solidFill>
+                  <a:schemeClr val="tx1"/>
+                </a:solidFill>
+                <a:latin typeface="+mn-lt"/>
+                <a:ea typeface="+mn-ea"/>
+                <a:cs typeface="+mn-cs"/>
+              </a:defRPr>
+            </a:lvl1pPr>
+            <a:lvl2pPr marL="457200" indent="0" algn="ctr" defTabSz="914400" rtl="0" eaLnBrk="1" latinLnBrk="0" hangingPunct="1">
+              <a:lnSpc>
+                <a:spcPct val="90000"/>
+              </a:lnSpc>
+              <a:spcBef>
+                <a:spcPts val="500"/>
+              </a:spcBef>
+              <a:buFont typeface="Arial" panose="020B0604020202020204" pitchFamily="34" charset="0"/>
+              <a:buNone/>
+              <a:defRPr sz="2000" kern="1200">
+                <a:solidFill>
+                  <a:schemeClr val="tx1"/>
+                </a:solidFill>
+                <a:latin typeface="+mn-lt"/>
+                <a:ea typeface="+mn-ea"/>
+                <a:cs typeface="+mn-cs"/>
+              </a:defRPr>
+            </a:lvl2pPr>
+            <a:lvl3pPr marL="914400" indent="0" algn="ctr" defTabSz="914400" rtl="0" eaLnBrk="1" latinLnBrk="0" hangingPunct="1">
+              <a:lnSpc>
+                <a:spcPct val="90000"/>
+              </a:lnSpc>
+              <a:spcBef>
+                <a:spcPts val="500"/>
+              </a:spcBef>
+              <a:buFont typeface="Arial" panose="020B0604020202020204" pitchFamily="34" charset="0"/>
+              <a:buNone/>
+              <a:defRPr sz="1800" kern="1200">
+                <a:solidFill>
+                  <a:schemeClr val="tx1"/>
+                </a:solidFill>
+                <a:latin typeface="+mn-lt"/>
+                <a:ea typeface="+mn-ea"/>
+                <a:cs typeface="+mn-cs"/>
+              </a:defRPr>
+            </a:lvl3pPr>
+            <a:lvl4pPr marL="1371600" indent="0" algn="ctr" defTabSz="914400" rtl="0" eaLnBrk="1" latinLnBrk="0" hangingPunct="1">
+              <a:lnSpc>
+                <a:spcPct val="90000"/>
+              </a:lnSpc>
+              <a:spcBef>
+                <a:spcPts val="500"/>
+              </a:spcBef>
+              <a:buFont typeface="Arial" panose="020B0604020202020204" pitchFamily="34" charset="0"/>
+              <a:buNone/>
+              <a:defRPr sz="1600" kern="1200">
+                <a:solidFill>
+                  <a:schemeClr val="tx1"/>
+                </a:solidFill>
+                <a:latin typeface="+mn-lt"/>
+                <a:ea typeface="+mn-ea"/>
+                <a:cs typeface="+mn-cs"/>
+              </a:defRPr>
+            </a:lvl4pPr>
+            <a:lvl5pPr marL="1828800" indent="0" algn="ctr" defTabSz="914400" rtl="0" eaLnBrk="1" latinLnBrk="0" hangingPunct="1">
+              <a:lnSpc>
+                <a:spcPct val="90000"/>
+              </a:lnSpc>
+              <a:spcBef>
+                <a:spcPts val="500"/>
+              </a:spcBef>
+              <a:buFont typeface="Arial" panose="020B0604020202020204" pitchFamily="34" charset="0"/>
+              <a:buNone/>
+              <a:defRPr sz="1600" kern="1200">
+                <a:solidFill>
+                  <a:schemeClr val="tx1"/>
+                </a:solidFill>
+                <a:latin typeface="+mn-lt"/>
+                <a:ea typeface="+mn-ea"/>
+                <a:cs typeface="+mn-cs"/>
+              </a:defRPr>
+            </a:lvl5pPr>
+            <a:lvl6pPr marL="2286000" indent="0" algn="ctr" defTabSz="914400" rtl="0" eaLnBrk="1" latinLnBrk="0" hangingPunct="1">
+              <a:lnSpc>
+                <a:spcPct val="90000"/>
+              </a:lnSpc>
+              <a:spcBef>
+                <a:spcPts val="500"/>
+              </a:spcBef>
+              <a:buFont typeface="Arial" panose="020B0604020202020204" pitchFamily="34" charset="0"/>
+              <a:buNone/>
+              <a:defRPr sz="1600" kern="1200">
+                <a:solidFill>
+                  <a:schemeClr val="tx1"/>
+                </a:solidFill>
+                <a:latin typeface="+mn-lt"/>
+                <a:ea typeface="+mn-ea"/>
+                <a:cs typeface="+mn-cs"/>
+              </a:defRPr>
+            </a:lvl6pPr>
+            <a:lvl7pPr marL="2743200" indent="0" algn="ctr" defTabSz="914400" rtl="0" eaLnBrk="1" latinLnBrk="0" hangingPunct="1">
+              <a:lnSpc>
+                <a:spcPct val="90000"/>
+              </a:lnSpc>
+              <a:spcBef>
+                <a:spcPts val="500"/>
+              </a:spcBef>
+              <a:buFont typeface="Arial" panose="020B0604020202020204" pitchFamily="34" charset="0"/>
+              <a:buNone/>
+              <a:defRPr sz="1600" kern="1200">
+                <a:solidFill>
+                  <a:schemeClr val="tx1"/>
+                </a:solidFill>
+                <a:latin typeface="+mn-lt"/>
+                <a:ea typeface="+mn-ea"/>
+                <a:cs typeface="+mn-cs"/>
+              </a:defRPr>
+            </a:lvl7pPr>
+            <a:lvl8pPr marL="3200400" indent="0" algn="ctr" defTabSz="914400" rtl="0" eaLnBrk="1" latinLnBrk="0" hangingPunct="1">
+              <a:lnSpc>
+                <a:spcPct val="90000"/>
+              </a:lnSpc>
+              <a:spcBef>
+                <a:spcPts val="500"/>
+              </a:spcBef>
+              <a:buFont typeface="Arial" panose="020B0604020202020204" pitchFamily="34" charset="0"/>
+              <a:buNone/>
+              <a:defRPr sz="1600" kern="1200">
+                <a:solidFill>
+                  <a:schemeClr val="tx1"/>
+                </a:solidFill>
+                <a:latin typeface="+mn-lt"/>
+                <a:ea typeface="+mn-ea"/>
+                <a:cs typeface="+mn-cs"/>
+              </a:defRPr>
+            </a:lvl8pPr>
+            <a:lvl9pPr marL="3657600" indent="0" algn="ctr" defTabSz="914400" rtl="0" eaLnBrk="1" latinLnBrk="0" hangingPunct="1">
+              <a:lnSpc>
+                <a:spcPct val="90000"/>
+              </a:lnSpc>
+              <a:spcBef>
+                <a:spcPts val="500"/>
+              </a:spcBef>
+              <a:buFont typeface="Arial" panose="020B0604020202020204" pitchFamily="34" charset="0"/>
+              <a:buNone/>
+              <a:defRPr sz="1600" kern="1200">
+                <a:solidFill>
+                  <a:schemeClr val="tx1"/>
+                </a:solidFill>
+                <a:latin typeface="+mn-lt"/>
+                <a:ea typeface="+mn-ea"/>
+                <a:cs typeface="+mn-cs"/>
+              </a:defRPr>
+            </a:lvl9pPr>
+          </a:lstStyle>
+          <a:p>
+            <a:r>
+              <a:rPr lang="es-ES" sz="2000" dirty="0">
+                <a:latin typeface="Aharoni" panose="02010803020104030203" pitchFamily="2" charset="-79"/>
+                <a:cs typeface="Aharoni" panose="02010803020104030203" pitchFamily="2" charset="-79"/>
+              </a:rPr>
+              <a:t>Op. edición</a:t>
+            </a:r>
+          </a:p>
+        </p:txBody>
+      </p:sp>
+      <p:sp>
+        <p:nvSpPr>
+          <p:cNvPr id="18" name="Subtítulo 2">
+            <a:extLst>
+              <a:ext uri="{FF2B5EF4-FFF2-40B4-BE49-F238E27FC236}">
+                <a16:creationId xmlns:a16="http://schemas.microsoft.com/office/drawing/2014/main" id="{BB5A37BA-CB9B-C3B4-8B87-24D879C31FAB}"/>
+              </a:ext>
+            </a:extLst>
+          </p:cNvPr>
+          <p:cNvSpPr txBox="1">
+            <a:spLocks/>
+          </p:cNvSpPr>
+          <p:nvPr/>
+        </p:nvSpPr>
+        <p:spPr>
+          <a:xfrm>
+            <a:off x="10058400" y="2178159"/>
+            <a:ext cx="1942271" cy="887958"/>
+          </a:xfrm>
+          <a:prstGeom prst="rect">
+            <a:avLst/>
+          </a:prstGeom>
+          <a:ln w="38100">
+            <a:solidFill>
+              <a:schemeClr val="tx1"/>
+            </a:solidFill>
+          </a:ln>
+        </p:spPr>
+        <p:txBody>
+          <a:bodyPr vert="horz" lIns="91440" tIns="45720" rIns="91440" bIns="45720" rtlCol="0" anchor="ctr">
+            <a:normAutofit/>
+          </a:bodyPr>
+          <a:lstStyle>
+            <a:lvl1pPr marL="0" indent="0" algn="ctr" defTabSz="914400" rtl="0" eaLnBrk="1" latinLnBrk="0" hangingPunct="1">
+              <a:lnSpc>
+                <a:spcPct val="90000"/>
+              </a:lnSpc>
+              <a:spcBef>
+                <a:spcPts val="1000"/>
+              </a:spcBef>
+              <a:buFont typeface="Arial" panose="020B0604020202020204" pitchFamily="34" charset="0"/>
+              <a:buNone/>
+              <a:defRPr sz="2400" kern="1200">
+                <a:solidFill>
+                  <a:schemeClr val="tx1"/>
+                </a:solidFill>
+                <a:latin typeface="+mn-lt"/>
+                <a:ea typeface="+mn-ea"/>
+                <a:cs typeface="+mn-cs"/>
+              </a:defRPr>
+            </a:lvl1pPr>
+            <a:lvl2pPr marL="457200" indent="0" algn="ctr" defTabSz="914400" rtl="0" eaLnBrk="1" latinLnBrk="0" hangingPunct="1">
+              <a:lnSpc>
+                <a:spcPct val="90000"/>
+              </a:lnSpc>
+              <a:spcBef>
+                <a:spcPts val="500"/>
+              </a:spcBef>
+              <a:buFont typeface="Arial" panose="020B0604020202020204" pitchFamily="34" charset="0"/>
+              <a:buNone/>
+              <a:defRPr sz="2000" kern="1200">
+                <a:solidFill>
+                  <a:schemeClr val="tx1"/>
+                </a:solidFill>
+                <a:latin typeface="+mn-lt"/>
+                <a:ea typeface="+mn-ea"/>
+                <a:cs typeface="+mn-cs"/>
+              </a:defRPr>
+            </a:lvl2pPr>
+            <a:lvl3pPr marL="914400" indent="0" algn="ctr" defTabSz="914400" rtl="0" eaLnBrk="1" latinLnBrk="0" hangingPunct="1">
+              <a:lnSpc>
+                <a:spcPct val="90000"/>
+              </a:lnSpc>
+              <a:spcBef>
+                <a:spcPts val="500"/>
+              </a:spcBef>
+              <a:buFont typeface="Arial" panose="020B0604020202020204" pitchFamily="34" charset="0"/>
+              <a:buNone/>
+              <a:defRPr sz="1800" kern="1200">
+                <a:solidFill>
+                  <a:schemeClr val="tx1"/>
+                </a:solidFill>
+                <a:latin typeface="+mn-lt"/>
+                <a:ea typeface="+mn-ea"/>
+                <a:cs typeface="+mn-cs"/>
+              </a:defRPr>
+            </a:lvl3pPr>
+            <a:lvl4pPr marL="1371600" indent="0" algn="ctr" defTabSz="914400" rtl="0" eaLnBrk="1" latinLnBrk="0" hangingPunct="1">
+              <a:lnSpc>
+                <a:spcPct val="90000"/>
+              </a:lnSpc>
+              <a:spcBef>
+                <a:spcPts val="500"/>
+              </a:spcBef>
+              <a:buFont typeface="Arial" panose="020B0604020202020204" pitchFamily="34" charset="0"/>
+              <a:buNone/>
+              <a:defRPr sz="1600" kern="1200">
+                <a:solidFill>
+                  <a:schemeClr val="tx1"/>
+                </a:solidFill>
+                <a:latin typeface="+mn-lt"/>
+                <a:ea typeface="+mn-ea"/>
+                <a:cs typeface="+mn-cs"/>
+              </a:defRPr>
+            </a:lvl4pPr>
+            <a:lvl5pPr marL="1828800" indent="0" algn="ctr" defTabSz="914400" rtl="0" eaLnBrk="1" latinLnBrk="0" hangingPunct="1">
+              <a:lnSpc>
+                <a:spcPct val="90000"/>
+              </a:lnSpc>
+              <a:spcBef>
+                <a:spcPts val="500"/>
+              </a:spcBef>
+              <a:buFont typeface="Arial" panose="020B0604020202020204" pitchFamily="34" charset="0"/>
+              <a:buNone/>
+              <a:defRPr sz="1600" kern="1200">
+                <a:solidFill>
+                  <a:schemeClr val="tx1"/>
+                </a:solidFill>
+                <a:latin typeface="+mn-lt"/>
+                <a:ea typeface="+mn-ea"/>
+                <a:cs typeface="+mn-cs"/>
+              </a:defRPr>
+            </a:lvl5pPr>
+            <a:lvl6pPr marL="2286000" indent="0" algn="ctr" defTabSz="914400" rtl="0" eaLnBrk="1" latinLnBrk="0" hangingPunct="1">
+              <a:lnSpc>
+                <a:spcPct val="90000"/>
+              </a:lnSpc>
+              <a:spcBef>
+                <a:spcPts val="500"/>
+              </a:spcBef>
+              <a:buFont typeface="Arial" panose="020B0604020202020204" pitchFamily="34" charset="0"/>
+              <a:buNone/>
+              <a:defRPr sz="1600" kern="1200">
+                <a:solidFill>
+                  <a:schemeClr val="tx1"/>
+                </a:solidFill>
+                <a:latin typeface="+mn-lt"/>
+                <a:ea typeface="+mn-ea"/>
+                <a:cs typeface="+mn-cs"/>
+              </a:defRPr>
+            </a:lvl6pPr>
+            <a:lvl7pPr marL="2743200" indent="0" algn="ctr" defTabSz="914400" rtl="0" eaLnBrk="1" latinLnBrk="0" hangingPunct="1">
+              <a:lnSpc>
+                <a:spcPct val="90000"/>
+              </a:lnSpc>
+              <a:spcBef>
+                <a:spcPts val="500"/>
+              </a:spcBef>
+              <a:buFont typeface="Arial" panose="020B0604020202020204" pitchFamily="34" charset="0"/>
+              <a:buNone/>
+              <a:defRPr sz="1600" kern="1200">
+                <a:solidFill>
+                  <a:schemeClr val="tx1"/>
+                </a:solidFill>
+                <a:latin typeface="+mn-lt"/>
+                <a:ea typeface="+mn-ea"/>
+                <a:cs typeface="+mn-cs"/>
+              </a:defRPr>
+            </a:lvl7pPr>
+            <a:lvl8pPr marL="3200400" indent="0" algn="ctr" defTabSz="914400" rtl="0" eaLnBrk="1" latinLnBrk="0" hangingPunct="1">
+              <a:lnSpc>
+                <a:spcPct val="90000"/>
+              </a:lnSpc>
+              <a:spcBef>
+                <a:spcPts val="500"/>
+              </a:spcBef>
+              <a:buFont typeface="Arial" panose="020B0604020202020204" pitchFamily="34" charset="0"/>
+              <a:buNone/>
+              <a:defRPr sz="1600" kern="1200">
+                <a:solidFill>
+                  <a:schemeClr val="tx1"/>
+                </a:solidFill>
+                <a:latin typeface="+mn-lt"/>
+                <a:ea typeface="+mn-ea"/>
+                <a:cs typeface="+mn-cs"/>
+              </a:defRPr>
+            </a:lvl8pPr>
+            <a:lvl9pPr marL="3657600" indent="0" algn="ctr" defTabSz="914400" rtl="0" eaLnBrk="1" latinLnBrk="0" hangingPunct="1">
+              <a:lnSpc>
+                <a:spcPct val="90000"/>
+              </a:lnSpc>
+              <a:spcBef>
+                <a:spcPts val="500"/>
+              </a:spcBef>
+              <a:buFont typeface="Arial" panose="020B0604020202020204" pitchFamily="34" charset="0"/>
+              <a:buNone/>
+              <a:defRPr sz="1600" kern="1200">
+                <a:solidFill>
+                  <a:schemeClr val="tx1"/>
+                </a:solidFill>
+                <a:latin typeface="+mn-lt"/>
+                <a:ea typeface="+mn-ea"/>
+                <a:cs typeface="+mn-cs"/>
+              </a:defRPr>
+            </a:lvl9pPr>
+          </a:lstStyle>
+          <a:p>
+            <a:r>
+              <a:rPr lang="es-ES" sz="2000" dirty="0">
+                <a:latin typeface="Aharoni" panose="02010803020104030203" pitchFamily="2" charset="-79"/>
+                <a:cs typeface="Aharoni" panose="02010803020104030203" pitchFamily="2" charset="-79"/>
+              </a:rPr>
+              <a:t>Añadir al carro</a:t>
+            </a:r>
+          </a:p>
+        </p:txBody>
+      </p:sp>
+      <p:sp>
+        <p:nvSpPr>
+          <p:cNvPr id="22" name="Subtítulo 2">
+            <a:extLst>
+              <a:ext uri="{FF2B5EF4-FFF2-40B4-BE49-F238E27FC236}">
+                <a16:creationId xmlns:a16="http://schemas.microsoft.com/office/drawing/2014/main" id="{D02A9D46-39EC-7598-F839-0E0987F84BF2}"/>
+              </a:ext>
+            </a:extLst>
+          </p:cNvPr>
+          <p:cNvSpPr txBox="1">
+            <a:spLocks/>
+          </p:cNvSpPr>
+          <p:nvPr/>
+        </p:nvSpPr>
+        <p:spPr>
+          <a:xfrm>
+            <a:off x="7723572" y="2178159"/>
+            <a:ext cx="2130642" cy="887958"/>
+          </a:xfrm>
+          <a:prstGeom prst="rect">
+            <a:avLst/>
+          </a:prstGeom>
+          <a:ln w="38100">
+            <a:solidFill>
+              <a:schemeClr val="tx1"/>
+            </a:solidFill>
+          </a:ln>
+        </p:spPr>
+        <p:txBody>
+          <a:bodyPr vert="horz" lIns="91440" tIns="45720" rIns="91440" bIns="45720" rtlCol="0" anchor="ctr">
+            <a:normAutofit/>
+          </a:bodyPr>
+          <a:lstStyle>
+            <a:lvl1pPr marL="0" indent="0" algn="ctr" defTabSz="914400" rtl="0" eaLnBrk="1" latinLnBrk="0" hangingPunct="1">
+              <a:lnSpc>
+                <a:spcPct val="90000"/>
+              </a:lnSpc>
+              <a:spcBef>
+                <a:spcPts val="1000"/>
+              </a:spcBef>
+              <a:buFont typeface="Arial" panose="020B0604020202020204" pitchFamily="34" charset="0"/>
+              <a:buNone/>
+              <a:defRPr sz="2400" kern="1200">
+                <a:solidFill>
+                  <a:schemeClr val="tx1"/>
+                </a:solidFill>
+                <a:latin typeface="+mn-lt"/>
+                <a:ea typeface="+mn-ea"/>
+                <a:cs typeface="+mn-cs"/>
+              </a:defRPr>
+            </a:lvl1pPr>
+            <a:lvl2pPr marL="457200" indent="0" algn="ctr" defTabSz="914400" rtl="0" eaLnBrk="1" latinLnBrk="0" hangingPunct="1">
+              <a:lnSpc>
+                <a:spcPct val="90000"/>
+              </a:lnSpc>
+              <a:spcBef>
+                <a:spcPts val="500"/>
+              </a:spcBef>
+              <a:buFont typeface="Arial" panose="020B0604020202020204" pitchFamily="34" charset="0"/>
+              <a:buNone/>
+              <a:defRPr sz="2000" kern="1200">
+                <a:solidFill>
+                  <a:schemeClr val="tx1"/>
+                </a:solidFill>
+                <a:latin typeface="+mn-lt"/>
+                <a:ea typeface="+mn-ea"/>
+                <a:cs typeface="+mn-cs"/>
+              </a:defRPr>
+            </a:lvl2pPr>
+            <a:lvl3pPr marL="914400" indent="0" algn="ctr" defTabSz="914400" rtl="0" eaLnBrk="1" latinLnBrk="0" hangingPunct="1">
+              <a:lnSpc>
+                <a:spcPct val="90000"/>
+              </a:lnSpc>
+              <a:spcBef>
+                <a:spcPts val="500"/>
+              </a:spcBef>
+              <a:buFont typeface="Arial" panose="020B0604020202020204" pitchFamily="34" charset="0"/>
+              <a:buNone/>
+              <a:defRPr sz="1800" kern="1200">
+                <a:solidFill>
+                  <a:schemeClr val="tx1"/>
+                </a:solidFill>
+                <a:latin typeface="+mn-lt"/>
+                <a:ea typeface="+mn-ea"/>
+                <a:cs typeface="+mn-cs"/>
+              </a:defRPr>
+            </a:lvl3pPr>
+            <a:lvl4pPr marL="1371600" indent="0" algn="ctr" defTabSz="914400" rtl="0" eaLnBrk="1" latinLnBrk="0" hangingPunct="1">
+              <a:lnSpc>
+                <a:spcPct val="90000"/>
+              </a:lnSpc>
+              <a:spcBef>
+                <a:spcPts val="500"/>
+              </a:spcBef>
+              <a:buFont typeface="Arial" panose="020B0604020202020204" pitchFamily="34" charset="0"/>
+              <a:buNone/>
+              <a:defRPr sz="1600" kern="1200">
+                <a:solidFill>
+                  <a:schemeClr val="tx1"/>
+                </a:solidFill>
+                <a:latin typeface="+mn-lt"/>
+                <a:ea typeface="+mn-ea"/>
+                <a:cs typeface="+mn-cs"/>
+              </a:defRPr>
+            </a:lvl4pPr>
+            <a:lvl5pPr marL="1828800" indent="0" algn="ctr" defTabSz="914400" rtl="0" eaLnBrk="1" latinLnBrk="0" hangingPunct="1">
+              <a:lnSpc>
+                <a:spcPct val="90000"/>
+              </a:lnSpc>
+              <a:spcBef>
+                <a:spcPts val="500"/>
+              </a:spcBef>
+              <a:buFont typeface="Arial" panose="020B0604020202020204" pitchFamily="34" charset="0"/>
+              <a:buNone/>
+              <a:defRPr sz="1600" kern="1200">
+                <a:solidFill>
+                  <a:schemeClr val="tx1"/>
+                </a:solidFill>
+                <a:latin typeface="+mn-lt"/>
+                <a:ea typeface="+mn-ea"/>
+                <a:cs typeface="+mn-cs"/>
+              </a:defRPr>
+            </a:lvl5pPr>
+            <a:lvl6pPr marL="2286000" indent="0" algn="ctr" defTabSz="914400" rtl="0" eaLnBrk="1" latinLnBrk="0" hangingPunct="1">
+              <a:lnSpc>
+                <a:spcPct val="90000"/>
+              </a:lnSpc>
+              <a:spcBef>
+                <a:spcPts val="500"/>
+              </a:spcBef>
+              <a:buFont typeface="Arial" panose="020B0604020202020204" pitchFamily="34" charset="0"/>
+              <a:buNone/>
+              <a:defRPr sz="1600" kern="1200">
+                <a:solidFill>
+                  <a:schemeClr val="tx1"/>
+                </a:solidFill>
+                <a:latin typeface="+mn-lt"/>
+                <a:ea typeface="+mn-ea"/>
+                <a:cs typeface="+mn-cs"/>
+              </a:defRPr>
+            </a:lvl6pPr>
+            <a:lvl7pPr marL="2743200" indent="0" algn="ctr" defTabSz="914400" rtl="0" eaLnBrk="1" latinLnBrk="0" hangingPunct="1">
+              <a:lnSpc>
+                <a:spcPct val="90000"/>
+              </a:lnSpc>
+              <a:spcBef>
+                <a:spcPts val="500"/>
+              </a:spcBef>
+              <a:buFont typeface="Arial" panose="020B0604020202020204" pitchFamily="34" charset="0"/>
+              <a:buNone/>
+              <a:defRPr sz="1600" kern="1200">
+                <a:solidFill>
+                  <a:schemeClr val="tx1"/>
+                </a:solidFill>
+                <a:latin typeface="+mn-lt"/>
+                <a:ea typeface="+mn-ea"/>
+                <a:cs typeface="+mn-cs"/>
+              </a:defRPr>
+            </a:lvl7pPr>
+            <a:lvl8pPr marL="3200400" indent="0" algn="ctr" defTabSz="914400" rtl="0" eaLnBrk="1" latinLnBrk="0" hangingPunct="1">
+              <a:lnSpc>
+                <a:spcPct val="90000"/>
+              </a:lnSpc>
+              <a:spcBef>
+                <a:spcPts val="500"/>
+              </a:spcBef>
+              <a:buFont typeface="Arial" panose="020B0604020202020204" pitchFamily="34" charset="0"/>
+              <a:buNone/>
+              <a:defRPr sz="1600" kern="1200">
+                <a:solidFill>
+                  <a:schemeClr val="tx1"/>
+                </a:solidFill>
+                <a:latin typeface="+mn-lt"/>
+                <a:ea typeface="+mn-ea"/>
+                <a:cs typeface="+mn-cs"/>
+              </a:defRPr>
+            </a:lvl8pPr>
+            <a:lvl9pPr marL="3657600" indent="0" algn="ctr" defTabSz="914400" rtl="0" eaLnBrk="1" latinLnBrk="0" hangingPunct="1">
+              <a:lnSpc>
+                <a:spcPct val="90000"/>
+              </a:lnSpc>
+              <a:spcBef>
+                <a:spcPts val="500"/>
+              </a:spcBef>
+              <a:buFont typeface="Arial" panose="020B0604020202020204" pitchFamily="34" charset="0"/>
+              <a:buNone/>
+              <a:defRPr sz="1600" kern="1200">
+                <a:solidFill>
+                  <a:schemeClr val="tx1"/>
+                </a:solidFill>
+                <a:latin typeface="+mn-lt"/>
+                <a:ea typeface="+mn-ea"/>
+                <a:cs typeface="+mn-cs"/>
+              </a:defRPr>
+            </a:lvl9pPr>
+          </a:lstStyle>
+          <a:p>
+            <a:r>
+              <a:rPr lang="es-ES" sz="2000" dirty="0">
+                <a:latin typeface="Aharoni" panose="02010803020104030203" pitchFamily="2" charset="-79"/>
+                <a:cs typeface="Aharoni" panose="02010803020104030203" pitchFamily="2" charset="-79"/>
+              </a:rPr>
+              <a:t>Guardar diseño</a:t>
+            </a:r>
+          </a:p>
+        </p:txBody>
+      </p:sp>
+      <p:sp>
+        <p:nvSpPr>
+          <p:cNvPr id="26" name="Subtítulo 2">
+            <a:extLst>
+              <a:ext uri="{FF2B5EF4-FFF2-40B4-BE49-F238E27FC236}">
+                <a16:creationId xmlns:a16="http://schemas.microsoft.com/office/drawing/2014/main" id="{85B949CB-324B-795D-195C-E304EB7936C9}"/>
+              </a:ext>
+            </a:extLst>
+          </p:cNvPr>
+          <p:cNvSpPr txBox="1">
+            <a:spLocks/>
+          </p:cNvSpPr>
+          <p:nvPr/>
+        </p:nvSpPr>
+        <p:spPr>
+          <a:xfrm>
+            <a:off x="7723572" y="3346333"/>
+            <a:ext cx="4277099" cy="941032"/>
+          </a:xfrm>
+          <a:prstGeom prst="rect">
+            <a:avLst/>
+          </a:prstGeom>
+          <a:ln w="38100">
+            <a:solidFill>
+              <a:schemeClr val="tx1"/>
+            </a:solidFill>
+          </a:ln>
+        </p:spPr>
+        <p:txBody>
+          <a:bodyPr vert="horz" lIns="91440" tIns="45720" rIns="91440" bIns="45720" rtlCol="0" anchor="ctr">
+            <a:normAutofit/>
+          </a:bodyPr>
+          <a:lstStyle>
+            <a:lvl1pPr marL="0" indent="0" algn="ctr" defTabSz="914400" rtl="0" eaLnBrk="1" latinLnBrk="0" hangingPunct="1">
+              <a:lnSpc>
+                <a:spcPct val="90000"/>
+              </a:lnSpc>
+              <a:spcBef>
+                <a:spcPts val="1000"/>
+              </a:spcBef>
+              <a:buFont typeface="Arial" panose="020B0604020202020204" pitchFamily="34" charset="0"/>
+              <a:buNone/>
+              <a:defRPr sz="2400" kern="1200">
+                <a:solidFill>
+                  <a:schemeClr val="tx1"/>
+                </a:solidFill>
+                <a:latin typeface="+mn-lt"/>
+                <a:ea typeface="+mn-ea"/>
+                <a:cs typeface="+mn-cs"/>
+              </a:defRPr>
+            </a:lvl1pPr>
+            <a:lvl2pPr marL="457200" indent="0" algn="ctr" defTabSz="914400" rtl="0" eaLnBrk="1" latinLnBrk="0" hangingPunct="1">
+              <a:lnSpc>
+                <a:spcPct val="90000"/>
+              </a:lnSpc>
+              <a:spcBef>
+                <a:spcPts val="500"/>
+              </a:spcBef>
+              <a:buFont typeface="Arial" panose="020B0604020202020204" pitchFamily="34" charset="0"/>
+              <a:buNone/>
+              <a:defRPr sz="2000" kern="1200">
+                <a:solidFill>
+                  <a:schemeClr val="tx1"/>
+                </a:solidFill>
+                <a:latin typeface="+mn-lt"/>
+                <a:ea typeface="+mn-ea"/>
+                <a:cs typeface="+mn-cs"/>
+              </a:defRPr>
+            </a:lvl2pPr>
+            <a:lvl3pPr marL="914400" indent="0" algn="ctr" defTabSz="914400" rtl="0" eaLnBrk="1" latinLnBrk="0" hangingPunct="1">
+              <a:lnSpc>
+                <a:spcPct val="90000"/>
+              </a:lnSpc>
+              <a:spcBef>
+                <a:spcPts val="500"/>
+              </a:spcBef>
+              <a:buFont typeface="Arial" panose="020B0604020202020204" pitchFamily="34" charset="0"/>
+              <a:buNone/>
+              <a:defRPr sz="1800" kern="1200">
+                <a:solidFill>
+                  <a:schemeClr val="tx1"/>
+                </a:solidFill>
+                <a:latin typeface="+mn-lt"/>
+                <a:ea typeface="+mn-ea"/>
+                <a:cs typeface="+mn-cs"/>
+              </a:defRPr>
+            </a:lvl3pPr>
+            <a:lvl4pPr marL="1371600" indent="0" algn="ctr" defTabSz="914400" rtl="0" eaLnBrk="1" latinLnBrk="0" hangingPunct="1">
+              <a:lnSpc>
+                <a:spcPct val="90000"/>
+              </a:lnSpc>
+              <a:spcBef>
+                <a:spcPts val="500"/>
+              </a:spcBef>
+              <a:buFont typeface="Arial" panose="020B0604020202020204" pitchFamily="34" charset="0"/>
+              <a:buNone/>
+              <a:defRPr sz="1600" kern="1200">
+                <a:solidFill>
+                  <a:schemeClr val="tx1"/>
+                </a:solidFill>
+                <a:latin typeface="+mn-lt"/>
+                <a:ea typeface="+mn-ea"/>
+                <a:cs typeface="+mn-cs"/>
+              </a:defRPr>
+            </a:lvl4pPr>
+            <a:lvl5pPr marL="1828800" indent="0" algn="ctr" defTabSz="914400" rtl="0" eaLnBrk="1" latinLnBrk="0" hangingPunct="1">
+              <a:lnSpc>
+                <a:spcPct val="90000"/>
+              </a:lnSpc>
+              <a:spcBef>
+                <a:spcPts val="500"/>
+              </a:spcBef>
+              <a:buFont typeface="Arial" panose="020B0604020202020204" pitchFamily="34" charset="0"/>
+              <a:buNone/>
+              <a:defRPr sz="1600" kern="1200">
+                <a:solidFill>
+                  <a:schemeClr val="tx1"/>
+                </a:solidFill>
+                <a:latin typeface="+mn-lt"/>
+                <a:ea typeface="+mn-ea"/>
+                <a:cs typeface="+mn-cs"/>
+              </a:defRPr>
+            </a:lvl5pPr>
+            <a:lvl6pPr marL="2286000" indent="0" algn="ctr" defTabSz="914400" rtl="0" eaLnBrk="1" latinLnBrk="0" hangingPunct="1">
+              <a:lnSpc>
+                <a:spcPct val="90000"/>
+              </a:lnSpc>
+              <a:spcBef>
+                <a:spcPts val="500"/>
+              </a:spcBef>
+              <a:buFont typeface="Arial" panose="020B0604020202020204" pitchFamily="34" charset="0"/>
+              <a:buNone/>
+              <a:defRPr sz="1600" kern="1200">
+                <a:solidFill>
+                  <a:schemeClr val="tx1"/>
+                </a:solidFill>
+                <a:latin typeface="+mn-lt"/>
+                <a:ea typeface="+mn-ea"/>
+                <a:cs typeface="+mn-cs"/>
+              </a:defRPr>
+            </a:lvl6pPr>
+            <a:lvl7pPr marL="2743200" indent="0" algn="ctr" defTabSz="914400" rtl="0" eaLnBrk="1" latinLnBrk="0" hangingPunct="1">
+              <a:lnSpc>
+                <a:spcPct val="90000"/>
+              </a:lnSpc>
+              <a:spcBef>
+                <a:spcPts val="500"/>
+              </a:spcBef>
+              <a:buFont typeface="Arial" panose="020B0604020202020204" pitchFamily="34" charset="0"/>
+              <a:buNone/>
+              <a:defRPr sz="1600" kern="1200">
+                <a:solidFill>
+                  <a:schemeClr val="tx1"/>
+                </a:solidFill>
+                <a:latin typeface="+mn-lt"/>
+                <a:ea typeface="+mn-ea"/>
+                <a:cs typeface="+mn-cs"/>
+              </a:defRPr>
+            </a:lvl7pPr>
+            <a:lvl8pPr marL="3200400" indent="0" algn="ctr" defTabSz="914400" rtl="0" eaLnBrk="1" latinLnBrk="0" hangingPunct="1">
+              <a:lnSpc>
+                <a:spcPct val="90000"/>
+              </a:lnSpc>
+              <a:spcBef>
+                <a:spcPts val="500"/>
+              </a:spcBef>
+              <a:buFont typeface="Arial" panose="020B0604020202020204" pitchFamily="34" charset="0"/>
+              <a:buNone/>
+              <a:defRPr sz="1600" kern="1200">
+                <a:solidFill>
+                  <a:schemeClr val="tx1"/>
+                </a:solidFill>
+                <a:latin typeface="+mn-lt"/>
+                <a:ea typeface="+mn-ea"/>
+                <a:cs typeface="+mn-cs"/>
+              </a:defRPr>
+            </a:lvl8pPr>
+            <a:lvl9pPr marL="3657600" indent="0" algn="ctr" defTabSz="914400" rtl="0" eaLnBrk="1" latinLnBrk="0" hangingPunct="1">
+              <a:lnSpc>
+                <a:spcPct val="90000"/>
+              </a:lnSpc>
+              <a:spcBef>
+                <a:spcPts val="500"/>
+              </a:spcBef>
+              <a:buFont typeface="Arial" panose="020B0604020202020204" pitchFamily="34" charset="0"/>
+              <a:buNone/>
+              <a:defRPr sz="1600" kern="1200">
+                <a:solidFill>
+                  <a:schemeClr val="tx1"/>
+                </a:solidFill>
+                <a:latin typeface="+mn-lt"/>
+                <a:ea typeface="+mn-ea"/>
+                <a:cs typeface="+mn-cs"/>
+              </a:defRPr>
+            </a:lvl9pPr>
+          </a:lstStyle>
+          <a:p>
+            <a:r>
+              <a:rPr lang="es-ES" sz="2000" dirty="0">
+                <a:latin typeface="Aharoni" panose="02010803020104030203" pitchFamily="2" charset="-79"/>
+                <a:cs typeface="Aharoni" panose="02010803020104030203" pitchFamily="2" charset="-79"/>
+              </a:rPr>
+              <a:t>Vista general del artículo</a:t>
+            </a:r>
+          </a:p>
+        </p:txBody>
+      </p:sp>
+      <p:sp>
+        <p:nvSpPr>
+          <p:cNvPr id="28" name="Subtítulo 2">
+            <a:extLst>
+              <a:ext uri="{FF2B5EF4-FFF2-40B4-BE49-F238E27FC236}">
+                <a16:creationId xmlns:a16="http://schemas.microsoft.com/office/drawing/2014/main" id="{992A7F47-20DE-A457-1291-532D2D5A4FD1}"/>
+              </a:ext>
+            </a:extLst>
+          </p:cNvPr>
+          <p:cNvSpPr txBox="1">
+            <a:spLocks/>
+          </p:cNvSpPr>
+          <p:nvPr/>
+        </p:nvSpPr>
+        <p:spPr>
+          <a:xfrm>
+            <a:off x="10858411" y="379573"/>
+            <a:ext cx="1142260" cy="1331739"/>
+          </a:xfrm>
+          <a:prstGeom prst="rect">
+            <a:avLst/>
+          </a:prstGeom>
+          <a:ln w="38100">
+            <a:solidFill>
+              <a:schemeClr val="tx1"/>
+            </a:solidFill>
+          </a:ln>
+        </p:spPr>
+        <p:txBody>
+          <a:bodyPr vert="horz" lIns="91440" tIns="45720" rIns="91440" bIns="45720" rtlCol="0" anchor="ctr">
+            <a:normAutofit/>
+          </a:bodyPr>
+          <a:lstStyle>
+            <a:lvl1pPr marL="0" indent="0" algn="ctr" defTabSz="914400" rtl="0" eaLnBrk="1" latinLnBrk="0" hangingPunct="1">
+              <a:lnSpc>
+                <a:spcPct val="90000"/>
+              </a:lnSpc>
+              <a:spcBef>
+                <a:spcPts val="1000"/>
+              </a:spcBef>
+              <a:buFont typeface="Arial" panose="020B0604020202020204" pitchFamily="34" charset="0"/>
+              <a:buNone/>
+              <a:defRPr sz="2400" kern="1200">
+                <a:solidFill>
+                  <a:schemeClr val="tx1"/>
+                </a:solidFill>
+                <a:latin typeface="+mn-lt"/>
+                <a:ea typeface="+mn-ea"/>
+                <a:cs typeface="+mn-cs"/>
+              </a:defRPr>
+            </a:lvl1pPr>
+            <a:lvl2pPr marL="457200" indent="0" algn="ctr" defTabSz="914400" rtl="0" eaLnBrk="1" latinLnBrk="0" hangingPunct="1">
+              <a:lnSpc>
+                <a:spcPct val="90000"/>
+              </a:lnSpc>
+              <a:spcBef>
+                <a:spcPts val="500"/>
+              </a:spcBef>
+              <a:buFont typeface="Arial" panose="020B0604020202020204" pitchFamily="34" charset="0"/>
+              <a:buNone/>
+              <a:defRPr sz="2000" kern="1200">
+                <a:solidFill>
+                  <a:schemeClr val="tx1"/>
+                </a:solidFill>
+                <a:latin typeface="+mn-lt"/>
+                <a:ea typeface="+mn-ea"/>
+                <a:cs typeface="+mn-cs"/>
+              </a:defRPr>
+            </a:lvl2pPr>
+            <a:lvl3pPr marL="914400" indent="0" algn="ctr" defTabSz="914400" rtl="0" eaLnBrk="1" latinLnBrk="0" hangingPunct="1">
+              <a:lnSpc>
+                <a:spcPct val="90000"/>
+              </a:lnSpc>
+              <a:spcBef>
+                <a:spcPts val="500"/>
+              </a:spcBef>
+              <a:buFont typeface="Arial" panose="020B0604020202020204" pitchFamily="34" charset="0"/>
+              <a:buNone/>
+              <a:defRPr sz="1800" kern="1200">
+                <a:solidFill>
+                  <a:schemeClr val="tx1"/>
+                </a:solidFill>
+                <a:latin typeface="+mn-lt"/>
+                <a:ea typeface="+mn-ea"/>
+                <a:cs typeface="+mn-cs"/>
+              </a:defRPr>
+            </a:lvl3pPr>
+            <a:lvl4pPr marL="1371600" indent="0" algn="ctr" defTabSz="914400" rtl="0" eaLnBrk="1" latinLnBrk="0" hangingPunct="1">
+              <a:lnSpc>
+                <a:spcPct val="90000"/>
+              </a:lnSpc>
+              <a:spcBef>
+                <a:spcPts val="500"/>
+              </a:spcBef>
+              <a:buFont typeface="Arial" panose="020B0604020202020204" pitchFamily="34" charset="0"/>
+              <a:buNone/>
+              <a:defRPr sz="1600" kern="1200">
+                <a:solidFill>
+                  <a:schemeClr val="tx1"/>
+                </a:solidFill>
+                <a:latin typeface="+mn-lt"/>
+                <a:ea typeface="+mn-ea"/>
+                <a:cs typeface="+mn-cs"/>
+              </a:defRPr>
+            </a:lvl4pPr>
+            <a:lvl5pPr marL="1828800" indent="0" algn="ctr" defTabSz="914400" rtl="0" eaLnBrk="1" latinLnBrk="0" hangingPunct="1">
+              <a:lnSpc>
+                <a:spcPct val="90000"/>
+              </a:lnSpc>
+              <a:spcBef>
+                <a:spcPts val="500"/>
+              </a:spcBef>
+              <a:buFont typeface="Arial" panose="020B0604020202020204" pitchFamily="34" charset="0"/>
+              <a:buNone/>
+              <a:defRPr sz="1600" kern="1200">
+                <a:solidFill>
+                  <a:schemeClr val="tx1"/>
+                </a:solidFill>
+                <a:latin typeface="+mn-lt"/>
+                <a:ea typeface="+mn-ea"/>
+                <a:cs typeface="+mn-cs"/>
+              </a:defRPr>
+            </a:lvl5pPr>
+            <a:lvl6pPr marL="2286000" indent="0" algn="ctr" defTabSz="914400" rtl="0" eaLnBrk="1" latinLnBrk="0" hangingPunct="1">
+              <a:lnSpc>
+                <a:spcPct val="90000"/>
+              </a:lnSpc>
+              <a:spcBef>
+                <a:spcPts val="500"/>
+              </a:spcBef>
+              <a:buFont typeface="Arial" panose="020B0604020202020204" pitchFamily="34" charset="0"/>
+              <a:buNone/>
+              <a:defRPr sz="1600" kern="1200">
+                <a:solidFill>
+                  <a:schemeClr val="tx1"/>
+                </a:solidFill>
+                <a:latin typeface="+mn-lt"/>
+                <a:ea typeface="+mn-ea"/>
+                <a:cs typeface="+mn-cs"/>
+              </a:defRPr>
+            </a:lvl6pPr>
+            <a:lvl7pPr marL="2743200" indent="0" algn="ctr" defTabSz="914400" rtl="0" eaLnBrk="1" latinLnBrk="0" hangingPunct="1">
+              <a:lnSpc>
+                <a:spcPct val="90000"/>
+              </a:lnSpc>
+              <a:spcBef>
+                <a:spcPts val="500"/>
+              </a:spcBef>
+              <a:buFont typeface="Arial" panose="020B0604020202020204" pitchFamily="34" charset="0"/>
+              <a:buNone/>
+              <a:defRPr sz="1600" kern="1200">
+                <a:solidFill>
+                  <a:schemeClr val="tx1"/>
+                </a:solidFill>
+                <a:latin typeface="+mn-lt"/>
+                <a:ea typeface="+mn-ea"/>
+                <a:cs typeface="+mn-cs"/>
+              </a:defRPr>
+            </a:lvl7pPr>
+            <a:lvl8pPr marL="3200400" indent="0" algn="ctr" defTabSz="914400" rtl="0" eaLnBrk="1" latinLnBrk="0" hangingPunct="1">
+              <a:lnSpc>
+                <a:spcPct val="90000"/>
+              </a:lnSpc>
+              <a:spcBef>
+                <a:spcPts val="500"/>
+              </a:spcBef>
+              <a:buFont typeface="Arial" panose="020B0604020202020204" pitchFamily="34" charset="0"/>
+              <a:buNone/>
+              <a:defRPr sz="1600" kern="1200">
+                <a:solidFill>
+                  <a:schemeClr val="tx1"/>
+                </a:solidFill>
+                <a:latin typeface="+mn-lt"/>
+                <a:ea typeface="+mn-ea"/>
+                <a:cs typeface="+mn-cs"/>
+              </a:defRPr>
+            </a:lvl8pPr>
+            <a:lvl9pPr marL="3657600" indent="0" algn="ctr" defTabSz="914400" rtl="0" eaLnBrk="1" latinLnBrk="0" hangingPunct="1">
+              <a:lnSpc>
+                <a:spcPct val="90000"/>
+              </a:lnSpc>
+              <a:spcBef>
+                <a:spcPts val="500"/>
+              </a:spcBef>
+              <a:buFont typeface="Arial" panose="020B0604020202020204" pitchFamily="34" charset="0"/>
+              <a:buNone/>
+              <a:defRPr sz="1600" kern="1200">
+                <a:solidFill>
+                  <a:schemeClr val="tx1"/>
+                </a:solidFill>
+                <a:latin typeface="+mn-lt"/>
+                <a:ea typeface="+mn-ea"/>
+                <a:cs typeface="+mn-cs"/>
+              </a:defRPr>
+            </a:lvl9pPr>
+          </a:lstStyle>
+          <a:p>
+            <a:r>
+              <a:rPr lang="es-ES" sz="1800" b="1" dirty="0">
+                <a:latin typeface="Aharoni" panose="02010803020104030203" pitchFamily="2" charset="-79"/>
+                <a:cs typeface="Aharoni" panose="02010803020104030203" pitchFamily="2" charset="-79"/>
+              </a:rPr>
+              <a:t>Logotipo</a:t>
+            </a:r>
+          </a:p>
+        </p:txBody>
+      </p:sp>
+      <p:sp>
+        <p:nvSpPr>
+          <p:cNvPr id="30" name="Subtítulo 2">
+            <a:extLst>
+              <a:ext uri="{FF2B5EF4-FFF2-40B4-BE49-F238E27FC236}">
+                <a16:creationId xmlns:a16="http://schemas.microsoft.com/office/drawing/2014/main" id="{AEEE5D8C-675D-539E-7F60-D741F0CFE015}"/>
+              </a:ext>
+            </a:extLst>
+          </p:cNvPr>
+          <p:cNvSpPr txBox="1">
+            <a:spLocks/>
+          </p:cNvSpPr>
+          <p:nvPr/>
+        </p:nvSpPr>
+        <p:spPr>
+          <a:xfrm>
+            <a:off x="9505535" y="379573"/>
+            <a:ext cx="1218690" cy="1331739"/>
+          </a:xfrm>
+          <a:prstGeom prst="rect">
+            <a:avLst/>
+          </a:prstGeom>
+          <a:ln w="38100">
+            <a:solidFill>
+              <a:schemeClr val="tx1"/>
+            </a:solidFill>
+          </a:ln>
+        </p:spPr>
+        <p:txBody>
+          <a:bodyPr vert="horz" lIns="91440" tIns="45720" rIns="91440" bIns="45720" rtlCol="0" anchor="ctr">
+            <a:normAutofit/>
+          </a:bodyPr>
+          <a:lstStyle>
+            <a:lvl1pPr marL="0" indent="0" algn="ctr" defTabSz="914400" rtl="0" eaLnBrk="1" latinLnBrk="0" hangingPunct="1">
+              <a:lnSpc>
+                <a:spcPct val="90000"/>
+              </a:lnSpc>
+              <a:spcBef>
+                <a:spcPts val="1000"/>
+              </a:spcBef>
+              <a:buFont typeface="Arial" panose="020B0604020202020204" pitchFamily="34" charset="0"/>
+              <a:buNone/>
+              <a:defRPr sz="2400" kern="1200">
+                <a:solidFill>
+                  <a:schemeClr val="tx1"/>
+                </a:solidFill>
+                <a:latin typeface="+mn-lt"/>
+                <a:ea typeface="+mn-ea"/>
+                <a:cs typeface="+mn-cs"/>
+              </a:defRPr>
+            </a:lvl1pPr>
+            <a:lvl2pPr marL="457200" indent="0" algn="ctr" defTabSz="914400" rtl="0" eaLnBrk="1" latinLnBrk="0" hangingPunct="1">
+              <a:lnSpc>
+                <a:spcPct val="90000"/>
+              </a:lnSpc>
+              <a:spcBef>
+                <a:spcPts val="500"/>
+              </a:spcBef>
+              <a:buFont typeface="Arial" panose="020B0604020202020204" pitchFamily="34" charset="0"/>
+              <a:buNone/>
+              <a:defRPr sz="2000" kern="1200">
+                <a:solidFill>
+                  <a:schemeClr val="tx1"/>
+                </a:solidFill>
+                <a:latin typeface="+mn-lt"/>
+                <a:ea typeface="+mn-ea"/>
+                <a:cs typeface="+mn-cs"/>
+              </a:defRPr>
+            </a:lvl2pPr>
+            <a:lvl3pPr marL="914400" indent="0" algn="ctr" defTabSz="914400" rtl="0" eaLnBrk="1" latinLnBrk="0" hangingPunct="1">
+              <a:lnSpc>
+                <a:spcPct val="90000"/>
+              </a:lnSpc>
+              <a:spcBef>
+                <a:spcPts val="500"/>
+              </a:spcBef>
+              <a:buFont typeface="Arial" panose="020B0604020202020204" pitchFamily="34" charset="0"/>
+              <a:buNone/>
+              <a:defRPr sz="1800" kern="1200">
+                <a:solidFill>
+                  <a:schemeClr val="tx1"/>
+                </a:solidFill>
+                <a:latin typeface="+mn-lt"/>
+                <a:ea typeface="+mn-ea"/>
+                <a:cs typeface="+mn-cs"/>
+              </a:defRPr>
+            </a:lvl3pPr>
+            <a:lvl4pPr marL="1371600" indent="0" algn="ctr" defTabSz="914400" rtl="0" eaLnBrk="1" latinLnBrk="0" hangingPunct="1">
+              <a:lnSpc>
+                <a:spcPct val="90000"/>
+              </a:lnSpc>
+              <a:spcBef>
+                <a:spcPts val="500"/>
+              </a:spcBef>
+              <a:buFont typeface="Arial" panose="020B0604020202020204" pitchFamily="34" charset="0"/>
+              <a:buNone/>
+              <a:defRPr sz="1600" kern="1200">
+                <a:solidFill>
+                  <a:schemeClr val="tx1"/>
+                </a:solidFill>
+                <a:latin typeface="+mn-lt"/>
+                <a:ea typeface="+mn-ea"/>
+                <a:cs typeface="+mn-cs"/>
+              </a:defRPr>
+            </a:lvl4pPr>
+            <a:lvl5pPr marL="1828800" indent="0" algn="ctr" defTabSz="914400" rtl="0" eaLnBrk="1" latinLnBrk="0" hangingPunct="1">
+              <a:lnSpc>
+                <a:spcPct val="90000"/>
+              </a:lnSpc>
+              <a:spcBef>
+                <a:spcPts val="500"/>
+              </a:spcBef>
+              <a:buFont typeface="Arial" panose="020B0604020202020204" pitchFamily="34" charset="0"/>
+              <a:buNone/>
+              <a:defRPr sz="1600" kern="1200">
+                <a:solidFill>
+                  <a:schemeClr val="tx1"/>
+                </a:solidFill>
+                <a:latin typeface="+mn-lt"/>
+                <a:ea typeface="+mn-ea"/>
+                <a:cs typeface="+mn-cs"/>
+              </a:defRPr>
+            </a:lvl5pPr>
+            <a:lvl6pPr marL="2286000" indent="0" algn="ctr" defTabSz="914400" rtl="0" eaLnBrk="1" latinLnBrk="0" hangingPunct="1">
+              <a:lnSpc>
+                <a:spcPct val="90000"/>
+              </a:lnSpc>
+              <a:spcBef>
+                <a:spcPts val="500"/>
+              </a:spcBef>
+              <a:buFont typeface="Arial" panose="020B0604020202020204" pitchFamily="34" charset="0"/>
+              <a:buNone/>
+              <a:defRPr sz="1600" kern="1200">
+                <a:solidFill>
+                  <a:schemeClr val="tx1"/>
+                </a:solidFill>
+                <a:latin typeface="+mn-lt"/>
+                <a:ea typeface="+mn-ea"/>
+                <a:cs typeface="+mn-cs"/>
+              </a:defRPr>
+            </a:lvl6pPr>
+            <a:lvl7pPr marL="2743200" indent="0" algn="ctr" defTabSz="914400" rtl="0" eaLnBrk="1" latinLnBrk="0" hangingPunct="1">
+              <a:lnSpc>
+                <a:spcPct val="90000"/>
+              </a:lnSpc>
+              <a:spcBef>
+                <a:spcPts val="500"/>
+              </a:spcBef>
+              <a:buFont typeface="Arial" panose="020B0604020202020204" pitchFamily="34" charset="0"/>
+              <a:buNone/>
+              <a:defRPr sz="1600" kern="1200">
+                <a:solidFill>
+                  <a:schemeClr val="tx1"/>
+                </a:solidFill>
+                <a:latin typeface="+mn-lt"/>
+                <a:ea typeface="+mn-ea"/>
+                <a:cs typeface="+mn-cs"/>
+              </a:defRPr>
+            </a:lvl7pPr>
+            <a:lvl8pPr marL="3200400" indent="0" algn="ctr" defTabSz="914400" rtl="0" eaLnBrk="1" latinLnBrk="0" hangingPunct="1">
+              <a:lnSpc>
+                <a:spcPct val="90000"/>
+              </a:lnSpc>
+              <a:spcBef>
+                <a:spcPts val="500"/>
+              </a:spcBef>
+              <a:buFont typeface="Arial" panose="020B0604020202020204" pitchFamily="34" charset="0"/>
+              <a:buNone/>
+              <a:defRPr sz="1600" kern="1200">
+                <a:solidFill>
+                  <a:schemeClr val="tx1"/>
+                </a:solidFill>
+                <a:latin typeface="+mn-lt"/>
+                <a:ea typeface="+mn-ea"/>
+                <a:cs typeface="+mn-cs"/>
+              </a:defRPr>
+            </a:lvl8pPr>
+            <a:lvl9pPr marL="3657600" indent="0" algn="ctr" defTabSz="914400" rtl="0" eaLnBrk="1" latinLnBrk="0" hangingPunct="1">
+              <a:lnSpc>
+                <a:spcPct val="90000"/>
+              </a:lnSpc>
+              <a:spcBef>
+                <a:spcPts val="500"/>
+              </a:spcBef>
+              <a:buFont typeface="Arial" panose="020B0604020202020204" pitchFamily="34" charset="0"/>
+              <a:buNone/>
+              <a:defRPr sz="1600" kern="1200">
+                <a:solidFill>
+                  <a:schemeClr val="tx1"/>
+                </a:solidFill>
+                <a:latin typeface="+mn-lt"/>
+                <a:ea typeface="+mn-ea"/>
+                <a:cs typeface="+mn-cs"/>
+              </a:defRPr>
+            </a:lvl9pPr>
+          </a:lstStyle>
+          <a:p>
+            <a:r>
+              <a:rPr lang="es-ES" b="1" dirty="0">
+                <a:latin typeface="Aharoni" panose="02010803020104030203" pitchFamily="2" charset="-79"/>
+                <a:cs typeface="Aharoni" panose="02010803020104030203" pitchFamily="2" charset="-79"/>
+              </a:rPr>
+              <a:t>Ajustes  cuenta</a:t>
             </a:r>
           </a:p>
         </p:txBody>
@@ -8453,6 +11580,66 @@
     <p:extLst>
       <p:ext uri="{BB962C8B-B14F-4D97-AF65-F5344CB8AC3E}">
         <p14:creationId xmlns:p14="http://schemas.microsoft.com/office/powerpoint/2010/main" val="2156905519"/>
+      </p:ext>
+    </p:extLst>
+  </p:cSld>
+  <p:clrMapOvr>
+    <a:masterClrMapping/>
+  </p:clrMapOvr>
+</p:sld>
+</file>
+
+<file path=ppt/slides/slide4.xml><?xml version="1.0" encoding="utf-8"?>
+<p:sld xmlns:a="http://schemas.openxmlformats.org/drawingml/2006/main" xmlns:r="http://schemas.openxmlformats.org/officeDocument/2006/relationships" xmlns:p="http://schemas.openxmlformats.org/presentationml/2006/main">
+  <p:cSld>
+    <p:spTree>
+      <p:nvGrpSpPr>
+        <p:cNvPr id="1" name=""/>
+        <p:cNvGrpSpPr/>
+        <p:nvPr/>
+      </p:nvGrpSpPr>
+      <p:grpSpPr>
+        <a:xfrm>
+          <a:off x="0" y="0"/>
+          <a:ext cx="0" cy="0"/>
+          <a:chOff x="0" y="0"/>
+          <a:chExt cx="0" cy="0"/>
+        </a:xfrm>
+      </p:grpSpPr>
+      <p:sp>
+        <p:nvSpPr>
+          <p:cNvPr id="2" name="Título 1">
+            <a:extLst>
+              <a:ext uri="{FF2B5EF4-FFF2-40B4-BE49-F238E27FC236}">
+                <a16:creationId xmlns:a16="http://schemas.microsoft.com/office/drawing/2014/main" id="{D4322FE3-789C-CDBB-4802-8E4077628435}"/>
+              </a:ext>
+            </a:extLst>
+          </p:cNvPr>
+          <p:cNvSpPr>
+            <a:spLocks noGrp="1"/>
+          </p:cNvSpPr>
+          <p:nvPr>
+            <p:ph type="title"/>
+          </p:nvPr>
+        </p:nvSpPr>
+        <p:spPr>
+          <a:xfrm>
+            <a:off x="838200" y="365125"/>
+            <a:ext cx="10515600" cy="6071186"/>
+          </a:xfrm>
+        </p:spPr>
+        <p:txBody>
+          <a:bodyPr/>
+          <a:lstStyle/>
+          <a:p>
+            <a:endParaRPr lang="es-ES" dirty="0"/>
+          </a:p>
+        </p:txBody>
+      </p:sp>
+    </p:spTree>
+    <p:extLst>
+      <p:ext uri="{BB962C8B-B14F-4D97-AF65-F5344CB8AC3E}">
+        <p14:creationId xmlns:p14="http://schemas.microsoft.com/office/powerpoint/2010/main" val="3847885782"/>
       </p:ext>
     </p:extLst>
   </p:cSld>
